--- a/translations/pt-br/Project/Compartilhamento.pptx
+++ b/translations/pt-br/Project/Compartilhamento.pptx
@@ -1,30 +1,443 @@
 
 <file path=ppt/presentation.xml><?xml version="1.0" encoding="utf-8"?>
-<p:presentation xmlns:a="http://schemas.openxmlformats.org/drawingml/2006/main" xmlns:p="http://schemas.openxmlformats.org/presentationml/2006/main" xmlns:r="http://schemas.openxmlformats.org/officeDocument/2006/relationships" xmlns:p14="http://schemas.microsoft.com/office/powerpoint/2010/main" xmlns:p15="http://schemas.microsoft.com/office/powerpoint/2012/main" xmlns:mc="http://schemas.openxmlformats.org/markup-compatibility/2006">
+<p:presentation xmlns:a="http://schemas.openxmlformats.org/drawingml/2006/main" xmlns:r="http://schemas.openxmlformats.org/officeDocument/2006/relationships" xmlns:p="http://schemas.openxmlformats.org/presentationml/2006/main">
   <p:sldMasterIdLst>
-    <p:sldMasterId id="2147483648" r:id="rId2"/>
-    <p:sldMasterId id="2147483661" r:id="rId3"/>
+    <p:sldMasterId id="2147483648" r:id="rId1"/>
+    <p:sldMasterId id="2147483661" r:id="rId2"/>
   </p:sldMasterIdLst>
   <p:notesMasterIdLst>
-    <p:notesMasterId r:id="rId4"/>
+    <p:notesMasterId r:id="rId11"/>
   </p:notesMasterIdLst>
   <p:sldIdLst>
-    <p:sldId id="256" r:id="rId5"/>
-    <p:sldId id="257" r:id="rId6"/>
-    <p:sldId id="258" r:id="rId7"/>
-    <p:sldId id="259" r:id="rId8"/>
-    <p:sldId id="260" r:id="rId9"/>
-    <p:sldId id="261" r:id="rId10"/>
-    <p:sldId id="262" r:id="rId11"/>
-    <p:sldId id="263" r:id="rId12"/>
+    <p:sldId id="256" r:id="rId3"/>
+    <p:sldId id="257" r:id="rId4"/>
+    <p:sldId id="258" r:id="rId5"/>
+    <p:sldId id="259" r:id="rId6"/>
+    <p:sldId id="260" r:id="rId7"/>
+    <p:sldId id="261" r:id="rId8"/>
+    <p:sldId id="262" r:id="rId9"/>
+    <p:sldId id="263" r:id="rId10"/>
   </p:sldIdLst>
-  <p:sldSz cx="9144000" cy="6858000"/>
+  <p:sldSz cx="9144000" cy="6858000" type="screen4x3"/>
   <p:notesSz cx="6858000" cy="9144000"/>
+  <p:defaultTextStyle>
+    <a:defPPr>
+      <a:defRPr lang="en-US"/>
+    </a:defPPr>
+    <a:lvl1pPr marL="0" algn="l" defTabSz="914400" rtl="0" eaLnBrk="1" latinLnBrk="0" hangingPunct="1">
+      <a:defRPr sz="1800" kern="1200">
+        <a:solidFill>
+          <a:schemeClr val="tx1"/>
+        </a:solidFill>
+        <a:latin typeface="+mn-lt"/>
+        <a:ea typeface="+mn-ea"/>
+        <a:cs typeface="+mn-cs"/>
+      </a:defRPr>
+    </a:lvl1pPr>
+    <a:lvl2pPr marL="457200" algn="l" defTabSz="914400" rtl="0" eaLnBrk="1" latinLnBrk="0" hangingPunct="1">
+      <a:defRPr sz="1800" kern="1200">
+        <a:solidFill>
+          <a:schemeClr val="tx1"/>
+        </a:solidFill>
+        <a:latin typeface="+mn-lt"/>
+        <a:ea typeface="+mn-ea"/>
+        <a:cs typeface="+mn-cs"/>
+      </a:defRPr>
+    </a:lvl2pPr>
+    <a:lvl3pPr marL="914400" algn="l" defTabSz="914400" rtl="0" eaLnBrk="1" latinLnBrk="0" hangingPunct="1">
+      <a:defRPr sz="1800" kern="1200">
+        <a:solidFill>
+          <a:schemeClr val="tx1"/>
+        </a:solidFill>
+        <a:latin typeface="+mn-lt"/>
+        <a:ea typeface="+mn-ea"/>
+        <a:cs typeface="+mn-cs"/>
+      </a:defRPr>
+    </a:lvl3pPr>
+    <a:lvl4pPr marL="1371600" algn="l" defTabSz="914400" rtl="0" eaLnBrk="1" latinLnBrk="0" hangingPunct="1">
+      <a:defRPr sz="1800" kern="1200">
+        <a:solidFill>
+          <a:schemeClr val="tx1"/>
+        </a:solidFill>
+        <a:latin typeface="+mn-lt"/>
+        <a:ea typeface="+mn-ea"/>
+        <a:cs typeface="+mn-cs"/>
+      </a:defRPr>
+    </a:lvl4pPr>
+    <a:lvl5pPr marL="1828800" algn="l" defTabSz="914400" rtl="0" eaLnBrk="1" latinLnBrk="0" hangingPunct="1">
+      <a:defRPr sz="1800" kern="1200">
+        <a:solidFill>
+          <a:schemeClr val="tx1"/>
+        </a:solidFill>
+        <a:latin typeface="+mn-lt"/>
+        <a:ea typeface="+mn-ea"/>
+        <a:cs typeface="+mn-cs"/>
+      </a:defRPr>
+    </a:lvl5pPr>
+    <a:lvl6pPr marL="2286000" algn="l" defTabSz="914400" rtl="0" eaLnBrk="1" latinLnBrk="0" hangingPunct="1">
+      <a:defRPr sz="1800" kern="1200">
+        <a:solidFill>
+          <a:schemeClr val="tx1"/>
+        </a:solidFill>
+        <a:latin typeface="+mn-lt"/>
+        <a:ea typeface="+mn-ea"/>
+        <a:cs typeface="+mn-cs"/>
+      </a:defRPr>
+    </a:lvl6pPr>
+    <a:lvl7pPr marL="2743200" algn="l" defTabSz="914400" rtl="0" eaLnBrk="1" latinLnBrk="0" hangingPunct="1">
+      <a:defRPr sz="1800" kern="1200">
+        <a:solidFill>
+          <a:schemeClr val="tx1"/>
+        </a:solidFill>
+        <a:latin typeface="+mn-lt"/>
+        <a:ea typeface="+mn-ea"/>
+        <a:cs typeface="+mn-cs"/>
+      </a:defRPr>
+    </a:lvl7pPr>
+    <a:lvl8pPr marL="3200400" algn="l" defTabSz="914400" rtl="0" eaLnBrk="1" latinLnBrk="0" hangingPunct="1">
+      <a:defRPr sz="1800" kern="1200">
+        <a:solidFill>
+          <a:schemeClr val="tx1"/>
+        </a:solidFill>
+        <a:latin typeface="+mn-lt"/>
+        <a:ea typeface="+mn-ea"/>
+        <a:cs typeface="+mn-cs"/>
+      </a:defRPr>
+    </a:lvl8pPr>
+    <a:lvl9pPr marL="3657600" algn="l" defTabSz="914400" rtl="0" eaLnBrk="1" latinLnBrk="0" hangingPunct="1">
+      <a:defRPr sz="1800" kern="1200">
+        <a:solidFill>
+          <a:schemeClr val="tx1"/>
+        </a:solidFill>
+        <a:latin typeface="+mn-lt"/>
+        <a:ea typeface="+mn-ea"/>
+        <a:cs typeface="+mn-cs"/>
+      </a:defRPr>
+    </a:lvl9pPr>
+  </p:defaultTextStyle>
 </p:presentation>
 </file>
 
 <file path=ppt/notesMasters/notesMaster1.xml><?xml version="1.0" encoding="utf-8"?>
-<p:notesMaster xmlns:a="http://schemas.openxmlformats.org/drawingml/2006/main" xmlns:p="http://schemas.openxmlformats.org/presentationml/2006/main" xmlns:r="http://schemas.openxmlformats.org/officeDocument/2006/relationships" xmlns:p14="http://schemas.microsoft.com/office/powerpoint/2010/main" xmlns:p15="http://schemas.microsoft.com/office/powerpoint/2012/main" xmlns:mc="http://schemas.openxmlformats.org/markup-compatibility/2006">
+<p:notesMaster xmlns:a="http://schemas.openxmlformats.org/drawingml/2006/main" xmlns:r="http://schemas.openxmlformats.org/officeDocument/2006/relationships" xmlns:p="http://schemas.openxmlformats.org/presentationml/2006/main">
+  <p:cSld>
+    <p:bg>
+      <p:bgRef idx="1001">
+        <a:schemeClr val="bg1"/>
+      </p:bgRef>
+    </p:bg>
+    <p:spTree>
+      <p:nvGrpSpPr>
+        <p:cNvPr id="1" name=""/>
+        <p:cNvGrpSpPr/>
+        <p:nvPr/>
+      </p:nvGrpSpPr>
+      <p:grpSpPr>
+        <a:xfrm>
+          <a:off x="0" y="0"/>
+          <a:ext cx="0" cy="0"/>
+          <a:chOff x="0" y="0"/>
+          <a:chExt cx="0" cy="0"/>
+        </a:xfrm>
+      </p:grpSpPr>
+      <p:sp>
+        <p:nvSpPr>
+          <p:cNvPr id="88" name="PlaceHolder 1"/>
+          <p:cNvSpPr>
+            <a:spLocks noGrp="1" noRot="1" noChangeAspect="1"/>
+          </p:cNvSpPr>
+          <p:nvPr>
+            <p:ph type="sldImg"/>
+          </p:nvPr>
+        </p:nvSpPr>
+        <p:spPr>
+          <a:xfrm>
+            <a:off x="216000" y="812520"/>
+            <a:ext cx="7127280" cy="4008960"/>
+          </a:xfrm>
+          <a:prstGeom prst="rect">
+            <a:avLst/>
+          </a:prstGeom>
+        </p:spPr>
+        <p:txBody>
+          <a:bodyPr lIns="0" tIns="0" rIns="0" bIns="0" anchor="ctr"/>
+          <a:lstStyle/>
+          <a:p>
+            <a:pPr algn="ctr"/>
+            <a:r>
+              <a:rPr lang="pt-BR" sz="4400" b="0" strike="noStrike" spc="-1">
+                <a:latin typeface="Arial"/>
+              </a:rPr>
+              <a:t>Clique para mover o slide</a:t>
+            </a:r>
+          </a:p>
+        </p:txBody>
+      </p:sp>
+      <p:sp>
+        <p:nvSpPr>
+          <p:cNvPr id="89" name="PlaceHolder 2"/>
+          <p:cNvSpPr>
+            <a:spLocks noGrp="1"/>
+          </p:cNvSpPr>
+          <p:nvPr>
+            <p:ph type="body"/>
+          </p:nvPr>
+        </p:nvSpPr>
+        <p:spPr>
+          <a:xfrm>
+            <a:off x="756000" y="5078520"/>
+            <a:ext cx="6047640" cy="4811040"/>
+          </a:xfrm>
+          <a:prstGeom prst="rect">
+            <a:avLst/>
+          </a:prstGeom>
+        </p:spPr>
+        <p:txBody>
+          <a:bodyPr lIns="0" tIns="0" rIns="0" bIns="0"/>
+          <a:lstStyle/>
+          <a:p>
+            <a:r>
+              <a:rPr lang="pt-BR" sz="2000" b="0" strike="noStrike" spc="-1">
+                <a:latin typeface="Arial"/>
+              </a:rPr>
+              <a:t>Clique para editar o formato de notas</a:t>
+            </a:r>
+          </a:p>
+        </p:txBody>
+      </p:sp>
+      <p:sp>
+        <p:nvSpPr>
+          <p:cNvPr id="90" name="PlaceHolder 3"/>
+          <p:cNvSpPr>
+            <a:spLocks noGrp="1"/>
+          </p:cNvSpPr>
+          <p:nvPr>
+            <p:ph type="hdr"/>
+          </p:nvPr>
+        </p:nvSpPr>
+        <p:spPr>
+          <a:xfrm>
+            <a:off x="0" y="0"/>
+            <a:ext cx="3280680" cy="534240"/>
+          </a:xfrm>
+          <a:prstGeom prst="rect">
+            <a:avLst/>
+          </a:prstGeom>
+        </p:spPr>
+        <p:txBody>
+          <a:bodyPr lIns="0" tIns="0" rIns="0" bIns="0"/>
+          <a:lstStyle/>
+          <a:p>
+            <a:r>
+              <a:rPr lang="pt-BR" sz="1400" b="0" strike="noStrike" spc="-1">
+                <a:latin typeface="Times New Roman"/>
+              </a:rPr>
+              <a:t>&lt;cabeçalho&gt;</a:t>
+            </a:r>
+          </a:p>
+        </p:txBody>
+      </p:sp>
+      <p:sp>
+        <p:nvSpPr>
+          <p:cNvPr id="91" name="PlaceHolder 4"/>
+          <p:cNvSpPr>
+            <a:spLocks noGrp="1"/>
+          </p:cNvSpPr>
+          <p:nvPr>
+            <p:ph type="dt"/>
+          </p:nvPr>
+        </p:nvSpPr>
+        <p:spPr>
+          <a:xfrm>
+            <a:off x="4278960" y="0"/>
+            <a:ext cx="3280680" cy="534240"/>
+          </a:xfrm>
+          <a:prstGeom prst="rect">
+            <a:avLst/>
+          </a:prstGeom>
+        </p:spPr>
+        <p:txBody>
+          <a:bodyPr lIns="0" tIns="0" rIns="0" bIns="0"/>
+          <a:lstStyle/>
+          <a:p>
+            <a:pPr algn="r"/>
+            <a:r>
+              <a:rPr lang="pt-BR" sz="1400" b="0" strike="noStrike" spc="-1">
+                <a:latin typeface="Times New Roman"/>
+              </a:rPr>
+              <a:t>&lt;data/hora&gt;</a:t>
+            </a:r>
+          </a:p>
+        </p:txBody>
+      </p:sp>
+      <p:sp>
+        <p:nvSpPr>
+          <p:cNvPr id="92" name="PlaceHolder 5"/>
+          <p:cNvSpPr>
+            <a:spLocks noGrp="1"/>
+          </p:cNvSpPr>
+          <p:nvPr>
+            <p:ph type="ftr"/>
+          </p:nvPr>
+        </p:nvSpPr>
+        <p:spPr>
+          <a:xfrm>
+            <a:off x="0" y="10157400"/>
+            <a:ext cx="3280680" cy="534240"/>
+          </a:xfrm>
+          <a:prstGeom prst="rect">
+            <a:avLst/>
+          </a:prstGeom>
+        </p:spPr>
+        <p:txBody>
+          <a:bodyPr lIns="0" tIns="0" rIns="0" bIns="0" anchor="b"/>
+          <a:lstStyle/>
+          <a:p>
+            <a:r>
+              <a:rPr lang="pt-BR" sz="1400" b="0" strike="noStrike" spc="-1">
+                <a:latin typeface="Times New Roman"/>
+              </a:rPr>
+              <a:t>&lt;rodapé&gt;</a:t>
+            </a:r>
+          </a:p>
+        </p:txBody>
+      </p:sp>
+      <p:sp>
+        <p:nvSpPr>
+          <p:cNvPr id="93" name="PlaceHolder 6"/>
+          <p:cNvSpPr>
+            <a:spLocks noGrp="1"/>
+          </p:cNvSpPr>
+          <p:nvPr>
+            <p:ph type="sldNum"/>
+          </p:nvPr>
+        </p:nvSpPr>
+        <p:spPr>
+          <a:xfrm>
+            <a:off x="4278960" y="10157400"/>
+            <a:ext cx="3280680" cy="534240"/>
+          </a:xfrm>
+          <a:prstGeom prst="rect">
+            <a:avLst/>
+          </a:prstGeom>
+        </p:spPr>
+        <p:txBody>
+          <a:bodyPr lIns="0" tIns="0" rIns="0" bIns="0" anchor="b"/>
+          <a:lstStyle/>
+          <a:p>
+            <a:pPr algn="r"/>
+            <a:fld id="{B463F0E6-19F1-4B5F-AB28-53A0EDD638C5}" type="slidenum">
+              <a:rPr lang="pt-BR" sz="1400" b="0" strike="noStrike" spc="-1">
+                <a:latin typeface="Times New Roman"/>
+              </a:rPr>
+              <a:t>‹#›</a:t>
+            </a:fld>
+            <a:endParaRPr lang="pt-BR" sz="1400" b="0" strike="noStrike" spc="-1">
+              <a:latin typeface="Times New Roman"/>
+            </a:endParaRPr>
+          </a:p>
+        </p:txBody>
+      </p:sp>
+    </p:spTree>
+  </p:cSld>
+  <p:clrMap bg1="lt1" tx1="dk1" bg2="lt2" tx2="dk2" accent1="accent1" accent2="accent2" accent3="accent3" accent4="accent4" accent5="accent5" accent6="accent6" hlink="hlink" folHlink="folHlink"/>
+  <p:notesStyle>
+    <a:lvl1pPr marL="0" algn="l" defTabSz="914400" rtl="0" eaLnBrk="1" latinLnBrk="0" hangingPunct="1">
+      <a:defRPr sz="1200" kern="1200">
+        <a:solidFill>
+          <a:schemeClr val="tx1"/>
+        </a:solidFill>
+        <a:latin typeface="+mn-lt"/>
+        <a:ea typeface="+mn-ea"/>
+        <a:cs typeface="+mn-cs"/>
+      </a:defRPr>
+    </a:lvl1pPr>
+    <a:lvl2pPr marL="457200" algn="l" defTabSz="914400" rtl="0" eaLnBrk="1" latinLnBrk="0" hangingPunct="1">
+      <a:defRPr sz="1200" kern="1200">
+        <a:solidFill>
+          <a:schemeClr val="tx1"/>
+        </a:solidFill>
+        <a:latin typeface="+mn-lt"/>
+        <a:ea typeface="+mn-ea"/>
+        <a:cs typeface="+mn-cs"/>
+      </a:defRPr>
+    </a:lvl2pPr>
+    <a:lvl3pPr marL="914400" algn="l" defTabSz="914400" rtl="0" eaLnBrk="1" latinLnBrk="0" hangingPunct="1">
+      <a:defRPr sz="1200" kern="1200">
+        <a:solidFill>
+          <a:schemeClr val="tx1"/>
+        </a:solidFill>
+        <a:latin typeface="+mn-lt"/>
+        <a:ea typeface="+mn-ea"/>
+        <a:cs typeface="+mn-cs"/>
+      </a:defRPr>
+    </a:lvl3pPr>
+    <a:lvl4pPr marL="1371600" algn="l" defTabSz="914400" rtl="0" eaLnBrk="1" latinLnBrk="0" hangingPunct="1">
+      <a:defRPr sz="1200" kern="1200">
+        <a:solidFill>
+          <a:schemeClr val="tx1"/>
+        </a:solidFill>
+        <a:latin typeface="+mn-lt"/>
+        <a:ea typeface="+mn-ea"/>
+        <a:cs typeface="+mn-cs"/>
+      </a:defRPr>
+    </a:lvl4pPr>
+    <a:lvl5pPr marL="1828800" algn="l" defTabSz="914400" rtl="0" eaLnBrk="1" latinLnBrk="0" hangingPunct="1">
+      <a:defRPr sz="1200" kern="1200">
+        <a:solidFill>
+          <a:schemeClr val="tx1"/>
+        </a:solidFill>
+        <a:latin typeface="+mn-lt"/>
+        <a:ea typeface="+mn-ea"/>
+        <a:cs typeface="+mn-cs"/>
+      </a:defRPr>
+    </a:lvl5pPr>
+    <a:lvl6pPr marL="2286000" algn="l" defTabSz="914400" rtl="0" eaLnBrk="1" latinLnBrk="0" hangingPunct="1">
+      <a:defRPr sz="1200" kern="1200">
+        <a:solidFill>
+          <a:schemeClr val="tx1"/>
+        </a:solidFill>
+        <a:latin typeface="+mn-lt"/>
+        <a:ea typeface="+mn-ea"/>
+        <a:cs typeface="+mn-cs"/>
+      </a:defRPr>
+    </a:lvl6pPr>
+    <a:lvl7pPr marL="2743200" algn="l" defTabSz="914400" rtl="0" eaLnBrk="1" latinLnBrk="0" hangingPunct="1">
+      <a:defRPr sz="1200" kern="1200">
+        <a:solidFill>
+          <a:schemeClr val="tx1"/>
+        </a:solidFill>
+        <a:latin typeface="+mn-lt"/>
+        <a:ea typeface="+mn-ea"/>
+        <a:cs typeface="+mn-cs"/>
+      </a:defRPr>
+    </a:lvl7pPr>
+    <a:lvl8pPr marL="3200400" algn="l" defTabSz="914400" rtl="0" eaLnBrk="1" latinLnBrk="0" hangingPunct="1">
+      <a:defRPr sz="1200" kern="1200">
+        <a:solidFill>
+          <a:schemeClr val="tx1"/>
+        </a:solidFill>
+        <a:latin typeface="+mn-lt"/>
+        <a:ea typeface="+mn-ea"/>
+        <a:cs typeface="+mn-cs"/>
+      </a:defRPr>
+    </a:lvl8pPr>
+    <a:lvl9pPr marL="3657600" algn="l" defTabSz="914400" rtl="0" eaLnBrk="1" latinLnBrk="0" hangingPunct="1">
+      <a:defRPr sz="1200" kern="1200">
+        <a:solidFill>
+          <a:schemeClr val="tx1"/>
+        </a:solidFill>
+        <a:latin typeface="+mn-lt"/>
+        <a:ea typeface="+mn-ea"/>
+        <a:cs typeface="+mn-cs"/>
+      </a:defRPr>
+    </a:lvl9pPr>
+  </p:notesStyle>
+</p:notesMaster>
+</file>
+
+<file path=ppt/notesSlides/notesSlide1.xml><?xml version="1.0" encoding="utf-8"?>
+<p:notes xmlns:a="http://schemas.openxmlformats.org/drawingml/2006/main" xmlns:r="http://schemas.openxmlformats.org/officeDocument/2006/relationships" xmlns:p="http://schemas.openxmlformats.org/presentationml/2006/main">
   <p:cSld>
     <p:spTree>
       <p:nvGrpSpPr>
@@ -42,9 +455,9 @@
       </p:grpSpPr>
       <p:sp>
         <p:nvSpPr>
-          <p:cNvPr id="88" name="PlaceHolder 1"/>
+          <p:cNvPr id="132" name="PlaceHolder 1"/>
           <p:cNvSpPr>
-            <a:spLocks noGrp="1"/>
+            <a:spLocks noGrp="1" noRot="1" noChangeAspect="1"/>
           </p:cNvSpPr>
           <p:nvPr>
             <p:ph type="sldImg"/>
@@ -52,32 +465,17 @@
         </p:nvSpPr>
         <p:spPr>
           <a:xfrm>
-            <a:off x="216000" y="812520"/>
-            <a:ext cx="7127280" cy="4008960"/>
-          </a:xfrm>
-          <a:prstGeom prst="rect">
-            <a:avLst/>
-          </a:prstGeom>
-        </p:spPr>
-        <p:txBody>
-          <a:bodyPr lIns="0" rIns="0" tIns="0" bIns="0" anchor="ctr"/>
-          <a:p>
-            <a:pPr algn="ctr"/>
-            <a:r>
-              <a:rPr b="0" lang="pt-BR" sz="4400" spc="-1" strike="noStrike">
-                <a:latin typeface="Arial"/>
-              </a:rPr>
-              <a:t>Clique para mover o slide</a:t>
-            </a:r>
-            <a:endParaRPr b="0" lang="pt-BR" sz="4400" spc="-1" strike="noStrike">
-              <a:latin typeface="Arial"/>
-            </a:endParaRPr>
-          </a:p>
-        </p:txBody>
-      </p:sp>
-      <p:sp>
-        <p:nvSpPr>
-          <p:cNvPr id="89" name="PlaceHolder 2"/>
+            <a:off x="1371600" y="1143000"/>
+            <a:ext cx="4114080" cy="3085560"/>
+          </a:xfrm>
+          <a:prstGeom prst="rect">
+            <a:avLst/>
+          </a:prstGeom>
+        </p:spPr>
+      </p:sp>
+      <p:sp>
+        <p:nvSpPr>
+          <p:cNvPr id="133" name="PlaceHolder 2"/>
           <p:cNvSpPr>
             <a:spLocks noGrp="1"/>
           </p:cNvSpPr>
@@ -87,174 +485,89 @@
         </p:nvSpPr>
         <p:spPr>
           <a:xfrm>
-            <a:off x="756000" y="5078520"/>
-            <a:ext cx="6047640" cy="4811040"/>
-          </a:xfrm>
-          <a:prstGeom prst="rect">
-            <a:avLst/>
-          </a:prstGeom>
-        </p:spPr>
-        <p:txBody>
-          <a:bodyPr lIns="0" rIns="0" tIns="0" bIns="0"/>
-          <a:p>
-            <a:r>
-              <a:rPr b="0" lang="pt-BR" sz="2000" spc="-1" strike="noStrike">
-                <a:latin typeface="Arial"/>
-              </a:rPr>
-              <a:t>Clique para editar o formato de notas</a:t>
-            </a:r>
-            <a:endParaRPr b="0" lang="pt-BR" sz="2000" spc="-1" strike="noStrike">
-              <a:latin typeface="Arial"/>
-            </a:endParaRPr>
-          </a:p>
-        </p:txBody>
-      </p:sp>
-      <p:sp>
-        <p:nvSpPr>
-          <p:cNvPr id="90" name="PlaceHolder 3"/>
-          <p:cNvSpPr>
-            <a:spLocks noGrp="1"/>
-          </p:cNvSpPr>
-          <p:nvPr>
-            <p:ph type="hdr"/>
-          </p:nvPr>
-        </p:nvSpPr>
-        <p:spPr>
-          <a:xfrm>
-            <a:off x="0" y="0"/>
-            <a:ext cx="3280680" cy="534240"/>
-          </a:xfrm>
-          <a:prstGeom prst="rect">
-            <a:avLst/>
-          </a:prstGeom>
-        </p:spPr>
-        <p:txBody>
-          <a:bodyPr lIns="0" rIns="0" tIns="0" bIns="0"/>
-          <a:p>
-            <a:r>
-              <a:rPr b="0" lang="pt-BR" sz="1400" spc="-1" strike="noStrike">
-                <a:latin typeface="Times New Roman"/>
-              </a:rPr>
-              <a:t>&lt;cabeçalho&gt;</a:t>
-            </a:r>
-            <a:endParaRPr b="0" lang="pt-BR" sz="1400" spc="-1" strike="noStrike">
-              <a:latin typeface="Times New Roman"/>
-            </a:endParaRPr>
-          </a:p>
-        </p:txBody>
-      </p:sp>
-      <p:sp>
-        <p:nvSpPr>
-          <p:cNvPr id="91" name="PlaceHolder 4"/>
-          <p:cNvSpPr>
-            <a:spLocks noGrp="1"/>
-          </p:cNvSpPr>
-          <p:nvPr>
-            <p:ph type="dt"/>
-          </p:nvPr>
-        </p:nvSpPr>
-        <p:spPr>
-          <a:xfrm>
-            <a:off x="4278960" y="0"/>
-            <a:ext cx="3280680" cy="534240"/>
-          </a:xfrm>
-          <a:prstGeom prst="rect">
-            <a:avLst/>
-          </a:prstGeom>
-        </p:spPr>
-        <p:txBody>
-          <a:bodyPr lIns="0" rIns="0" tIns="0" bIns="0"/>
-          <a:p>
-            <a:pPr algn="r"/>
-            <a:r>
-              <a:rPr b="0" lang="pt-BR" sz="1400" spc="-1" strike="noStrike">
-                <a:latin typeface="Times New Roman"/>
-              </a:rPr>
-              <a:t>&lt;data/hora&gt;</a:t>
-            </a:r>
-            <a:endParaRPr b="0" lang="pt-BR" sz="1400" spc="-1" strike="noStrike">
-              <a:latin typeface="Times New Roman"/>
-            </a:endParaRPr>
-          </a:p>
-        </p:txBody>
-      </p:sp>
-      <p:sp>
-        <p:nvSpPr>
-          <p:cNvPr id="92" name="PlaceHolder 5"/>
-          <p:cNvSpPr>
-            <a:spLocks noGrp="1"/>
-          </p:cNvSpPr>
-          <p:nvPr>
-            <p:ph type="ftr"/>
-          </p:nvPr>
-        </p:nvSpPr>
-        <p:spPr>
-          <a:xfrm>
-            <a:off x="0" y="10157400"/>
-            <a:ext cx="3280680" cy="534240"/>
-          </a:xfrm>
-          <a:prstGeom prst="rect">
-            <a:avLst/>
-          </a:prstGeom>
-        </p:spPr>
-        <p:txBody>
-          <a:bodyPr lIns="0" rIns="0" tIns="0" bIns="0" anchor="b"/>
-          <a:p>
-            <a:r>
-              <a:rPr b="0" lang="pt-BR" sz="1400" spc="-1" strike="noStrike">
-                <a:latin typeface="Times New Roman"/>
-              </a:rPr>
-              <a:t>&lt;rodapé&gt;</a:t>
-            </a:r>
-            <a:endParaRPr b="0" lang="pt-BR" sz="1400" spc="-1" strike="noStrike">
-              <a:latin typeface="Times New Roman"/>
-            </a:endParaRPr>
-          </a:p>
-        </p:txBody>
-      </p:sp>
-      <p:sp>
-        <p:nvSpPr>
-          <p:cNvPr id="93" name="PlaceHolder 6"/>
-          <p:cNvSpPr>
-            <a:spLocks noGrp="1"/>
-          </p:cNvSpPr>
-          <p:nvPr>
-            <p:ph type="sldNum"/>
-          </p:nvPr>
-        </p:nvSpPr>
-        <p:spPr>
-          <a:xfrm>
-            <a:off x="4278960" y="10157400"/>
-            <a:ext cx="3280680" cy="534240"/>
-          </a:xfrm>
-          <a:prstGeom prst="rect">
-            <a:avLst/>
-          </a:prstGeom>
-        </p:spPr>
-        <p:txBody>
-          <a:bodyPr lIns="0" rIns="0" tIns="0" bIns="0" anchor="b"/>
-          <a:p>
-            <a:pPr algn="r"/>
-            <a:fld id="{B463F0E6-19F1-4B5F-AB28-53A0EDD638C5}" type="slidenum">
-              <a:rPr b="0" lang="pt-BR" sz="1400" spc="-1" strike="noStrike">
-                <a:latin typeface="Times New Roman"/>
-              </a:rPr>
-              <a:t>&lt;número&gt;</a:t>
+            <a:off x="685800" y="4400640"/>
+            <a:ext cx="5485680" cy="3599640"/>
+          </a:xfrm>
+          <a:prstGeom prst="rect">
+            <a:avLst/>
+          </a:prstGeom>
+        </p:spPr>
+        <p:txBody>
+          <a:bodyPr lIns="0" tIns="0" rIns="0" bIns="0"/>
+          <a:lstStyle/>
+          <a:p>
+            <a:endParaRPr lang="pt-BR" sz="2000" b="0" strike="noStrike" spc="-1">
+              <a:latin typeface="Arial"/>
+            </a:endParaRPr>
+          </a:p>
+        </p:txBody>
+      </p:sp>
+      <p:sp>
+        <p:nvSpPr>
+          <p:cNvPr id="134" name="CustomShape 3"/>
+          <p:cNvSpPr/>
+          <p:nvPr/>
+        </p:nvSpPr>
+        <p:spPr>
+          <a:xfrm>
+            <a:off x="3884760" y="8685360"/>
+            <a:ext cx="2971080" cy="457920"/>
+          </a:xfrm>
+          <a:prstGeom prst="rect">
+            <a:avLst/>
+          </a:prstGeom>
+          <a:noFill/>
+          <a:ln>
+            <a:noFill/>
+          </a:ln>
+        </p:spPr>
+        <p:style>
+          <a:lnRef idx="0">
+            <a:scrgbClr r="0" g="0" b="0"/>
+          </a:lnRef>
+          <a:fillRef idx="0">
+            <a:scrgbClr r="0" g="0" b="0"/>
+          </a:fillRef>
+          <a:effectRef idx="0">
+            <a:scrgbClr r="0" g="0" b="0"/>
+          </a:effectRef>
+          <a:fontRef idx="minor"/>
+        </p:style>
+        <p:txBody>
+          <a:bodyPr lIns="90000" tIns="45000" rIns="90000" bIns="45000" anchor="b"/>
+          <a:lstStyle/>
+          <a:p>
+            <a:pPr algn="r">
+              <a:lnSpc>
+                <a:spcPct val="100000"/>
+              </a:lnSpc>
+            </a:pPr>
+            <a:fld id="{D454793E-B8E9-4DB7-834E-DD9CFC3A8EB5}" type="slidenum">
+              <a:rPr lang="pt-BR" sz="1200" b="0" strike="noStrike" spc="-1">
+                <a:solidFill>
+                  <a:srgbClr val="000000"/>
+                </a:solidFill>
+                <a:latin typeface="+mn-lt"/>
+                <a:ea typeface="+mn-ea"/>
+              </a:rPr>
+              <a:t>1</a:t>
             </a:fld>
-            <a:endParaRPr b="0" lang="pt-BR" sz="1400" spc="-1" strike="noStrike">
-              <a:latin typeface="Times New Roman"/>
+            <a:endParaRPr lang="pt-BR" sz="1200" b="0" strike="noStrike" spc="-1">
+              <a:latin typeface="Arial"/>
             </a:endParaRPr>
           </a:p>
         </p:txBody>
       </p:sp>
     </p:spTree>
   </p:cSld>
-  <p:clrMap bg1="lt1" bg2="lt2" tx1="dk1" tx2="dk2" accent1="accent1" accent2="accent2" accent3="accent3" accent4="accent4" accent5="accent5" accent6="accent6" hlink="hlink" folHlink="folHlink"/>
-</p:notesMaster>
+  <p:clrMapOvr>
+    <a:masterClrMapping/>
+  </p:clrMapOvr>
+</p:notes>
 </file>
 
-<file path=ppt/notesSlides/notesSlide1.xml><?xml version="1.0" encoding="utf-8"?>
-<p:notes xmlns:a="http://schemas.openxmlformats.org/drawingml/2006/main" xmlns:p="http://schemas.openxmlformats.org/presentationml/2006/main" xmlns:r="http://schemas.openxmlformats.org/officeDocument/2006/relationships" xmlns:p14="http://schemas.microsoft.com/office/powerpoint/2010/main" xmlns:p15="http://schemas.microsoft.com/office/powerpoint/2012/main" xmlns:mc="http://schemas.openxmlformats.org/markup-compatibility/2006">
+<file path=ppt/notesSlides/notesSlide2.xml><?xml version="1.0" encoding="utf-8"?>
+<p:notes xmlns:a="http://schemas.openxmlformats.org/drawingml/2006/main" xmlns:r="http://schemas.openxmlformats.org/officeDocument/2006/relationships" xmlns:p="http://schemas.openxmlformats.org/presentationml/2006/main">
   <p:cSld>
     <p:spTree>
       <p:nvGrpSpPr>
@@ -272,128 +585,9 @@
       </p:grpSpPr>
       <p:sp>
         <p:nvSpPr>
-          <p:cNvPr id="132" name="PlaceHolder 1"/>
-          <p:cNvSpPr>
-            <a:spLocks noGrp="1"/>
-          </p:cNvSpPr>
-          <p:nvPr>
-            <p:ph type="sldImg"/>
-          </p:nvPr>
-        </p:nvSpPr>
-        <p:spPr>
-          <a:xfrm>
-            <a:off x="1371600" y="1143000"/>
-            <a:ext cx="4114080" cy="3085560"/>
-          </a:xfrm>
-          <a:prstGeom prst="rect">
-            <a:avLst/>
-          </a:prstGeom>
-        </p:spPr>
-      </p:sp>
-      <p:sp>
-        <p:nvSpPr>
-          <p:cNvPr id="133" name="PlaceHolder 2"/>
-          <p:cNvSpPr>
-            <a:spLocks noGrp="1"/>
-          </p:cNvSpPr>
-          <p:nvPr>
-            <p:ph type="body"/>
-          </p:nvPr>
-        </p:nvSpPr>
-        <p:spPr>
-          <a:xfrm>
-            <a:off x="685800" y="4400640"/>
-            <a:ext cx="5485680" cy="3599640"/>
-          </a:xfrm>
-          <a:prstGeom prst="rect">
-            <a:avLst/>
-          </a:prstGeom>
-        </p:spPr>
-        <p:txBody>
-          <a:bodyPr lIns="0" rIns="0" tIns="0" bIns="0"/>
-          <a:p>
-            <a:endParaRPr b="0" lang="pt-BR" sz="2000" spc="-1" strike="noStrike">
-              <a:latin typeface="Arial"/>
-            </a:endParaRPr>
-          </a:p>
-        </p:txBody>
-      </p:sp>
-      <p:sp>
-        <p:nvSpPr>
-          <p:cNvPr id="134" name="CustomShape 3"/>
-          <p:cNvSpPr/>
-          <p:nvPr/>
-        </p:nvSpPr>
-        <p:spPr>
-          <a:xfrm>
-            <a:off x="3884760" y="8685360"/>
-            <a:ext cx="2971080" cy="457920"/>
-          </a:xfrm>
-          <a:prstGeom prst="rect">
-            <a:avLst/>
-          </a:prstGeom>
-          <a:noFill/>
-          <a:ln>
-            <a:noFill/>
-          </a:ln>
-        </p:spPr>
-        <p:style>
-          <a:lnRef idx="0"/>
-          <a:fillRef idx="0"/>
-          <a:effectRef idx="0"/>
-          <a:fontRef idx="minor"/>
-        </p:style>
-        <p:txBody>
-          <a:bodyPr lIns="90000" rIns="90000" tIns="45000" bIns="45000" anchor="b"/>
-          <a:p>
-            <a:pPr algn="r">
-              <a:lnSpc>
-                <a:spcPct val="100000"/>
-              </a:lnSpc>
-            </a:pPr>
-            <a:fld id="{D454793E-B8E9-4DB7-834E-DD9CFC3A8EB5}" type="slidenum">
-              <a:rPr b="0" lang="pt-BR" sz="1200" spc="-1" strike="noStrike">
-                <a:solidFill>
-                  <a:srgbClr val="000000"/>
-                </a:solidFill>
-                <a:latin typeface="+mn-lt"/>
-                <a:ea typeface="+mn-ea"/>
-              </a:rPr>
-              <a:t>&lt;número&gt;</a:t>
-            </a:fld>
-            <a:endParaRPr b="0" lang="pt-BR" sz="1200" spc="-1" strike="noStrike">
-              <a:latin typeface="Arial"/>
-            </a:endParaRPr>
-          </a:p>
-        </p:txBody>
-      </p:sp>
-    </p:spTree>
-  </p:cSld>
-</p:notes>
-</file>
-
-<file path=ppt/notesSlides/notesSlide7.xml><?xml version="1.0" encoding="utf-8"?>
-<p:notes xmlns:a="http://schemas.openxmlformats.org/drawingml/2006/main" xmlns:p="http://schemas.openxmlformats.org/presentationml/2006/main" xmlns:r="http://schemas.openxmlformats.org/officeDocument/2006/relationships" xmlns:p14="http://schemas.microsoft.com/office/powerpoint/2010/main" xmlns:p15="http://schemas.microsoft.com/office/powerpoint/2012/main" xmlns:mc="http://schemas.openxmlformats.org/markup-compatibility/2006">
-  <p:cSld>
-    <p:spTree>
-      <p:nvGrpSpPr>
-        <p:cNvPr id="1" name=""/>
-        <p:cNvGrpSpPr/>
-        <p:nvPr/>
-      </p:nvGrpSpPr>
-      <p:grpSpPr>
-        <a:xfrm>
-          <a:off x="0" y="0"/>
-          <a:ext cx="0" cy="0"/>
-          <a:chOff x="0" y="0"/>
-          <a:chExt cx="0" cy="0"/>
-        </a:xfrm>
-      </p:grpSpPr>
-      <p:sp>
-        <p:nvSpPr>
           <p:cNvPr id="135" name="PlaceHolder 1"/>
           <p:cNvSpPr>
-            <a:spLocks noGrp="1"/>
+            <a:spLocks noGrp="1" noRot="1" noChangeAspect="1"/>
           </p:cNvSpPr>
           <p:nvPr>
             <p:ph type="sldImg"/>
@@ -429,9 +623,10 @@
           </a:prstGeom>
         </p:spPr>
         <p:txBody>
-          <a:bodyPr lIns="0" rIns="0" tIns="0" bIns="0"/>
-          <a:p>
-            <a:endParaRPr b="0" lang="pt-BR" sz="2000" spc="-1" strike="noStrike">
+          <a:bodyPr lIns="0" tIns="0" rIns="0" bIns="0"/>
+          <a:lstStyle/>
+          <a:p>
+            <a:endParaRPr lang="pt-BR" sz="2000" b="0" strike="noStrike" spc="-1">
               <a:latin typeface="Arial"/>
             </a:endParaRPr>
           </a:p>
@@ -457,13 +652,20 @@
           </a:ln>
         </p:spPr>
         <p:style>
-          <a:lnRef idx="0"/>
-          <a:fillRef idx="0"/>
-          <a:effectRef idx="0"/>
+          <a:lnRef idx="0">
+            <a:scrgbClr r="0" g="0" b="0"/>
+          </a:lnRef>
+          <a:fillRef idx="0">
+            <a:scrgbClr r="0" g="0" b="0"/>
+          </a:fillRef>
+          <a:effectRef idx="0">
+            <a:scrgbClr r="0" g="0" b="0"/>
+          </a:effectRef>
           <a:fontRef idx="minor"/>
         </p:style>
         <p:txBody>
-          <a:bodyPr lIns="90000" rIns="90000" tIns="45000" bIns="45000" anchor="b"/>
+          <a:bodyPr lIns="90000" tIns="45000" rIns="90000" bIns="45000" anchor="b"/>
+          <a:lstStyle/>
           <a:p>
             <a:pPr algn="r">
               <a:lnSpc>
@@ -471,16 +673,16 @@
               </a:lnSpc>
             </a:pPr>
             <a:fld id="{88045739-46F6-4A7E-8246-77F61DF07C41}" type="slidenum">
-              <a:rPr b="0" lang="pt-BR" sz="1200" spc="-1" strike="noStrike">
+              <a:rPr lang="pt-BR" sz="1200" b="0" strike="noStrike" spc="-1">
                 <a:solidFill>
                   <a:srgbClr val="000000"/>
                 </a:solidFill>
                 <a:latin typeface="+mn-lt"/>
                 <a:ea typeface="+mn-ea"/>
               </a:rPr>
-              <a:t>&lt;número&gt;</a:t>
+              <a:t>7</a:t>
             </a:fld>
-            <a:endParaRPr b="0" lang="pt-BR" sz="1200" spc="-1" strike="noStrike">
+            <a:endParaRPr lang="pt-BR" sz="1200" b="0" strike="noStrike" spc="-1">
               <a:latin typeface="Arial"/>
             </a:endParaRPr>
           </a:p>
@@ -488,11 +690,14 @@
       </p:sp>
     </p:spTree>
   </p:cSld>
+  <p:clrMapOvr>
+    <a:masterClrMapping/>
+  </p:clrMapOvr>
 </p:notes>
 </file>
 
 <file path=ppt/slideLayouts/slideLayout1.xml><?xml version="1.0" encoding="utf-8"?>
-<p:sldLayout xmlns:a="http://schemas.openxmlformats.org/drawingml/2006/main" xmlns:p="http://schemas.openxmlformats.org/presentationml/2006/main" xmlns:r="http://schemas.openxmlformats.org/officeDocument/2006/relationships" xmlns:p14="http://schemas.microsoft.com/office/powerpoint/2010/main" xmlns:p15="http://schemas.microsoft.com/office/powerpoint/2012/main" xmlns:mc="http://schemas.openxmlformats.org/markup-compatibility/2006" type="blank" preserve="1">
+<p:sldLayout xmlns:a="http://schemas.openxmlformats.org/drawingml/2006/main" xmlns:r="http://schemas.openxmlformats.org/officeDocument/2006/relationships" xmlns:p="http://schemas.openxmlformats.org/presentationml/2006/main" type="blank" preserve="1">
   <p:cSld name="Blank Slide">
     <p:spTree>
       <p:nvGrpSpPr>
@@ -510,11 +715,14 @@
       </p:grpSpPr>
     </p:spTree>
   </p:cSld>
+  <p:clrMapOvr>
+    <a:masterClrMapping/>
+  </p:clrMapOvr>
 </p:sldLayout>
 </file>
 
 <file path=ppt/slideLayouts/slideLayout10.xml><?xml version="1.0" encoding="utf-8"?>
-<p:sldLayout xmlns:a="http://schemas.openxmlformats.org/drawingml/2006/main" xmlns:p="http://schemas.openxmlformats.org/presentationml/2006/main" xmlns:r="http://schemas.openxmlformats.org/officeDocument/2006/relationships" xmlns:p14="http://schemas.microsoft.com/office/powerpoint/2010/main" xmlns:p15="http://schemas.microsoft.com/office/powerpoint/2012/main" xmlns:mc="http://schemas.openxmlformats.org/markup-compatibility/2006" type="objOverTx" preserve="1">
+<p:sldLayout xmlns:a="http://schemas.openxmlformats.org/drawingml/2006/main" xmlns:r="http://schemas.openxmlformats.org/officeDocument/2006/relationships" xmlns:p="http://schemas.openxmlformats.org/presentationml/2006/main" type="objOverTx" preserve="1">
   <p:cSld name="Title, Content over Content">
     <p:spTree>
       <p:nvGrpSpPr>
@@ -550,10 +758,11 @@
           </a:prstGeom>
         </p:spPr>
         <p:txBody>
-          <a:bodyPr lIns="0" rIns="0" tIns="0" bIns="0" anchor="ctr"/>
+          <a:bodyPr lIns="0" tIns="0" rIns="0" bIns="0" anchor="ctr"/>
+          <a:lstStyle/>
           <a:p>
             <a:pPr algn="ctr"/>
-            <a:endParaRPr b="0" lang="pt-BR" sz="4400" spc="-1" strike="noStrike">
+            <a:endParaRPr lang="pt-BR" sz="4400" b="0" strike="noStrike" spc="-1">
               <a:latin typeface="Arial"/>
             </a:endParaRPr>
           </a:p>
@@ -579,11 +788,12 @@
           </a:prstGeom>
         </p:spPr>
         <p:txBody>
-          <a:bodyPr lIns="0" rIns="0" tIns="0" bIns="0">
+          <a:bodyPr lIns="0" tIns="0" rIns="0" bIns="0">
             <a:normAutofit/>
           </a:bodyPr>
-          <a:p>
-            <a:endParaRPr b="0" lang="pt-BR" sz="3200" spc="-1" strike="noStrike">
+          <a:lstStyle/>
+          <a:p>
+            <a:endParaRPr lang="pt-BR" sz="3200" b="0" strike="noStrike" spc="-1">
               <a:latin typeface="Arial"/>
             </a:endParaRPr>
           </a:p>
@@ -609,11 +819,12 @@
           </a:prstGeom>
         </p:spPr>
         <p:txBody>
-          <a:bodyPr lIns="0" rIns="0" tIns="0" bIns="0">
+          <a:bodyPr lIns="0" tIns="0" rIns="0" bIns="0">
             <a:normAutofit/>
           </a:bodyPr>
-          <a:p>
-            <a:endParaRPr b="0" lang="pt-BR" sz="3200" spc="-1" strike="noStrike">
+          <a:lstStyle/>
+          <a:p>
+            <a:endParaRPr lang="pt-BR" sz="3200" b="0" strike="noStrike" spc="-1">
               <a:latin typeface="Arial"/>
             </a:endParaRPr>
           </a:p>
@@ -621,11 +832,14 @@
       </p:sp>
     </p:spTree>
   </p:cSld>
+  <p:clrMapOvr>
+    <a:masterClrMapping/>
+  </p:clrMapOvr>
 </p:sldLayout>
 </file>
 
 <file path=ppt/slideLayouts/slideLayout11.xml><?xml version="1.0" encoding="utf-8"?>
-<p:sldLayout xmlns:a="http://schemas.openxmlformats.org/drawingml/2006/main" xmlns:p="http://schemas.openxmlformats.org/presentationml/2006/main" xmlns:r="http://schemas.openxmlformats.org/officeDocument/2006/relationships" xmlns:p14="http://schemas.microsoft.com/office/powerpoint/2010/main" xmlns:p15="http://schemas.microsoft.com/office/powerpoint/2012/main" xmlns:mc="http://schemas.openxmlformats.org/markup-compatibility/2006" type="fourObj" preserve="1">
+<p:sldLayout xmlns:a="http://schemas.openxmlformats.org/drawingml/2006/main" xmlns:r="http://schemas.openxmlformats.org/officeDocument/2006/relationships" xmlns:p="http://schemas.openxmlformats.org/presentationml/2006/main" type="fourObj" preserve="1">
   <p:cSld name="Title, 4 Content">
     <p:spTree>
       <p:nvGrpSpPr>
@@ -661,10 +875,11 @@
           </a:prstGeom>
         </p:spPr>
         <p:txBody>
-          <a:bodyPr lIns="0" rIns="0" tIns="0" bIns="0" anchor="ctr"/>
+          <a:bodyPr lIns="0" tIns="0" rIns="0" bIns="0" anchor="ctr"/>
+          <a:lstStyle/>
           <a:p>
             <a:pPr algn="ctr"/>
-            <a:endParaRPr b="0" lang="pt-BR" sz="4400" spc="-1" strike="noStrike">
+            <a:endParaRPr lang="pt-BR" sz="4400" b="0" strike="noStrike" spc="-1">
               <a:latin typeface="Arial"/>
             </a:endParaRPr>
           </a:p>
@@ -690,11 +905,12 @@
           </a:prstGeom>
         </p:spPr>
         <p:txBody>
-          <a:bodyPr lIns="0" rIns="0" tIns="0" bIns="0">
+          <a:bodyPr lIns="0" tIns="0" rIns="0" bIns="0">
             <a:normAutofit/>
           </a:bodyPr>
-          <a:p>
-            <a:endParaRPr b="0" lang="pt-BR" sz="3200" spc="-1" strike="noStrike">
+          <a:lstStyle/>
+          <a:p>
+            <a:endParaRPr lang="pt-BR" sz="3200" b="0" strike="noStrike" spc="-1">
               <a:latin typeface="Arial"/>
             </a:endParaRPr>
           </a:p>
@@ -720,11 +936,12 @@
           </a:prstGeom>
         </p:spPr>
         <p:txBody>
-          <a:bodyPr lIns="0" rIns="0" tIns="0" bIns="0">
+          <a:bodyPr lIns="0" tIns="0" rIns="0" bIns="0">
             <a:normAutofit/>
           </a:bodyPr>
-          <a:p>
-            <a:endParaRPr b="0" lang="pt-BR" sz="3200" spc="-1" strike="noStrike">
+          <a:lstStyle/>
+          <a:p>
+            <a:endParaRPr lang="pt-BR" sz="3200" b="0" strike="noStrike" spc="-1">
               <a:latin typeface="Arial"/>
             </a:endParaRPr>
           </a:p>
@@ -750,11 +967,12 @@
           </a:prstGeom>
         </p:spPr>
         <p:txBody>
-          <a:bodyPr lIns="0" rIns="0" tIns="0" bIns="0">
+          <a:bodyPr lIns="0" tIns="0" rIns="0" bIns="0">
             <a:normAutofit/>
           </a:bodyPr>
-          <a:p>
-            <a:endParaRPr b="0" lang="pt-BR" sz="3200" spc="-1" strike="noStrike">
+          <a:lstStyle/>
+          <a:p>
+            <a:endParaRPr lang="pt-BR" sz="3200" b="0" strike="noStrike" spc="-1">
               <a:latin typeface="Arial"/>
             </a:endParaRPr>
           </a:p>
@@ -780,11 +998,12 @@
           </a:prstGeom>
         </p:spPr>
         <p:txBody>
-          <a:bodyPr lIns="0" rIns="0" tIns="0" bIns="0">
+          <a:bodyPr lIns="0" tIns="0" rIns="0" bIns="0">
             <a:normAutofit/>
           </a:bodyPr>
-          <a:p>
-            <a:endParaRPr b="0" lang="pt-BR" sz="3200" spc="-1" strike="noStrike">
+          <a:lstStyle/>
+          <a:p>
+            <a:endParaRPr lang="pt-BR" sz="3200" b="0" strike="noStrike" spc="-1">
               <a:latin typeface="Arial"/>
             </a:endParaRPr>
           </a:p>
@@ -792,11 +1011,14 @@
       </p:sp>
     </p:spTree>
   </p:cSld>
+  <p:clrMapOvr>
+    <a:masterClrMapping/>
+  </p:clrMapOvr>
 </p:sldLayout>
 </file>
 
 <file path=ppt/slideLayouts/slideLayout12.xml><?xml version="1.0" encoding="utf-8"?>
-<p:sldLayout xmlns:a="http://schemas.openxmlformats.org/drawingml/2006/main" xmlns:p="http://schemas.openxmlformats.org/presentationml/2006/main" xmlns:r="http://schemas.openxmlformats.org/officeDocument/2006/relationships" xmlns:p14="http://schemas.microsoft.com/office/powerpoint/2010/main" xmlns:p15="http://schemas.microsoft.com/office/powerpoint/2012/main" xmlns:mc="http://schemas.openxmlformats.org/markup-compatibility/2006" type="blank" preserve="1">
+<p:sldLayout xmlns:a="http://schemas.openxmlformats.org/drawingml/2006/main" xmlns:r="http://schemas.openxmlformats.org/officeDocument/2006/relationships" xmlns:p="http://schemas.openxmlformats.org/presentationml/2006/main" type="blank" preserve="1">
   <p:cSld name="Title, 6 Content">
     <p:spTree>
       <p:nvGrpSpPr>
@@ -832,10 +1054,11 @@
           </a:prstGeom>
         </p:spPr>
         <p:txBody>
-          <a:bodyPr lIns="0" rIns="0" tIns="0" bIns="0" anchor="ctr"/>
+          <a:bodyPr lIns="0" tIns="0" rIns="0" bIns="0" anchor="ctr"/>
+          <a:lstStyle/>
           <a:p>
             <a:pPr algn="ctr"/>
-            <a:endParaRPr b="0" lang="pt-BR" sz="4400" spc="-1" strike="noStrike">
+            <a:endParaRPr lang="pt-BR" sz="4400" b="0" strike="noStrike" spc="-1">
               <a:latin typeface="Arial"/>
             </a:endParaRPr>
           </a:p>
@@ -861,11 +1084,12 @@
           </a:prstGeom>
         </p:spPr>
         <p:txBody>
-          <a:bodyPr lIns="0" rIns="0" tIns="0" bIns="0">
+          <a:bodyPr lIns="0" tIns="0" rIns="0" bIns="0">
             <a:normAutofit/>
           </a:bodyPr>
-          <a:p>
-            <a:endParaRPr b="0" lang="pt-BR" sz="3200" spc="-1" strike="noStrike">
+          <a:lstStyle/>
+          <a:p>
+            <a:endParaRPr lang="pt-BR" sz="3200" b="0" strike="noStrike" spc="-1">
               <a:latin typeface="Arial"/>
             </a:endParaRPr>
           </a:p>
@@ -891,11 +1115,12 @@
           </a:prstGeom>
         </p:spPr>
         <p:txBody>
-          <a:bodyPr lIns="0" rIns="0" tIns="0" bIns="0">
+          <a:bodyPr lIns="0" tIns="0" rIns="0" bIns="0">
             <a:normAutofit/>
           </a:bodyPr>
-          <a:p>
-            <a:endParaRPr b="0" lang="pt-BR" sz="3200" spc="-1" strike="noStrike">
+          <a:lstStyle/>
+          <a:p>
+            <a:endParaRPr lang="pt-BR" sz="3200" b="0" strike="noStrike" spc="-1">
               <a:latin typeface="Arial"/>
             </a:endParaRPr>
           </a:p>
@@ -921,11 +1146,12 @@
           </a:prstGeom>
         </p:spPr>
         <p:txBody>
-          <a:bodyPr lIns="0" rIns="0" tIns="0" bIns="0">
+          <a:bodyPr lIns="0" tIns="0" rIns="0" bIns="0">
             <a:normAutofit/>
           </a:bodyPr>
-          <a:p>
-            <a:endParaRPr b="0" lang="pt-BR" sz="3200" spc="-1" strike="noStrike">
+          <a:lstStyle/>
+          <a:p>
+            <a:endParaRPr lang="pt-BR" sz="3200" b="0" strike="noStrike" spc="-1">
               <a:latin typeface="Arial"/>
             </a:endParaRPr>
           </a:p>
@@ -951,11 +1177,12 @@
           </a:prstGeom>
         </p:spPr>
         <p:txBody>
-          <a:bodyPr lIns="0" rIns="0" tIns="0" bIns="0">
+          <a:bodyPr lIns="0" tIns="0" rIns="0" bIns="0">
             <a:normAutofit/>
           </a:bodyPr>
-          <a:p>
-            <a:endParaRPr b="0" lang="pt-BR" sz="3200" spc="-1" strike="noStrike">
+          <a:lstStyle/>
+          <a:p>
+            <a:endParaRPr lang="pt-BR" sz="3200" b="0" strike="noStrike" spc="-1">
               <a:latin typeface="Arial"/>
             </a:endParaRPr>
           </a:p>
@@ -981,11 +1208,12 @@
           </a:prstGeom>
         </p:spPr>
         <p:txBody>
-          <a:bodyPr lIns="0" rIns="0" tIns="0" bIns="0">
+          <a:bodyPr lIns="0" tIns="0" rIns="0" bIns="0">
             <a:normAutofit/>
           </a:bodyPr>
-          <a:p>
-            <a:endParaRPr b="0" lang="pt-BR" sz="3200" spc="-1" strike="noStrike">
+          <a:lstStyle/>
+          <a:p>
+            <a:endParaRPr lang="pt-BR" sz="3200" b="0" strike="noStrike" spc="-1">
               <a:latin typeface="Arial"/>
             </a:endParaRPr>
           </a:p>
@@ -1011,11 +1239,12 @@
           </a:prstGeom>
         </p:spPr>
         <p:txBody>
-          <a:bodyPr lIns="0" rIns="0" tIns="0" bIns="0">
+          <a:bodyPr lIns="0" tIns="0" rIns="0" bIns="0">
             <a:normAutofit/>
           </a:bodyPr>
-          <a:p>
-            <a:endParaRPr b="0" lang="pt-BR" sz="3200" spc="-1" strike="noStrike">
+          <a:lstStyle/>
+          <a:p>
+            <a:endParaRPr lang="pt-BR" sz="3200" b="0" strike="noStrike" spc="-1">
               <a:latin typeface="Arial"/>
             </a:endParaRPr>
           </a:p>
@@ -1023,11 +1252,14 @@
       </p:sp>
     </p:spTree>
   </p:cSld>
+  <p:clrMapOvr>
+    <a:masterClrMapping/>
+  </p:clrMapOvr>
 </p:sldLayout>
 </file>
 
 <file path=ppt/slideLayouts/slideLayout13.xml><?xml version="1.0" encoding="utf-8"?>
-<p:sldLayout xmlns:a="http://schemas.openxmlformats.org/drawingml/2006/main" xmlns:p="http://schemas.openxmlformats.org/presentationml/2006/main" xmlns:r="http://schemas.openxmlformats.org/officeDocument/2006/relationships" xmlns:p14="http://schemas.microsoft.com/office/powerpoint/2010/main" xmlns:p15="http://schemas.microsoft.com/office/powerpoint/2012/main" xmlns:mc="http://schemas.openxmlformats.org/markup-compatibility/2006" type="blank" preserve="1">
+<p:sldLayout xmlns:a="http://schemas.openxmlformats.org/drawingml/2006/main" xmlns:r="http://schemas.openxmlformats.org/officeDocument/2006/relationships" xmlns:p="http://schemas.openxmlformats.org/presentationml/2006/main" type="blank" preserve="1">
   <p:cSld name="Blank Slide">
     <p:spTree>
       <p:nvGrpSpPr>
@@ -1045,11 +1277,14 @@
       </p:grpSpPr>
     </p:spTree>
   </p:cSld>
+  <p:clrMapOvr>
+    <a:masterClrMapping/>
+  </p:clrMapOvr>
 </p:sldLayout>
 </file>
 
 <file path=ppt/slideLayouts/slideLayout14.xml><?xml version="1.0" encoding="utf-8"?>
-<p:sldLayout xmlns:a="http://schemas.openxmlformats.org/drawingml/2006/main" xmlns:p="http://schemas.openxmlformats.org/presentationml/2006/main" xmlns:r="http://schemas.openxmlformats.org/officeDocument/2006/relationships" xmlns:p14="http://schemas.microsoft.com/office/powerpoint/2010/main" xmlns:p15="http://schemas.microsoft.com/office/powerpoint/2012/main" xmlns:mc="http://schemas.openxmlformats.org/markup-compatibility/2006" type="tx" preserve="1">
+<p:sldLayout xmlns:a="http://schemas.openxmlformats.org/drawingml/2006/main" xmlns:r="http://schemas.openxmlformats.org/officeDocument/2006/relationships" xmlns:p="http://schemas.openxmlformats.org/presentationml/2006/main" type="tx" preserve="1">
   <p:cSld name="Title Slide">
     <p:spTree>
       <p:nvGrpSpPr>
@@ -1085,10 +1320,11 @@
           </a:prstGeom>
         </p:spPr>
         <p:txBody>
-          <a:bodyPr lIns="0" rIns="0" tIns="0" bIns="0" anchor="ctr"/>
+          <a:bodyPr lIns="0" tIns="0" rIns="0" bIns="0" anchor="ctr"/>
+          <a:lstStyle/>
           <a:p>
             <a:pPr algn="ctr"/>
-            <a:endParaRPr b="0" lang="pt-BR" sz="4400" spc="-1" strike="noStrike">
+            <a:endParaRPr lang="pt-BR" sz="4400" b="0" strike="noStrike" spc="-1">
               <a:latin typeface="Arial"/>
             </a:endParaRPr>
           </a:p>
@@ -1114,10 +1350,11 @@
           </a:prstGeom>
         </p:spPr>
         <p:txBody>
-          <a:bodyPr lIns="0" rIns="0" tIns="0" bIns="0" anchor="ctr"/>
+          <a:bodyPr lIns="0" tIns="0" rIns="0" bIns="0" anchor="ctr"/>
+          <a:lstStyle/>
           <a:p>
             <a:pPr algn="ctr"/>
-            <a:endParaRPr b="0" lang="pt-BR" sz="3200" spc="-1" strike="noStrike">
+            <a:endParaRPr lang="pt-BR" sz="3200" b="0" strike="noStrike" spc="-1">
               <a:latin typeface="Arial"/>
             </a:endParaRPr>
           </a:p>
@@ -1125,11 +1362,14 @@
       </p:sp>
     </p:spTree>
   </p:cSld>
+  <p:clrMapOvr>
+    <a:masterClrMapping/>
+  </p:clrMapOvr>
 </p:sldLayout>
 </file>
 
 <file path=ppt/slideLayouts/slideLayout15.xml><?xml version="1.0" encoding="utf-8"?>
-<p:sldLayout xmlns:a="http://schemas.openxmlformats.org/drawingml/2006/main" xmlns:p="http://schemas.openxmlformats.org/presentationml/2006/main" xmlns:r="http://schemas.openxmlformats.org/officeDocument/2006/relationships" xmlns:p14="http://schemas.microsoft.com/office/powerpoint/2010/main" xmlns:p15="http://schemas.microsoft.com/office/powerpoint/2012/main" xmlns:mc="http://schemas.openxmlformats.org/markup-compatibility/2006" type="obj" preserve="1">
+<p:sldLayout xmlns:a="http://schemas.openxmlformats.org/drawingml/2006/main" xmlns:r="http://schemas.openxmlformats.org/officeDocument/2006/relationships" xmlns:p="http://schemas.openxmlformats.org/presentationml/2006/main" type="obj" preserve="1">
   <p:cSld name="Title, Content">
     <p:spTree>
       <p:nvGrpSpPr>
@@ -1165,10 +1405,11 @@
           </a:prstGeom>
         </p:spPr>
         <p:txBody>
-          <a:bodyPr lIns="0" rIns="0" tIns="0" bIns="0" anchor="ctr"/>
+          <a:bodyPr lIns="0" tIns="0" rIns="0" bIns="0" anchor="ctr"/>
+          <a:lstStyle/>
           <a:p>
             <a:pPr algn="ctr"/>
-            <a:endParaRPr b="0" lang="pt-BR" sz="4400" spc="-1" strike="noStrike">
+            <a:endParaRPr lang="pt-BR" sz="4400" b="0" strike="noStrike" spc="-1">
               <a:latin typeface="Arial"/>
             </a:endParaRPr>
           </a:p>
@@ -1194,11 +1435,12 @@
           </a:prstGeom>
         </p:spPr>
         <p:txBody>
-          <a:bodyPr lIns="0" rIns="0" tIns="0" bIns="0">
+          <a:bodyPr lIns="0" tIns="0" rIns="0" bIns="0">
             <a:normAutofit/>
           </a:bodyPr>
-          <a:p>
-            <a:endParaRPr b="0" lang="pt-BR" sz="3200" spc="-1" strike="noStrike">
+          <a:lstStyle/>
+          <a:p>
+            <a:endParaRPr lang="pt-BR" sz="3200" b="0" strike="noStrike" spc="-1">
               <a:latin typeface="Arial"/>
             </a:endParaRPr>
           </a:p>
@@ -1206,11 +1448,14 @@
       </p:sp>
     </p:spTree>
   </p:cSld>
+  <p:clrMapOvr>
+    <a:masterClrMapping/>
+  </p:clrMapOvr>
 </p:sldLayout>
 </file>
 
 <file path=ppt/slideLayouts/slideLayout16.xml><?xml version="1.0" encoding="utf-8"?>
-<p:sldLayout xmlns:a="http://schemas.openxmlformats.org/drawingml/2006/main" xmlns:p="http://schemas.openxmlformats.org/presentationml/2006/main" xmlns:r="http://schemas.openxmlformats.org/officeDocument/2006/relationships" xmlns:p14="http://schemas.microsoft.com/office/powerpoint/2010/main" xmlns:p15="http://schemas.microsoft.com/office/powerpoint/2012/main" xmlns:mc="http://schemas.openxmlformats.org/markup-compatibility/2006" type="twoObj" preserve="1">
+<p:sldLayout xmlns:a="http://schemas.openxmlformats.org/drawingml/2006/main" xmlns:r="http://schemas.openxmlformats.org/officeDocument/2006/relationships" xmlns:p="http://schemas.openxmlformats.org/presentationml/2006/main" type="twoObj" preserve="1">
   <p:cSld name="Title, 2 Content">
     <p:spTree>
       <p:nvGrpSpPr>
@@ -1246,10 +1491,11 @@
           </a:prstGeom>
         </p:spPr>
         <p:txBody>
-          <a:bodyPr lIns="0" rIns="0" tIns="0" bIns="0" anchor="ctr"/>
+          <a:bodyPr lIns="0" tIns="0" rIns="0" bIns="0" anchor="ctr"/>
+          <a:lstStyle/>
           <a:p>
             <a:pPr algn="ctr"/>
-            <a:endParaRPr b="0" lang="pt-BR" sz="4400" spc="-1" strike="noStrike">
+            <a:endParaRPr lang="pt-BR" sz="4400" b="0" strike="noStrike" spc="-1">
               <a:latin typeface="Arial"/>
             </a:endParaRPr>
           </a:p>
@@ -1275,11 +1521,12 @@
           </a:prstGeom>
         </p:spPr>
         <p:txBody>
-          <a:bodyPr lIns="0" rIns="0" tIns="0" bIns="0">
+          <a:bodyPr lIns="0" tIns="0" rIns="0" bIns="0">
             <a:normAutofit/>
           </a:bodyPr>
-          <a:p>
-            <a:endParaRPr b="0" lang="pt-BR" sz="3200" spc="-1" strike="noStrike">
+          <a:lstStyle/>
+          <a:p>
+            <a:endParaRPr lang="pt-BR" sz="3200" b="0" strike="noStrike" spc="-1">
               <a:latin typeface="Arial"/>
             </a:endParaRPr>
           </a:p>
@@ -1305,11 +1552,12 @@
           </a:prstGeom>
         </p:spPr>
         <p:txBody>
-          <a:bodyPr lIns="0" rIns="0" tIns="0" bIns="0">
+          <a:bodyPr lIns="0" tIns="0" rIns="0" bIns="0">
             <a:normAutofit/>
           </a:bodyPr>
-          <a:p>
-            <a:endParaRPr b="0" lang="pt-BR" sz="3200" spc="-1" strike="noStrike">
+          <a:lstStyle/>
+          <a:p>
+            <a:endParaRPr lang="pt-BR" sz="3200" b="0" strike="noStrike" spc="-1">
               <a:latin typeface="Arial"/>
             </a:endParaRPr>
           </a:p>
@@ -1317,11 +1565,14 @@
       </p:sp>
     </p:spTree>
   </p:cSld>
+  <p:clrMapOvr>
+    <a:masterClrMapping/>
+  </p:clrMapOvr>
 </p:sldLayout>
 </file>
 
 <file path=ppt/slideLayouts/slideLayout17.xml><?xml version="1.0" encoding="utf-8"?>
-<p:sldLayout xmlns:a="http://schemas.openxmlformats.org/drawingml/2006/main" xmlns:p="http://schemas.openxmlformats.org/presentationml/2006/main" xmlns:r="http://schemas.openxmlformats.org/officeDocument/2006/relationships" xmlns:p14="http://schemas.microsoft.com/office/powerpoint/2010/main" xmlns:p15="http://schemas.microsoft.com/office/powerpoint/2012/main" xmlns:mc="http://schemas.openxmlformats.org/markup-compatibility/2006" type="titleOnly" preserve="1">
+<p:sldLayout xmlns:a="http://schemas.openxmlformats.org/drawingml/2006/main" xmlns:r="http://schemas.openxmlformats.org/officeDocument/2006/relationships" xmlns:p="http://schemas.openxmlformats.org/presentationml/2006/main" type="titleOnly" preserve="1">
   <p:cSld name="Title Only">
     <p:spTree>
       <p:nvGrpSpPr>
@@ -1357,10 +1608,11 @@
           </a:prstGeom>
         </p:spPr>
         <p:txBody>
-          <a:bodyPr lIns="0" rIns="0" tIns="0" bIns="0" anchor="ctr"/>
+          <a:bodyPr lIns="0" tIns="0" rIns="0" bIns="0" anchor="ctr"/>
+          <a:lstStyle/>
           <a:p>
             <a:pPr algn="ctr"/>
-            <a:endParaRPr b="0" lang="pt-BR" sz="4400" spc="-1" strike="noStrike">
+            <a:endParaRPr lang="pt-BR" sz="4400" b="0" strike="noStrike" spc="-1">
               <a:latin typeface="Arial"/>
             </a:endParaRPr>
           </a:p>
@@ -1368,11 +1620,14 @@
       </p:sp>
     </p:spTree>
   </p:cSld>
+  <p:clrMapOvr>
+    <a:masterClrMapping/>
+  </p:clrMapOvr>
 </p:sldLayout>
 </file>
 
 <file path=ppt/slideLayouts/slideLayout18.xml><?xml version="1.0" encoding="utf-8"?>
-<p:sldLayout xmlns:a="http://schemas.openxmlformats.org/drawingml/2006/main" xmlns:p="http://schemas.openxmlformats.org/presentationml/2006/main" xmlns:r="http://schemas.openxmlformats.org/officeDocument/2006/relationships" xmlns:p14="http://schemas.microsoft.com/office/powerpoint/2010/main" xmlns:p15="http://schemas.microsoft.com/office/powerpoint/2012/main" xmlns:mc="http://schemas.openxmlformats.org/markup-compatibility/2006" type="objOnly" preserve="1">
+<p:sldLayout xmlns:a="http://schemas.openxmlformats.org/drawingml/2006/main" xmlns:r="http://schemas.openxmlformats.org/officeDocument/2006/relationships" xmlns:p="http://schemas.openxmlformats.org/presentationml/2006/main" type="objOnly" preserve="1">
   <p:cSld name="Centered Text">
     <p:spTree>
       <p:nvGrpSpPr>
@@ -1408,10 +1663,11 @@
           </a:prstGeom>
         </p:spPr>
         <p:txBody>
-          <a:bodyPr lIns="0" rIns="0" tIns="0" bIns="0" anchor="ctr"/>
+          <a:bodyPr lIns="0" tIns="0" rIns="0" bIns="0" anchor="ctr"/>
+          <a:lstStyle/>
           <a:p>
             <a:pPr algn="ctr"/>
-            <a:endParaRPr b="0" lang="pt-BR" sz="3200" spc="-1" strike="noStrike">
+            <a:endParaRPr lang="pt-BR" sz="3200" b="0" strike="noStrike" spc="-1">
               <a:latin typeface="Arial"/>
             </a:endParaRPr>
           </a:p>
@@ -1419,11 +1675,14 @@
       </p:sp>
     </p:spTree>
   </p:cSld>
+  <p:clrMapOvr>
+    <a:masterClrMapping/>
+  </p:clrMapOvr>
 </p:sldLayout>
 </file>
 
 <file path=ppt/slideLayouts/slideLayout19.xml><?xml version="1.0" encoding="utf-8"?>
-<p:sldLayout xmlns:a="http://schemas.openxmlformats.org/drawingml/2006/main" xmlns:p="http://schemas.openxmlformats.org/presentationml/2006/main" xmlns:r="http://schemas.openxmlformats.org/officeDocument/2006/relationships" xmlns:p14="http://schemas.microsoft.com/office/powerpoint/2010/main" xmlns:p15="http://schemas.microsoft.com/office/powerpoint/2012/main" xmlns:mc="http://schemas.openxmlformats.org/markup-compatibility/2006" type="twoObjAndObj" preserve="1">
+<p:sldLayout xmlns:a="http://schemas.openxmlformats.org/drawingml/2006/main" xmlns:r="http://schemas.openxmlformats.org/officeDocument/2006/relationships" xmlns:p="http://schemas.openxmlformats.org/presentationml/2006/main" type="twoObjAndObj" preserve="1">
   <p:cSld name="Title, 2 Content and Content">
     <p:spTree>
       <p:nvGrpSpPr>
@@ -1459,10 +1718,11 @@
           </a:prstGeom>
         </p:spPr>
         <p:txBody>
-          <a:bodyPr lIns="0" rIns="0" tIns="0" bIns="0" anchor="ctr"/>
+          <a:bodyPr lIns="0" tIns="0" rIns="0" bIns="0" anchor="ctr"/>
+          <a:lstStyle/>
           <a:p>
             <a:pPr algn="ctr"/>
-            <a:endParaRPr b="0" lang="pt-BR" sz="4400" spc="-1" strike="noStrike">
+            <a:endParaRPr lang="pt-BR" sz="4400" b="0" strike="noStrike" spc="-1">
               <a:latin typeface="Arial"/>
             </a:endParaRPr>
           </a:p>
@@ -1488,11 +1748,12 @@
           </a:prstGeom>
         </p:spPr>
         <p:txBody>
-          <a:bodyPr lIns="0" rIns="0" tIns="0" bIns="0">
+          <a:bodyPr lIns="0" tIns="0" rIns="0" bIns="0">
             <a:normAutofit/>
           </a:bodyPr>
-          <a:p>
-            <a:endParaRPr b="0" lang="pt-BR" sz="3200" spc="-1" strike="noStrike">
+          <a:lstStyle/>
+          <a:p>
+            <a:endParaRPr lang="pt-BR" sz="3200" b="0" strike="noStrike" spc="-1">
               <a:latin typeface="Arial"/>
             </a:endParaRPr>
           </a:p>
@@ -1518,11 +1779,12 @@
           </a:prstGeom>
         </p:spPr>
         <p:txBody>
-          <a:bodyPr lIns="0" rIns="0" tIns="0" bIns="0">
+          <a:bodyPr lIns="0" tIns="0" rIns="0" bIns="0">
             <a:normAutofit/>
           </a:bodyPr>
-          <a:p>
-            <a:endParaRPr b="0" lang="pt-BR" sz="3200" spc="-1" strike="noStrike">
+          <a:lstStyle/>
+          <a:p>
+            <a:endParaRPr lang="pt-BR" sz="3200" b="0" strike="noStrike" spc="-1">
               <a:latin typeface="Arial"/>
             </a:endParaRPr>
           </a:p>
@@ -1548,11 +1810,12 @@
           </a:prstGeom>
         </p:spPr>
         <p:txBody>
-          <a:bodyPr lIns="0" rIns="0" tIns="0" bIns="0">
+          <a:bodyPr lIns="0" tIns="0" rIns="0" bIns="0">
             <a:normAutofit/>
           </a:bodyPr>
-          <a:p>
-            <a:endParaRPr b="0" lang="pt-BR" sz="3200" spc="-1" strike="noStrike">
+          <a:lstStyle/>
+          <a:p>
+            <a:endParaRPr lang="pt-BR" sz="3200" b="0" strike="noStrike" spc="-1">
               <a:latin typeface="Arial"/>
             </a:endParaRPr>
           </a:p>
@@ -1560,11 +1823,14 @@
       </p:sp>
     </p:spTree>
   </p:cSld>
+  <p:clrMapOvr>
+    <a:masterClrMapping/>
+  </p:clrMapOvr>
 </p:sldLayout>
 </file>
 
 <file path=ppt/slideLayouts/slideLayout2.xml><?xml version="1.0" encoding="utf-8"?>
-<p:sldLayout xmlns:a="http://schemas.openxmlformats.org/drawingml/2006/main" xmlns:p="http://schemas.openxmlformats.org/presentationml/2006/main" xmlns:r="http://schemas.openxmlformats.org/officeDocument/2006/relationships" xmlns:p14="http://schemas.microsoft.com/office/powerpoint/2010/main" xmlns:p15="http://schemas.microsoft.com/office/powerpoint/2012/main" xmlns:mc="http://schemas.openxmlformats.org/markup-compatibility/2006" type="tx" preserve="1">
+<p:sldLayout xmlns:a="http://schemas.openxmlformats.org/drawingml/2006/main" xmlns:r="http://schemas.openxmlformats.org/officeDocument/2006/relationships" xmlns:p="http://schemas.openxmlformats.org/presentationml/2006/main" type="tx" preserve="1">
   <p:cSld name="Title Slide">
     <p:spTree>
       <p:nvGrpSpPr>
@@ -1600,10 +1866,11 @@
           </a:prstGeom>
         </p:spPr>
         <p:txBody>
-          <a:bodyPr lIns="0" rIns="0" tIns="0" bIns="0" anchor="ctr"/>
+          <a:bodyPr lIns="0" tIns="0" rIns="0" bIns="0" anchor="ctr"/>
+          <a:lstStyle/>
           <a:p>
             <a:pPr algn="ctr"/>
-            <a:endParaRPr b="0" lang="pt-BR" sz="4400" spc="-1" strike="noStrike">
+            <a:endParaRPr lang="pt-BR" sz="4400" b="0" strike="noStrike" spc="-1">
               <a:latin typeface="Arial"/>
             </a:endParaRPr>
           </a:p>
@@ -1629,10 +1896,11 @@
           </a:prstGeom>
         </p:spPr>
         <p:txBody>
-          <a:bodyPr lIns="0" rIns="0" tIns="0" bIns="0" anchor="ctr"/>
+          <a:bodyPr lIns="0" tIns="0" rIns="0" bIns="0" anchor="ctr"/>
+          <a:lstStyle/>
           <a:p>
             <a:pPr algn="ctr"/>
-            <a:endParaRPr b="0" lang="pt-BR" sz="3200" spc="-1" strike="noStrike">
+            <a:endParaRPr lang="pt-BR" sz="3200" b="0" strike="noStrike" spc="-1">
               <a:latin typeface="Arial"/>
             </a:endParaRPr>
           </a:p>
@@ -1640,11 +1908,14 @@
       </p:sp>
     </p:spTree>
   </p:cSld>
+  <p:clrMapOvr>
+    <a:masterClrMapping/>
+  </p:clrMapOvr>
 </p:sldLayout>
 </file>
 
 <file path=ppt/slideLayouts/slideLayout20.xml><?xml version="1.0" encoding="utf-8"?>
-<p:sldLayout xmlns:a="http://schemas.openxmlformats.org/drawingml/2006/main" xmlns:p="http://schemas.openxmlformats.org/presentationml/2006/main" xmlns:r="http://schemas.openxmlformats.org/officeDocument/2006/relationships" xmlns:p14="http://schemas.microsoft.com/office/powerpoint/2010/main" xmlns:p15="http://schemas.microsoft.com/office/powerpoint/2012/main" xmlns:mc="http://schemas.openxmlformats.org/markup-compatibility/2006" type="objAndTwoObj" preserve="1">
+<p:sldLayout xmlns:a="http://schemas.openxmlformats.org/drawingml/2006/main" xmlns:r="http://schemas.openxmlformats.org/officeDocument/2006/relationships" xmlns:p="http://schemas.openxmlformats.org/presentationml/2006/main" type="objAndTwoObj" preserve="1">
   <p:cSld name="Title Content and 2 Content">
     <p:spTree>
       <p:nvGrpSpPr>
@@ -1680,10 +1951,11 @@
           </a:prstGeom>
         </p:spPr>
         <p:txBody>
-          <a:bodyPr lIns="0" rIns="0" tIns="0" bIns="0" anchor="ctr"/>
+          <a:bodyPr lIns="0" tIns="0" rIns="0" bIns="0" anchor="ctr"/>
+          <a:lstStyle/>
           <a:p>
             <a:pPr algn="ctr"/>
-            <a:endParaRPr b="0" lang="pt-BR" sz="4400" spc="-1" strike="noStrike">
+            <a:endParaRPr lang="pt-BR" sz="4400" b="0" strike="noStrike" spc="-1">
               <a:latin typeface="Arial"/>
             </a:endParaRPr>
           </a:p>
@@ -1709,11 +1981,12 @@
           </a:prstGeom>
         </p:spPr>
         <p:txBody>
-          <a:bodyPr lIns="0" rIns="0" tIns="0" bIns="0">
+          <a:bodyPr lIns="0" tIns="0" rIns="0" bIns="0">
             <a:normAutofit/>
           </a:bodyPr>
-          <a:p>
-            <a:endParaRPr b="0" lang="pt-BR" sz="3200" spc="-1" strike="noStrike">
+          <a:lstStyle/>
+          <a:p>
+            <a:endParaRPr lang="pt-BR" sz="3200" b="0" strike="noStrike" spc="-1">
               <a:latin typeface="Arial"/>
             </a:endParaRPr>
           </a:p>
@@ -1739,11 +2012,12 @@
           </a:prstGeom>
         </p:spPr>
         <p:txBody>
-          <a:bodyPr lIns="0" rIns="0" tIns="0" bIns="0">
+          <a:bodyPr lIns="0" tIns="0" rIns="0" bIns="0">
             <a:normAutofit/>
           </a:bodyPr>
-          <a:p>
-            <a:endParaRPr b="0" lang="pt-BR" sz="3200" spc="-1" strike="noStrike">
+          <a:lstStyle/>
+          <a:p>
+            <a:endParaRPr lang="pt-BR" sz="3200" b="0" strike="noStrike" spc="-1">
               <a:latin typeface="Arial"/>
             </a:endParaRPr>
           </a:p>
@@ -1769,11 +2043,12 @@
           </a:prstGeom>
         </p:spPr>
         <p:txBody>
-          <a:bodyPr lIns="0" rIns="0" tIns="0" bIns="0">
+          <a:bodyPr lIns="0" tIns="0" rIns="0" bIns="0">
             <a:normAutofit/>
           </a:bodyPr>
-          <a:p>
-            <a:endParaRPr b="0" lang="pt-BR" sz="3200" spc="-1" strike="noStrike">
+          <a:lstStyle/>
+          <a:p>
+            <a:endParaRPr lang="pt-BR" sz="3200" b="0" strike="noStrike" spc="-1">
               <a:latin typeface="Arial"/>
             </a:endParaRPr>
           </a:p>
@@ -1781,11 +2056,14 @@
       </p:sp>
     </p:spTree>
   </p:cSld>
+  <p:clrMapOvr>
+    <a:masterClrMapping/>
+  </p:clrMapOvr>
 </p:sldLayout>
 </file>
 
 <file path=ppt/slideLayouts/slideLayout21.xml><?xml version="1.0" encoding="utf-8"?>
-<p:sldLayout xmlns:a="http://schemas.openxmlformats.org/drawingml/2006/main" xmlns:p="http://schemas.openxmlformats.org/presentationml/2006/main" xmlns:r="http://schemas.openxmlformats.org/officeDocument/2006/relationships" xmlns:p14="http://schemas.microsoft.com/office/powerpoint/2010/main" xmlns:p15="http://schemas.microsoft.com/office/powerpoint/2012/main" xmlns:mc="http://schemas.openxmlformats.org/markup-compatibility/2006" type="twoObjOverTx" preserve="1">
+<p:sldLayout xmlns:a="http://schemas.openxmlformats.org/drawingml/2006/main" xmlns:r="http://schemas.openxmlformats.org/officeDocument/2006/relationships" xmlns:p="http://schemas.openxmlformats.org/presentationml/2006/main" type="twoObjOverTx" preserve="1">
   <p:cSld name="Title, 2 Content over Content">
     <p:spTree>
       <p:nvGrpSpPr>
@@ -1821,10 +2099,11 @@
           </a:prstGeom>
         </p:spPr>
         <p:txBody>
-          <a:bodyPr lIns="0" rIns="0" tIns="0" bIns="0" anchor="ctr"/>
+          <a:bodyPr lIns="0" tIns="0" rIns="0" bIns="0" anchor="ctr"/>
+          <a:lstStyle/>
           <a:p>
             <a:pPr algn="ctr"/>
-            <a:endParaRPr b="0" lang="pt-BR" sz="4400" spc="-1" strike="noStrike">
+            <a:endParaRPr lang="pt-BR" sz="4400" b="0" strike="noStrike" spc="-1">
               <a:latin typeface="Arial"/>
             </a:endParaRPr>
           </a:p>
@@ -1850,11 +2129,12 @@
           </a:prstGeom>
         </p:spPr>
         <p:txBody>
-          <a:bodyPr lIns="0" rIns="0" tIns="0" bIns="0">
+          <a:bodyPr lIns="0" tIns="0" rIns="0" bIns="0">
             <a:normAutofit/>
           </a:bodyPr>
-          <a:p>
-            <a:endParaRPr b="0" lang="pt-BR" sz="3200" spc="-1" strike="noStrike">
+          <a:lstStyle/>
+          <a:p>
+            <a:endParaRPr lang="pt-BR" sz="3200" b="0" strike="noStrike" spc="-1">
               <a:latin typeface="Arial"/>
             </a:endParaRPr>
           </a:p>
@@ -1880,11 +2160,12 @@
           </a:prstGeom>
         </p:spPr>
         <p:txBody>
-          <a:bodyPr lIns="0" rIns="0" tIns="0" bIns="0">
+          <a:bodyPr lIns="0" tIns="0" rIns="0" bIns="0">
             <a:normAutofit/>
           </a:bodyPr>
-          <a:p>
-            <a:endParaRPr b="0" lang="pt-BR" sz="3200" spc="-1" strike="noStrike">
+          <a:lstStyle/>
+          <a:p>
+            <a:endParaRPr lang="pt-BR" sz="3200" b="0" strike="noStrike" spc="-1">
               <a:latin typeface="Arial"/>
             </a:endParaRPr>
           </a:p>
@@ -1910,11 +2191,12 @@
           </a:prstGeom>
         </p:spPr>
         <p:txBody>
-          <a:bodyPr lIns="0" rIns="0" tIns="0" bIns="0">
+          <a:bodyPr lIns="0" tIns="0" rIns="0" bIns="0">
             <a:normAutofit/>
           </a:bodyPr>
-          <a:p>
-            <a:endParaRPr b="0" lang="pt-BR" sz="3200" spc="-1" strike="noStrike">
+          <a:lstStyle/>
+          <a:p>
+            <a:endParaRPr lang="pt-BR" sz="3200" b="0" strike="noStrike" spc="-1">
               <a:latin typeface="Arial"/>
             </a:endParaRPr>
           </a:p>
@@ -1922,11 +2204,14 @@
       </p:sp>
     </p:spTree>
   </p:cSld>
+  <p:clrMapOvr>
+    <a:masterClrMapping/>
+  </p:clrMapOvr>
 </p:sldLayout>
 </file>
 
 <file path=ppt/slideLayouts/slideLayout22.xml><?xml version="1.0" encoding="utf-8"?>
-<p:sldLayout xmlns:a="http://schemas.openxmlformats.org/drawingml/2006/main" xmlns:p="http://schemas.openxmlformats.org/presentationml/2006/main" xmlns:r="http://schemas.openxmlformats.org/officeDocument/2006/relationships" xmlns:p14="http://schemas.microsoft.com/office/powerpoint/2010/main" xmlns:p15="http://schemas.microsoft.com/office/powerpoint/2012/main" xmlns:mc="http://schemas.openxmlformats.org/markup-compatibility/2006" type="objOverTx" preserve="1">
+<p:sldLayout xmlns:a="http://schemas.openxmlformats.org/drawingml/2006/main" xmlns:r="http://schemas.openxmlformats.org/officeDocument/2006/relationships" xmlns:p="http://schemas.openxmlformats.org/presentationml/2006/main" type="objOverTx" preserve="1">
   <p:cSld name="Title, Content over Content">
     <p:spTree>
       <p:nvGrpSpPr>
@@ -1962,10 +2247,11 @@
           </a:prstGeom>
         </p:spPr>
         <p:txBody>
-          <a:bodyPr lIns="0" rIns="0" tIns="0" bIns="0" anchor="ctr"/>
+          <a:bodyPr lIns="0" tIns="0" rIns="0" bIns="0" anchor="ctr"/>
+          <a:lstStyle/>
           <a:p>
             <a:pPr algn="ctr"/>
-            <a:endParaRPr b="0" lang="pt-BR" sz="4400" spc="-1" strike="noStrike">
+            <a:endParaRPr lang="pt-BR" sz="4400" b="0" strike="noStrike" spc="-1">
               <a:latin typeface="Arial"/>
             </a:endParaRPr>
           </a:p>
@@ -1991,11 +2277,12 @@
           </a:prstGeom>
         </p:spPr>
         <p:txBody>
-          <a:bodyPr lIns="0" rIns="0" tIns="0" bIns="0">
+          <a:bodyPr lIns="0" tIns="0" rIns="0" bIns="0">
             <a:normAutofit/>
           </a:bodyPr>
-          <a:p>
-            <a:endParaRPr b="0" lang="pt-BR" sz="3200" spc="-1" strike="noStrike">
+          <a:lstStyle/>
+          <a:p>
+            <a:endParaRPr lang="pt-BR" sz="3200" b="0" strike="noStrike" spc="-1">
               <a:latin typeface="Arial"/>
             </a:endParaRPr>
           </a:p>
@@ -2021,11 +2308,12 @@
           </a:prstGeom>
         </p:spPr>
         <p:txBody>
-          <a:bodyPr lIns="0" rIns="0" tIns="0" bIns="0">
+          <a:bodyPr lIns="0" tIns="0" rIns="0" bIns="0">
             <a:normAutofit/>
           </a:bodyPr>
-          <a:p>
-            <a:endParaRPr b="0" lang="pt-BR" sz="3200" spc="-1" strike="noStrike">
+          <a:lstStyle/>
+          <a:p>
+            <a:endParaRPr lang="pt-BR" sz="3200" b="0" strike="noStrike" spc="-1">
               <a:latin typeface="Arial"/>
             </a:endParaRPr>
           </a:p>
@@ -2033,11 +2321,14 @@
       </p:sp>
     </p:spTree>
   </p:cSld>
+  <p:clrMapOvr>
+    <a:masterClrMapping/>
+  </p:clrMapOvr>
 </p:sldLayout>
 </file>
 
 <file path=ppt/slideLayouts/slideLayout23.xml><?xml version="1.0" encoding="utf-8"?>
-<p:sldLayout xmlns:a="http://schemas.openxmlformats.org/drawingml/2006/main" xmlns:p="http://schemas.openxmlformats.org/presentationml/2006/main" xmlns:r="http://schemas.openxmlformats.org/officeDocument/2006/relationships" xmlns:p14="http://schemas.microsoft.com/office/powerpoint/2010/main" xmlns:p15="http://schemas.microsoft.com/office/powerpoint/2012/main" xmlns:mc="http://schemas.openxmlformats.org/markup-compatibility/2006" type="fourObj" preserve="1">
+<p:sldLayout xmlns:a="http://schemas.openxmlformats.org/drawingml/2006/main" xmlns:r="http://schemas.openxmlformats.org/officeDocument/2006/relationships" xmlns:p="http://schemas.openxmlformats.org/presentationml/2006/main" type="fourObj" preserve="1">
   <p:cSld name="Title, 4 Content">
     <p:spTree>
       <p:nvGrpSpPr>
@@ -2073,10 +2364,11 @@
           </a:prstGeom>
         </p:spPr>
         <p:txBody>
-          <a:bodyPr lIns="0" rIns="0" tIns="0" bIns="0" anchor="ctr"/>
+          <a:bodyPr lIns="0" tIns="0" rIns="0" bIns="0" anchor="ctr"/>
+          <a:lstStyle/>
           <a:p>
             <a:pPr algn="ctr"/>
-            <a:endParaRPr b="0" lang="pt-BR" sz="4400" spc="-1" strike="noStrike">
+            <a:endParaRPr lang="pt-BR" sz="4400" b="0" strike="noStrike" spc="-1">
               <a:latin typeface="Arial"/>
             </a:endParaRPr>
           </a:p>
@@ -2102,11 +2394,12 @@
           </a:prstGeom>
         </p:spPr>
         <p:txBody>
-          <a:bodyPr lIns="0" rIns="0" tIns="0" bIns="0">
+          <a:bodyPr lIns="0" tIns="0" rIns="0" bIns="0">
             <a:normAutofit/>
           </a:bodyPr>
-          <a:p>
-            <a:endParaRPr b="0" lang="pt-BR" sz="3200" spc="-1" strike="noStrike">
+          <a:lstStyle/>
+          <a:p>
+            <a:endParaRPr lang="pt-BR" sz="3200" b="0" strike="noStrike" spc="-1">
               <a:latin typeface="Arial"/>
             </a:endParaRPr>
           </a:p>
@@ -2132,11 +2425,12 @@
           </a:prstGeom>
         </p:spPr>
         <p:txBody>
-          <a:bodyPr lIns="0" rIns="0" tIns="0" bIns="0">
+          <a:bodyPr lIns="0" tIns="0" rIns="0" bIns="0">
             <a:normAutofit/>
           </a:bodyPr>
-          <a:p>
-            <a:endParaRPr b="0" lang="pt-BR" sz="3200" spc="-1" strike="noStrike">
+          <a:lstStyle/>
+          <a:p>
+            <a:endParaRPr lang="pt-BR" sz="3200" b="0" strike="noStrike" spc="-1">
               <a:latin typeface="Arial"/>
             </a:endParaRPr>
           </a:p>
@@ -2162,11 +2456,12 @@
           </a:prstGeom>
         </p:spPr>
         <p:txBody>
-          <a:bodyPr lIns="0" rIns="0" tIns="0" bIns="0">
+          <a:bodyPr lIns="0" tIns="0" rIns="0" bIns="0">
             <a:normAutofit/>
           </a:bodyPr>
-          <a:p>
-            <a:endParaRPr b="0" lang="pt-BR" sz="3200" spc="-1" strike="noStrike">
+          <a:lstStyle/>
+          <a:p>
+            <a:endParaRPr lang="pt-BR" sz="3200" b="0" strike="noStrike" spc="-1">
               <a:latin typeface="Arial"/>
             </a:endParaRPr>
           </a:p>
@@ -2192,11 +2487,12 @@
           </a:prstGeom>
         </p:spPr>
         <p:txBody>
-          <a:bodyPr lIns="0" rIns="0" tIns="0" bIns="0">
+          <a:bodyPr lIns="0" tIns="0" rIns="0" bIns="0">
             <a:normAutofit/>
           </a:bodyPr>
-          <a:p>
-            <a:endParaRPr b="0" lang="pt-BR" sz="3200" spc="-1" strike="noStrike">
+          <a:lstStyle/>
+          <a:p>
+            <a:endParaRPr lang="pt-BR" sz="3200" b="0" strike="noStrike" spc="-1">
               <a:latin typeface="Arial"/>
             </a:endParaRPr>
           </a:p>
@@ -2204,11 +2500,14 @@
       </p:sp>
     </p:spTree>
   </p:cSld>
+  <p:clrMapOvr>
+    <a:masterClrMapping/>
+  </p:clrMapOvr>
 </p:sldLayout>
 </file>
 
 <file path=ppt/slideLayouts/slideLayout24.xml><?xml version="1.0" encoding="utf-8"?>
-<p:sldLayout xmlns:a="http://schemas.openxmlformats.org/drawingml/2006/main" xmlns:p="http://schemas.openxmlformats.org/presentationml/2006/main" xmlns:r="http://schemas.openxmlformats.org/officeDocument/2006/relationships" xmlns:p14="http://schemas.microsoft.com/office/powerpoint/2010/main" xmlns:p15="http://schemas.microsoft.com/office/powerpoint/2012/main" xmlns:mc="http://schemas.openxmlformats.org/markup-compatibility/2006" type="blank" preserve="1">
+<p:sldLayout xmlns:a="http://schemas.openxmlformats.org/drawingml/2006/main" xmlns:r="http://schemas.openxmlformats.org/officeDocument/2006/relationships" xmlns:p="http://schemas.openxmlformats.org/presentationml/2006/main" type="blank" preserve="1">
   <p:cSld name="Title, 6 Content">
     <p:spTree>
       <p:nvGrpSpPr>
@@ -2244,10 +2543,11 @@
           </a:prstGeom>
         </p:spPr>
         <p:txBody>
-          <a:bodyPr lIns="0" rIns="0" tIns="0" bIns="0" anchor="ctr"/>
+          <a:bodyPr lIns="0" tIns="0" rIns="0" bIns="0" anchor="ctr"/>
+          <a:lstStyle/>
           <a:p>
             <a:pPr algn="ctr"/>
-            <a:endParaRPr b="0" lang="pt-BR" sz="4400" spc="-1" strike="noStrike">
+            <a:endParaRPr lang="pt-BR" sz="4400" b="0" strike="noStrike" spc="-1">
               <a:latin typeface="Arial"/>
             </a:endParaRPr>
           </a:p>
@@ -2273,11 +2573,12 @@
           </a:prstGeom>
         </p:spPr>
         <p:txBody>
-          <a:bodyPr lIns="0" rIns="0" tIns="0" bIns="0">
+          <a:bodyPr lIns="0" tIns="0" rIns="0" bIns="0">
             <a:normAutofit/>
           </a:bodyPr>
-          <a:p>
-            <a:endParaRPr b="0" lang="pt-BR" sz="3200" spc="-1" strike="noStrike">
+          <a:lstStyle/>
+          <a:p>
+            <a:endParaRPr lang="pt-BR" sz="3200" b="0" strike="noStrike" spc="-1">
               <a:latin typeface="Arial"/>
             </a:endParaRPr>
           </a:p>
@@ -2303,11 +2604,12 @@
           </a:prstGeom>
         </p:spPr>
         <p:txBody>
-          <a:bodyPr lIns="0" rIns="0" tIns="0" bIns="0">
+          <a:bodyPr lIns="0" tIns="0" rIns="0" bIns="0">
             <a:normAutofit/>
           </a:bodyPr>
-          <a:p>
-            <a:endParaRPr b="0" lang="pt-BR" sz="3200" spc="-1" strike="noStrike">
+          <a:lstStyle/>
+          <a:p>
+            <a:endParaRPr lang="pt-BR" sz="3200" b="0" strike="noStrike" spc="-1">
               <a:latin typeface="Arial"/>
             </a:endParaRPr>
           </a:p>
@@ -2333,11 +2635,12 @@
           </a:prstGeom>
         </p:spPr>
         <p:txBody>
-          <a:bodyPr lIns="0" rIns="0" tIns="0" bIns="0">
+          <a:bodyPr lIns="0" tIns="0" rIns="0" bIns="0">
             <a:normAutofit/>
           </a:bodyPr>
-          <a:p>
-            <a:endParaRPr b="0" lang="pt-BR" sz="3200" spc="-1" strike="noStrike">
+          <a:lstStyle/>
+          <a:p>
+            <a:endParaRPr lang="pt-BR" sz="3200" b="0" strike="noStrike" spc="-1">
               <a:latin typeface="Arial"/>
             </a:endParaRPr>
           </a:p>
@@ -2363,11 +2666,12 @@
           </a:prstGeom>
         </p:spPr>
         <p:txBody>
-          <a:bodyPr lIns="0" rIns="0" tIns="0" bIns="0">
+          <a:bodyPr lIns="0" tIns="0" rIns="0" bIns="0">
             <a:normAutofit/>
           </a:bodyPr>
-          <a:p>
-            <a:endParaRPr b="0" lang="pt-BR" sz="3200" spc="-1" strike="noStrike">
+          <a:lstStyle/>
+          <a:p>
+            <a:endParaRPr lang="pt-BR" sz="3200" b="0" strike="noStrike" spc="-1">
               <a:latin typeface="Arial"/>
             </a:endParaRPr>
           </a:p>
@@ -2393,11 +2697,12 @@
           </a:prstGeom>
         </p:spPr>
         <p:txBody>
-          <a:bodyPr lIns="0" rIns="0" tIns="0" bIns="0">
+          <a:bodyPr lIns="0" tIns="0" rIns="0" bIns="0">
             <a:normAutofit/>
           </a:bodyPr>
-          <a:p>
-            <a:endParaRPr b="0" lang="pt-BR" sz="3200" spc="-1" strike="noStrike">
+          <a:lstStyle/>
+          <a:p>
+            <a:endParaRPr lang="pt-BR" sz="3200" b="0" strike="noStrike" spc="-1">
               <a:latin typeface="Arial"/>
             </a:endParaRPr>
           </a:p>
@@ -2423,11 +2728,12 @@
           </a:prstGeom>
         </p:spPr>
         <p:txBody>
-          <a:bodyPr lIns="0" rIns="0" tIns="0" bIns="0">
+          <a:bodyPr lIns="0" tIns="0" rIns="0" bIns="0">
             <a:normAutofit/>
           </a:bodyPr>
-          <a:p>
-            <a:endParaRPr b="0" lang="pt-BR" sz="3200" spc="-1" strike="noStrike">
+          <a:lstStyle/>
+          <a:p>
+            <a:endParaRPr lang="pt-BR" sz="3200" b="0" strike="noStrike" spc="-1">
               <a:latin typeface="Arial"/>
             </a:endParaRPr>
           </a:p>
@@ -2435,11 +2741,14 @@
       </p:sp>
     </p:spTree>
   </p:cSld>
+  <p:clrMapOvr>
+    <a:masterClrMapping/>
+  </p:clrMapOvr>
 </p:sldLayout>
 </file>
 
 <file path=ppt/slideLayouts/slideLayout3.xml><?xml version="1.0" encoding="utf-8"?>
-<p:sldLayout xmlns:a="http://schemas.openxmlformats.org/drawingml/2006/main" xmlns:p="http://schemas.openxmlformats.org/presentationml/2006/main" xmlns:r="http://schemas.openxmlformats.org/officeDocument/2006/relationships" xmlns:p14="http://schemas.microsoft.com/office/powerpoint/2010/main" xmlns:p15="http://schemas.microsoft.com/office/powerpoint/2012/main" xmlns:mc="http://schemas.openxmlformats.org/markup-compatibility/2006" type="obj" preserve="1">
+<p:sldLayout xmlns:a="http://schemas.openxmlformats.org/drawingml/2006/main" xmlns:r="http://schemas.openxmlformats.org/officeDocument/2006/relationships" xmlns:p="http://schemas.openxmlformats.org/presentationml/2006/main" type="obj" preserve="1">
   <p:cSld name="Title, Content">
     <p:spTree>
       <p:nvGrpSpPr>
@@ -2475,10 +2784,11 @@
           </a:prstGeom>
         </p:spPr>
         <p:txBody>
-          <a:bodyPr lIns="0" rIns="0" tIns="0" bIns="0" anchor="ctr"/>
+          <a:bodyPr lIns="0" tIns="0" rIns="0" bIns="0" anchor="ctr"/>
+          <a:lstStyle/>
           <a:p>
             <a:pPr algn="ctr"/>
-            <a:endParaRPr b="0" lang="pt-BR" sz="4400" spc="-1" strike="noStrike">
+            <a:endParaRPr lang="pt-BR" sz="4400" b="0" strike="noStrike" spc="-1">
               <a:latin typeface="Arial"/>
             </a:endParaRPr>
           </a:p>
@@ -2504,11 +2814,12 @@
           </a:prstGeom>
         </p:spPr>
         <p:txBody>
-          <a:bodyPr lIns="0" rIns="0" tIns="0" bIns="0">
+          <a:bodyPr lIns="0" tIns="0" rIns="0" bIns="0">
             <a:normAutofit/>
           </a:bodyPr>
-          <a:p>
-            <a:endParaRPr b="0" lang="pt-BR" sz="3200" spc="-1" strike="noStrike">
+          <a:lstStyle/>
+          <a:p>
+            <a:endParaRPr lang="pt-BR" sz="3200" b="0" strike="noStrike" spc="-1">
               <a:latin typeface="Arial"/>
             </a:endParaRPr>
           </a:p>
@@ -2516,11 +2827,14 @@
       </p:sp>
     </p:spTree>
   </p:cSld>
+  <p:clrMapOvr>
+    <a:masterClrMapping/>
+  </p:clrMapOvr>
 </p:sldLayout>
 </file>
 
 <file path=ppt/slideLayouts/slideLayout4.xml><?xml version="1.0" encoding="utf-8"?>
-<p:sldLayout xmlns:a="http://schemas.openxmlformats.org/drawingml/2006/main" xmlns:p="http://schemas.openxmlformats.org/presentationml/2006/main" xmlns:r="http://schemas.openxmlformats.org/officeDocument/2006/relationships" xmlns:p14="http://schemas.microsoft.com/office/powerpoint/2010/main" xmlns:p15="http://schemas.microsoft.com/office/powerpoint/2012/main" xmlns:mc="http://schemas.openxmlformats.org/markup-compatibility/2006" type="twoObj" preserve="1">
+<p:sldLayout xmlns:a="http://schemas.openxmlformats.org/drawingml/2006/main" xmlns:r="http://schemas.openxmlformats.org/officeDocument/2006/relationships" xmlns:p="http://schemas.openxmlformats.org/presentationml/2006/main" type="twoObj" preserve="1">
   <p:cSld name="Title, 2 Content">
     <p:spTree>
       <p:nvGrpSpPr>
@@ -2556,10 +2870,11 @@
           </a:prstGeom>
         </p:spPr>
         <p:txBody>
-          <a:bodyPr lIns="0" rIns="0" tIns="0" bIns="0" anchor="ctr"/>
+          <a:bodyPr lIns="0" tIns="0" rIns="0" bIns="0" anchor="ctr"/>
+          <a:lstStyle/>
           <a:p>
             <a:pPr algn="ctr"/>
-            <a:endParaRPr b="0" lang="pt-BR" sz="4400" spc="-1" strike="noStrike">
+            <a:endParaRPr lang="pt-BR" sz="4400" b="0" strike="noStrike" spc="-1">
               <a:latin typeface="Arial"/>
             </a:endParaRPr>
           </a:p>
@@ -2585,11 +2900,12 @@
           </a:prstGeom>
         </p:spPr>
         <p:txBody>
-          <a:bodyPr lIns="0" rIns="0" tIns="0" bIns="0">
+          <a:bodyPr lIns="0" tIns="0" rIns="0" bIns="0">
             <a:normAutofit/>
           </a:bodyPr>
-          <a:p>
-            <a:endParaRPr b="0" lang="pt-BR" sz="3200" spc="-1" strike="noStrike">
+          <a:lstStyle/>
+          <a:p>
+            <a:endParaRPr lang="pt-BR" sz="3200" b="0" strike="noStrike" spc="-1">
               <a:latin typeface="Arial"/>
             </a:endParaRPr>
           </a:p>
@@ -2615,11 +2931,12 @@
           </a:prstGeom>
         </p:spPr>
         <p:txBody>
-          <a:bodyPr lIns="0" rIns="0" tIns="0" bIns="0">
+          <a:bodyPr lIns="0" tIns="0" rIns="0" bIns="0">
             <a:normAutofit/>
           </a:bodyPr>
-          <a:p>
-            <a:endParaRPr b="0" lang="pt-BR" sz="3200" spc="-1" strike="noStrike">
+          <a:lstStyle/>
+          <a:p>
+            <a:endParaRPr lang="pt-BR" sz="3200" b="0" strike="noStrike" spc="-1">
               <a:latin typeface="Arial"/>
             </a:endParaRPr>
           </a:p>
@@ -2627,11 +2944,14 @@
       </p:sp>
     </p:spTree>
   </p:cSld>
+  <p:clrMapOvr>
+    <a:masterClrMapping/>
+  </p:clrMapOvr>
 </p:sldLayout>
 </file>
 
 <file path=ppt/slideLayouts/slideLayout5.xml><?xml version="1.0" encoding="utf-8"?>
-<p:sldLayout xmlns:a="http://schemas.openxmlformats.org/drawingml/2006/main" xmlns:p="http://schemas.openxmlformats.org/presentationml/2006/main" xmlns:r="http://schemas.openxmlformats.org/officeDocument/2006/relationships" xmlns:p14="http://schemas.microsoft.com/office/powerpoint/2010/main" xmlns:p15="http://schemas.microsoft.com/office/powerpoint/2012/main" xmlns:mc="http://schemas.openxmlformats.org/markup-compatibility/2006" type="titleOnly" preserve="1">
+<p:sldLayout xmlns:a="http://schemas.openxmlformats.org/drawingml/2006/main" xmlns:r="http://schemas.openxmlformats.org/officeDocument/2006/relationships" xmlns:p="http://schemas.openxmlformats.org/presentationml/2006/main" type="titleOnly" preserve="1">
   <p:cSld name="Title Only">
     <p:spTree>
       <p:nvGrpSpPr>
@@ -2667,10 +2987,11 @@
           </a:prstGeom>
         </p:spPr>
         <p:txBody>
-          <a:bodyPr lIns="0" rIns="0" tIns="0" bIns="0" anchor="ctr"/>
+          <a:bodyPr lIns="0" tIns="0" rIns="0" bIns="0" anchor="ctr"/>
+          <a:lstStyle/>
           <a:p>
             <a:pPr algn="ctr"/>
-            <a:endParaRPr b="0" lang="pt-BR" sz="4400" spc="-1" strike="noStrike">
+            <a:endParaRPr lang="pt-BR" sz="4400" b="0" strike="noStrike" spc="-1">
               <a:latin typeface="Arial"/>
             </a:endParaRPr>
           </a:p>
@@ -2678,11 +2999,14 @@
       </p:sp>
     </p:spTree>
   </p:cSld>
+  <p:clrMapOvr>
+    <a:masterClrMapping/>
+  </p:clrMapOvr>
 </p:sldLayout>
 </file>
 
 <file path=ppt/slideLayouts/slideLayout6.xml><?xml version="1.0" encoding="utf-8"?>
-<p:sldLayout xmlns:a="http://schemas.openxmlformats.org/drawingml/2006/main" xmlns:p="http://schemas.openxmlformats.org/presentationml/2006/main" xmlns:r="http://schemas.openxmlformats.org/officeDocument/2006/relationships" xmlns:p14="http://schemas.microsoft.com/office/powerpoint/2010/main" xmlns:p15="http://schemas.microsoft.com/office/powerpoint/2012/main" xmlns:mc="http://schemas.openxmlformats.org/markup-compatibility/2006" type="objOnly" preserve="1">
+<p:sldLayout xmlns:a="http://schemas.openxmlformats.org/drawingml/2006/main" xmlns:r="http://schemas.openxmlformats.org/officeDocument/2006/relationships" xmlns:p="http://schemas.openxmlformats.org/presentationml/2006/main" type="objOnly" preserve="1">
   <p:cSld name="Centered Text">
     <p:spTree>
       <p:nvGrpSpPr>
@@ -2718,10 +3042,11 @@
           </a:prstGeom>
         </p:spPr>
         <p:txBody>
-          <a:bodyPr lIns="0" rIns="0" tIns="0" bIns="0" anchor="ctr"/>
+          <a:bodyPr lIns="0" tIns="0" rIns="0" bIns="0" anchor="ctr"/>
+          <a:lstStyle/>
           <a:p>
             <a:pPr algn="ctr"/>
-            <a:endParaRPr b="0" lang="pt-BR" sz="3200" spc="-1" strike="noStrike">
+            <a:endParaRPr lang="pt-BR" sz="3200" b="0" strike="noStrike" spc="-1">
               <a:latin typeface="Arial"/>
             </a:endParaRPr>
           </a:p>
@@ -2729,11 +3054,14 @@
       </p:sp>
     </p:spTree>
   </p:cSld>
+  <p:clrMapOvr>
+    <a:masterClrMapping/>
+  </p:clrMapOvr>
 </p:sldLayout>
 </file>
 
 <file path=ppt/slideLayouts/slideLayout7.xml><?xml version="1.0" encoding="utf-8"?>
-<p:sldLayout xmlns:a="http://schemas.openxmlformats.org/drawingml/2006/main" xmlns:p="http://schemas.openxmlformats.org/presentationml/2006/main" xmlns:r="http://schemas.openxmlformats.org/officeDocument/2006/relationships" xmlns:p14="http://schemas.microsoft.com/office/powerpoint/2010/main" xmlns:p15="http://schemas.microsoft.com/office/powerpoint/2012/main" xmlns:mc="http://schemas.openxmlformats.org/markup-compatibility/2006" type="twoObjAndObj" preserve="1">
+<p:sldLayout xmlns:a="http://schemas.openxmlformats.org/drawingml/2006/main" xmlns:r="http://schemas.openxmlformats.org/officeDocument/2006/relationships" xmlns:p="http://schemas.openxmlformats.org/presentationml/2006/main" type="twoObjAndObj" preserve="1">
   <p:cSld name="Title, 2 Content and Content">
     <p:spTree>
       <p:nvGrpSpPr>
@@ -2769,10 +3097,11 @@
           </a:prstGeom>
         </p:spPr>
         <p:txBody>
-          <a:bodyPr lIns="0" rIns="0" tIns="0" bIns="0" anchor="ctr"/>
+          <a:bodyPr lIns="0" tIns="0" rIns="0" bIns="0" anchor="ctr"/>
+          <a:lstStyle/>
           <a:p>
             <a:pPr algn="ctr"/>
-            <a:endParaRPr b="0" lang="pt-BR" sz="4400" spc="-1" strike="noStrike">
+            <a:endParaRPr lang="pt-BR" sz="4400" b="0" strike="noStrike" spc="-1">
               <a:latin typeface="Arial"/>
             </a:endParaRPr>
           </a:p>
@@ -2798,11 +3127,12 @@
           </a:prstGeom>
         </p:spPr>
         <p:txBody>
-          <a:bodyPr lIns="0" rIns="0" tIns="0" bIns="0">
+          <a:bodyPr lIns="0" tIns="0" rIns="0" bIns="0">
             <a:normAutofit/>
           </a:bodyPr>
-          <a:p>
-            <a:endParaRPr b="0" lang="pt-BR" sz="3200" spc="-1" strike="noStrike">
+          <a:lstStyle/>
+          <a:p>
+            <a:endParaRPr lang="pt-BR" sz="3200" b="0" strike="noStrike" spc="-1">
               <a:latin typeface="Arial"/>
             </a:endParaRPr>
           </a:p>
@@ -2828,11 +3158,12 @@
           </a:prstGeom>
         </p:spPr>
         <p:txBody>
-          <a:bodyPr lIns="0" rIns="0" tIns="0" bIns="0">
+          <a:bodyPr lIns="0" tIns="0" rIns="0" bIns="0">
             <a:normAutofit/>
           </a:bodyPr>
-          <a:p>
-            <a:endParaRPr b="0" lang="pt-BR" sz="3200" spc="-1" strike="noStrike">
+          <a:lstStyle/>
+          <a:p>
+            <a:endParaRPr lang="pt-BR" sz="3200" b="0" strike="noStrike" spc="-1">
               <a:latin typeface="Arial"/>
             </a:endParaRPr>
           </a:p>
@@ -2858,11 +3189,12 @@
           </a:prstGeom>
         </p:spPr>
         <p:txBody>
-          <a:bodyPr lIns="0" rIns="0" tIns="0" bIns="0">
+          <a:bodyPr lIns="0" tIns="0" rIns="0" bIns="0">
             <a:normAutofit/>
           </a:bodyPr>
-          <a:p>
-            <a:endParaRPr b="0" lang="pt-BR" sz="3200" spc="-1" strike="noStrike">
+          <a:lstStyle/>
+          <a:p>
+            <a:endParaRPr lang="pt-BR" sz="3200" b="0" strike="noStrike" spc="-1">
               <a:latin typeface="Arial"/>
             </a:endParaRPr>
           </a:p>
@@ -2870,11 +3202,14 @@
       </p:sp>
     </p:spTree>
   </p:cSld>
+  <p:clrMapOvr>
+    <a:masterClrMapping/>
+  </p:clrMapOvr>
 </p:sldLayout>
 </file>
 
 <file path=ppt/slideLayouts/slideLayout8.xml><?xml version="1.0" encoding="utf-8"?>
-<p:sldLayout xmlns:a="http://schemas.openxmlformats.org/drawingml/2006/main" xmlns:p="http://schemas.openxmlformats.org/presentationml/2006/main" xmlns:r="http://schemas.openxmlformats.org/officeDocument/2006/relationships" xmlns:p14="http://schemas.microsoft.com/office/powerpoint/2010/main" xmlns:p15="http://schemas.microsoft.com/office/powerpoint/2012/main" xmlns:mc="http://schemas.openxmlformats.org/markup-compatibility/2006" type="objAndTwoObj" preserve="1">
+<p:sldLayout xmlns:a="http://schemas.openxmlformats.org/drawingml/2006/main" xmlns:r="http://schemas.openxmlformats.org/officeDocument/2006/relationships" xmlns:p="http://schemas.openxmlformats.org/presentationml/2006/main" type="objAndTwoObj" preserve="1">
   <p:cSld name="Title Content and 2 Content">
     <p:spTree>
       <p:nvGrpSpPr>
@@ -2910,10 +3245,11 @@
           </a:prstGeom>
         </p:spPr>
         <p:txBody>
-          <a:bodyPr lIns="0" rIns="0" tIns="0" bIns="0" anchor="ctr"/>
+          <a:bodyPr lIns="0" tIns="0" rIns="0" bIns="0" anchor="ctr"/>
+          <a:lstStyle/>
           <a:p>
             <a:pPr algn="ctr"/>
-            <a:endParaRPr b="0" lang="pt-BR" sz="4400" spc="-1" strike="noStrike">
+            <a:endParaRPr lang="pt-BR" sz="4400" b="0" strike="noStrike" spc="-1">
               <a:latin typeface="Arial"/>
             </a:endParaRPr>
           </a:p>
@@ -2939,11 +3275,12 @@
           </a:prstGeom>
         </p:spPr>
         <p:txBody>
-          <a:bodyPr lIns="0" rIns="0" tIns="0" bIns="0">
+          <a:bodyPr lIns="0" tIns="0" rIns="0" bIns="0">
             <a:normAutofit/>
           </a:bodyPr>
-          <a:p>
-            <a:endParaRPr b="0" lang="pt-BR" sz="3200" spc="-1" strike="noStrike">
+          <a:lstStyle/>
+          <a:p>
+            <a:endParaRPr lang="pt-BR" sz="3200" b="0" strike="noStrike" spc="-1">
               <a:latin typeface="Arial"/>
             </a:endParaRPr>
           </a:p>
@@ -2969,11 +3306,12 @@
           </a:prstGeom>
         </p:spPr>
         <p:txBody>
-          <a:bodyPr lIns="0" rIns="0" tIns="0" bIns="0">
+          <a:bodyPr lIns="0" tIns="0" rIns="0" bIns="0">
             <a:normAutofit/>
           </a:bodyPr>
-          <a:p>
-            <a:endParaRPr b="0" lang="pt-BR" sz="3200" spc="-1" strike="noStrike">
+          <a:lstStyle/>
+          <a:p>
+            <a:endParaRPr lang="pt-BR" sz="3200" b="0" strike="noStrike" spc="-1">
               <a:latin typeface="Arial"/>
             </a:endParaRPr>
           </a:p>
@@ -2999,11 +3337,12 @@
           </a:prstGeom>
         </p:spPr>
         <p:txBody>
-          <a:bodyPr lIns="0" rIns="0" tIns="0" bIns="0">
+          <a:bodyPr lIns="0" tIns="0" rIns="0" bIns="0">
             <a:normAutofit/>
           </a:bodyPr>
-          <a:p>
-            <a:endParaRPr b="0" lang="pt-BR" sz="3200" spc="-1" strike="noStrike">
+          <a:lstStyle/>
+          <a:p>
+            <a:endParaRPr lang="pt-BR" sz="3200" b="0" strike="noStrike" spc="-1">
               <a:latin typeface="Arial"/>
             </a:endParaRPr>
           </a:p>
@@ -3011,11 +3350,14 @@
       </p:sp>
     </p:spTree>
   </p:cSld>
+  <p:clrMapOvr>
+    <a:masterClrMapping/>
+  </p:clrMapOvr>
 </p:sldLayout>
 </file>
 
 <file path=ppt/slideLayouts/slideLayout9.xml><?xml version="1.0" encoding="utf-8"?>
-<p:sldLayout xmlns:a="http://schemas.openxmlformats.org/drawingml/2006/main" xmlns:p="http://schemas.openxmlformats.org/presentationml/2006/main" xmlns:r="http://schemas.openxmlformats.org/officeDocument/2006/relationships" xmlns:p14="http://schemas.microsoft.com/office/powerpoint/2010/main" xmlns:p15="http://schemas.microsoft.com/office/powerpoint/2012/main" xmlns:mc="http://schemas.openxmlformats.org/markup-compatibility/2006" type="twoObjOverTx" preserve="1">
+<p:sldLayout xmlns:a="http://schemas.openxmlformats.org/drawingml/2006/main" xmlns:r="http://schemas.openxmlformats.org/officeDocument/2006/relationships" xmlns:p="http://schemas.openxmlformats.org/presentationml/2006/main" type="twoObjOverTx" preserve="1">
   <p:cSld name="Title, 2 Content over Content">
     <p:spTree>
       <p:nvGrpSpPr>
@@ -3051,10 +3393,11 @@
           </a:prstGeom>
         </p:spPr>
         <p:txBody>
-          <a:bodyPr lIns="0" rIns="0" tIns="0" bIns="0" anchor="ctr"/>
+          <a:bodyPr lIns="0" tIns="0" rIns="0" bIns="0" anchor="ctr"/>
+          <a:lstStyle/>
           <a:p>
             <a:pPr algn="ctr"/>
-            <a:endParaRPr b="0" lang="pt-BR" sz="4400" spc="-1" strike="noStrike">
+            <a:endParaRPr lang="pt-BR" sz="4400" b="0" strike="noStrike" spc="-1">
               <a:latin typeface="Arial"/>
             </a:endParaRPr>
           </a:p>
@@ -3080,11 +3423,12 @@
           </a:prstGeom>
         </p:spPr>
         <p:txBody>
-          <a:bodyPr lIns="0" rIns="0" tIns="0" bIns="0">
+          <a:bodyPr lIns="0" tIns="0" rIns="0" bIns="0">
             <a:normAutofit/>
           </a:bodyPr>
-          <a:p>
-            <a:endParaRPr b="0" lang="pt-BR" sz="3200" spc="-1" strike="noStrike">
+          <a:lstStyle/>
+          <a:p>
+            <a:endParaRPr lang="pt-BR" sz="3200" b="0" strike="noStrike" spc="-1">
               <a:latin typeface="Arial"/>
             </a:endParaRPr>
           </a:p>
@@ -3110,11 +3454,12 @@
           </a:prstGeom>
         </p:spPr>
         <p:txBody>
-          <a:bodyPr lIns="0" rIns="0" tIns="0" bIns="0">
+          <a:bodyPr lIns="0" tIns="0" rIns="0" bIns="0">
             <a:normAutofit/>
           </a:bodyPr>
-          <a:p>
-            <a:endParaRPr b="0" lang="pt-BR" sz="3200" spc="-1" strike="noStrike">
+          <a:lstStyle/>
+          <a:p>
+            <a:endParaRPr lang="pt-BR" sz="3200" b="0" strike="noStrike" spc="-1">
               <a:latin typeface="Arial"/>
             </a:endParaRPr>
           </a:p>
@@ -3140,11 +3485,12 @@
           </a:prstGeom>
         </p:spPr>
         <p:txBody>
-          <a:bodyPr lIns="0" rIns="0" tIns="0" bIns="0">
+          <a:bodyPr lIns="0" tIns="0" rIns="0" bIns="0">
             <a:normAutofit/>
           </a:bodyPr>
-          <a:p>
-            <a:endParaRPr b="0" lang="pt-BR" sz="3200" spc="-1" strike="noStrike">
+          <a:lstStyle/>
+          <a:p>
+            <a:endParaRPr lang="pt-BR" sz="3200" b="0" strike="noStrike" spc="-1">
               <a:latin typeface="Arial"/>
             </a:endParaRPr>
           </a:p>
@@ -3152,17 +3498,21 @@
       </p:sp>
     </p:spTree>
   </p:cSld>
+  <p:clrMapOvr>
+    <a:masterClrMapping/>
+  </p:clrMapOvr>
 </p:sldLayout>
 </file>
 
 <file path=ppt/slideMasters/slideMaster1.xml><?xml version="1.0" encoding="utf-8"?>
-<p:sldMaster xmlns:a="http://schemas.openxmlformats.org/drawingml/2006/main" xmlns:p="http://schemas.openxmlformats.org/presentationml/2006/main" xmlns:r="http://schemas.openxmlformats.org/officeDocument/2006/relationships" xmlns:p14="http://schemas.microsoft.com/office/powerpoint/2010/main" xmlns:p15="http://schemas.microsoft.com/office/powerpoint/2012/main" xmlns:mc="http://schemas.openxmlformats.org/markup-compatibility/2006">
+<p:sldMaster xmlns:a="http://schemas.openxmlformats.org/drawingml/2006/main" xmlns:r="http://schemas.openxmlformats.org/officeDocument/2006/relationships" xmlns:p="http://schemas.openxmlformats.org/presentationml/2006/main">
   <p:cSld>
     <p:bg>
       <p:bgPr>
         <a:solidFill>
-          <a:srgbClr val="ffffff"/>
+          <a:srgbClr val="FFFFFF"/>
         </a:solidFill>
+        <a:effectLst/>
       </p:bgPr>
     </p:bg>
     <p:spTree>
@@ -3181,7 +3531,7 @@
       </p:grpSpPr>
       <p:sp>
         <p:nvSpPr>
-          <p:cNvPr id="0" name="CustomShape 1"/>
+          <p:cNvPr id="9" name="CustomShape 1"/>
           <p:cNvSpPr/>
           <p:nvPr/>
         </p:nvSpPr>
@@ -3200,7 +3550,7 @@
             <a:noFill/>
           </a:ln>
           <a:effectLst>
-            <a:outerShdw blurRad="38100" dir="5400000" dist="25400" rotWithShape="0">
+            <a:outerShdw blurRad="38100" dist="25400" dir="5400000" rotWithShape="0">
               <a:srgbClr val="000000">
                 <a:alpha val="55000"/>
               </a:srgbClr>
@@ -3222,7 +3572,7 @@
       </p:sp>
       <p:sp>
         <p:nvSpPr>
-          <p:cNvPr id="1" name="CustomShape 2"/>
+          <p:cNvPr id="10" name="CustomShape 2"/>
           <p:cNvSpPr/>
           <p:nvPr/>
         </p:nvSpPr>
@@ -3241,7 +3591,7 @@
             <a:noFill/>
           </a:ln>
           <a:effectLst>
-            <a:outerShdw blurRad="38100" dir="5400000" dist="25400" rotWithShape="0">
+            <a:outerShdw blurRad="38100" dist="25400" dir="5400000" rotWithShape="0">
               <a:srgbClr val="000000">
                 <a:alpha val="55000"/>
               </a:srgbClr>
@@ -3282,7 +3632,7 @@
             <a:noFill/>
           </a:ln>
           <a:effectLst>
-            <a:outerShdw blurRad="38100" dir="5400000" dist="25400" rotWithShape="0">
+            <a:outerShdw blurRad="38100" dist="25400" dir="5400000" rotWithShape="0">
               <a:srgbClr val="000000">
                 <a:alpha val="55000"/>
               </a:srgbClr>
@@ -3317,7 +3667,7 @@
             <a:avLst/>
           </a:prstGeom>
           <a:solidFill>
-            <a:srgbClr val="24cf39"/>
+            <a:srgbClr val="24CF39"/>
           </a:solidFill>
           <a:ln>
             <a:noFill/>
@@ -3359,7 +3709,7 @@
             <a:noFill/>
           </a:ln>
           <a:effectLst>
-            <a:outerShdw blurRad="38100" dir="5400000" dist="25400" rotWithShape="0">
+            <a:outerShdw blurRad="38100" dist="25400" dir="5400000" rotWithShape="0">
               <a:srgbClr val="000000">
                 <a:alpha val="55000"/>
               </a:srgbClr>
@@ -3381,12 +3731,12 @@
       </p:sp>
       <p:pic>
         <p:nvPicPr>
-          <p:cNvPr id="5" name="Picture 7" descr=""/>
+          <p:cNvPr id="5" name="Picture 7"/>
           <p:cNvPicPr/>
           <p:nvPr/>
         </p:nvPicPr>
         <p:blipFill>
-          <a:blip r:embed="rId2"/>
+          <a:blip r:embed="rId14"/>
           <a:stretch/>
         </p:blipFill>
         <p:spPr>
@@ -3417,7 +3767,7 @@
             <a:avLst/>
           </a:prstGeom>
           <a:solidFill>
-            <a:srgbClr val="24cf39"/>
+            <a:srgbClr val="24CF39"/>
           </a:solidFill>
           <a:ln>
             <a:noFill/>
@@ -3458,17 +3808,15 @@
           </a:prstGeom>
         </p:spPr>
         <p:txBody>
-          <a:bodyPr lIns="0" rIns="0" tIns="0" bIns="0" anchor="ctr"/>
+          <a:bodyPr lIns="0" tIns="0" rIns="0" bIns="0" anchor="ctr"/>
+          <a:lstStyle/>
           <a:p>
             <a:r>
-              <a:rPr b="0" lang="pt-BR" sz="1800" spc="-1" strike="noStrike">
+              <a:rPr lang="pt-BR" sz="1800" b="0" strike="noStrike" spc="-1">
                 <a:latin typeface="Arial"/>
               </a:rPr>
               <a:t>Clique para editar o formato do texto do título</a:t>
             </a:r>
-            <a:endParaRPr b="0" lang="pt-BR" sz="1800" spc="-1" strike="noStrike">
-              <a:latin typeface="Arial"/>
-            </a:endParaRPr>
           </a:p>
         </p:txBody>
       </p:sp>
@@ -3492,9 +3840,10 @@
           </a:prstGeom>
         </p:spPr>
         <p:txBody>
-          <a:bodyPr lIns="0" rIns="0" tIns="0" bIns="0">
+          <a:bodyPr lIns="0" tIns="0" rIns="0" bIns="0">
             <a:normAutofit/>
           </a:bodyPr>
+          <a:lstStyle/>
           <a:p>
             <a:pPr marL="432000" indent="-324000">
               <a:spcBef>
@@ -3508,17 +3857,14 @@
               <a:buChar char=""/>
             </a:pPr>
             <a:r>
-              <a:rPr b="0" lang="pt-BR" sz="3200" spc="-1" strike="noStrike">
+              <a:rPr lang="pt-BR" sz="3200" b="0" strike="noStrike" spc="-1">
                 <a:latin typeface="Arial"/>
               </a:rPr>
               <a:t>Clique para editar o formato do texto da estrutura de tópicos</a:t>
             </a:r>
-            <a:endParaRPr b="0" lang="pt-BR" sz="3200" spc="-1" strike="noStrike">
-              <a:latin typeface="Arial"/>
-            </a:endParaRPr>
-          </a:p>
-          <a:p>
-            <a:pPr lvl="1" marL="864000" indent="-324000">
+          </a:p>
+          <a:p>
+            <a:pPr marL="864000" lvl="1" indent="-324000">
               <a:spcBef>
                 <a:spcPts val="1134"/>
               </a:spcBef>
@@ -3530,17 +3876,14 @@
               <a:buChar char=""/>
             </a:pPr>
             <a:r>
-              <a:rPr b="0" lang="pt-BR" sz="2800" spc="-1" strike="noStrike">
+              <a:rPr lang="pt-BR" sz="2800" b="0" strike="noStrike" spc="-1">
                 <a:latin typeface="Arial"/>
               </a:rPr>
               <a:t>2.º nível da estrutura de tópicos</a:t>
             </a:r>
-            <a:endParaRPr b="0" lang="pt-BR" sz="2800" spc="-1" strike="noStrike">
-              <a:latin typeface="Arial"/>
-            </a:endParaRPr>
-          </a:p>
-          <a:p>
-            <a:pPr lvl="2" marL="1296000" indent="-288000">
+          </a:p>
+          <a:p>
+            <a:pPr marL="1296000" lvl="2" indent="-288000">
               <a:spcBef>
                 <a:spcPts val="850"/>
               </a:spcBef>
@@ -3552,17 +3895,14 @@
               <a:buChar char=""/>
             </a:pPr>
             <a:r>
-              <a:rPr b="0" lang="pt-BR" sz="2400" spc="-1" strike="noStrike">
+              <a:rPr lang="pt-BR" sz="2400" b="0" strike="noStrike" spc="-1">
                 <a:latin typeface="Arial"/>
               </a:rPr>
               <a:t>3.º nível da estrutura de tópicos</a:t>
             </a:r>
-            <a:endParaRPr b="0" lang="pt-BR" sz="2400" spc="-1" strike="noStrike">
-              <a:latin typeface="Arial"/>
-            </a:endParaRPr>
-          </a:p>
-          <a:p>
-            <a:pPr lvl="3" marL="1728000" indent="-216000">
+          </a:p>
+          <a:p>
+            <a:pPr marL="1728000" lvl="3" indent="-216000">
               <a:spcBef>
                 <a:spcPts val="567"/>
               </a:spcBef>
@@ -3574,17 +3914,14 @@
               <a:buChar char=""/>
             </a:pPr>
             <a:r>
-              <a:rPr b="0" lang="pt-BR" sz="2000" spc="-1" strike="noStrike">
+              <a:rPr lang="pt-BR" sz="2000" b="0" strike="noStrike" spc="-1">
                 <a:latin typeface="Arial"/>
               </a:rPr>
               <a:t>4.º nível da estrutura de tópicos</a:t>
             </a:r>
-            <a:endParaRPr b="0" lang="pt-BR" sz="2000" spc="-1" strike="noStrike">
-              <a:latin typeface="Arial"/>
-            </a:endParaRPr>
-          </a:p>
-          <a:p>
-            <a:pPr lvl="4" marL="2160000" indent="-216000">
+          </a:p>
+          <a:p>
+            <a:pPr marL="2160000" lvl="4" indent="-216000">
               <a:spcBef>
                 <a:spcPts val="283"/>
               </a:spcBef>
@@ -3596,17 +3933,14 @@
               <a:buChar char=""/>
             </a:pPr>
             <a:r>
-              <a:rPr b="0" lang="pt-BR" sz="2000" spc="-1" strike="noStrike">
+              <a:rPr lang="pt-BR" sz="2000" b="0" strike="noStrike" spc="-1">
                 <a:latin typeface="Arial"/>
               </a:rPr>
               <a:t>5.º nível da estrutura de tópicos</a:t>
             </a:r>
-            <a:endParaRPr b="0" lang="pt-BR" sz="2000" spc="-1" strike="noStrike">
-              <a:latin typeface="Arial"/>
-            </a:endParaRPr>
-          </a:p>
-          <a:p>
-            <a:pPr lvl="5" marL="2592000" indent="-216000">
+          </a:p>
+          <a:p>
+            <a:pPr marL="2592000" lvl="5" indent="-216000">
               <a:spcBef>
                 <a:spcPts val="283"/>
               </a:spcBef>
@@ -3618,17 +3952,14 @@
               <a:buChar char=""/>
             </a:pPr>
             <a:r>
-              <a:rPr b="0" lang="pt-BR" sz="2000" spc="-1" strike="noStrike">
+              <a:rPr lang="pt-BR" sz="2000" b="0" strike="noStrike" spc="-1">
                 <a:latin typeface="Arial"/>
               </a:rPr>
               <a:t>6.º nível da estrutura de tópicos</a:t>
             </a:r>
-            <a:endParaRPr b="0" lang="pt-BR" sz="2000" spc="-1" strike="noStrike">
-              <a:latin typeface="Arial"/>
-            </a:endParaRPr>
-          </a:p>
-          <a:p>
-            <a:pPr lvl="6" marL="3024000" indent="-216000">
+          </a:p>
+          <a:p>
+            <a:pPr marL="3024000" lvl="6" indent="-216000">
               <a:spcBef>
                 <a:spcPts val="283"/>
               </a:spcBef>
@@ -3640,45 +3971,323 @@
               <a:buChar char=""/>
             </a:pPr>
             <a:r>
-              <a:rPr b="0" lang="pt-BR" sz="2000" spc="-1" strike="noStrike">
+              <a:rPr lang="pt-BR" sz="2000" b="0" strike="noStrike" spc="-1">
                 <a:latin typeface="Arial"/>
               </a:rPr>
               <a:t>7.º nível da estrutura de tópicos</a:t>
             </a:r>
-            <a:endParaRPr b="0" lang="pt-BR" sz="2000" spc="-1" strike="noStrike">
-              <a:latin typeface="Arial"/>
-            </a:endParaRPr>
           </a:p>
         </p:txBody>
       </p:sp>
     </p:spTree>
   </p:cSld>
-  <p:clrMap bg1="lt1" bg2="lt2" tx1="dk1" tx2="dk2" accent1="accent1" accent2="accent2" accent3="accent3" accent4="accent4" accent5="accent5" accent6="accent6" hlink="hlink" folHlink="folHlink"/>
+  <p:clrMap bg1="lt1" tx1="dk1" bg2="lt2" tx2="dk2" accent1="accent1" accent2="accent2" accent3="accent3" accent4="accent4" accent5="accent5" accent6="accent6" hlink="hlink" folHlink="folHlink"/>
   <p:sldLayoutIdLst>
-    <p:sldLayoutId id="2147483649" r:id="rId3"/>
-    <p:sldLayoutId id="2147483650" r:id="rId4"/>
-    <p:sldLayoutId id="2147483651" r:id="rId5"/>
-    <p:sldLayoutId id="2147483652" r:id="rId6"/>
-    <p:sldLayoutId id="2147483653" r:id="rId7"/>
-    <p:sldLayoutId id="2147483654" r:id="rId8"/>
-    <p:sldLayoutId id="2147483655" r:id="rId9"/>
-    <p:sldLayoutId id="2147483656" r:id="rId10"/>
-    <p:sldLayoutId id="2147483657" r:id="rId11"/>
-    <p:sldLayoutId id="2147483658" r:id="rId12"/>
-    <p:sldLayoutId id="2147483659" r:id="rId13"/>
-    <p:sldLayoutId id="2147483660" r:id="rId14"/>
+    <p:sldLayoutId id="2147483649" r:id="rId1"/>
+    <p:sldLayoutId id="2147483650" r:id="rId2"/>
+    <p:sldLayoutId id="2147483651" r:id="rId3"/>
+    <p:sldLayoutId id="2147483652" r:id="rId4"/>
+    <p:sldLayoutId id="2147483653" r:id="rId5"/>
+    <p:sldLayoutId id="2147483654" r:id="rId6"/>
+    <p:sldLayoutId id="2147483655" r:id="rId7"/>
+    <p:sldLayoutId id="2147483656" r:id="rId8"/>
+    <p:sldLayoutId id="2147483657" r:id="rId9"/>
+    <p:sldLayoutId id="2147483658" r:id="rId10"/>
+    <p:sldLayoutId id="2147483659" r:id="rId11"/>
+    <p:sldLayoutId id="2147483660" r:id="rId12"/>
   </p:sldLayoutIdLst>
+  <p:txStyles>
+    <p:titleStyle>
+      <a:lvl1pPr algn="l" defTabSz="914400" rtl="0" eaLnBrk="1" latinLnBrk="0" hangingPunct="1">
+        <a:lnSpc>
+          <a:spcPct val="90000"/>
+        </a:lnSpc>
+        <a:spcBef>
+          <a:spcPct val="0"/>
+        </a:spcBef>
+        <a:buNone/>
+        <a:defRPr sz="4400" kern="1200">
+          <a:solidFill>
+            <a:schemeClr val="tx1"/>
+          </a:solidFill>
+          <a:latin typeface="+mj-lt"/>
+          <a:ea typeface="+mj-ea"/>
+          <a:cs typeface="+mj-cs"/>
+        </a:defRPr>
+      </a:lvl1pPr>
+    </p:titleStyle>
+    <p:bodyStyle>
+      <a:lvl1pPr marL="228600" indent="-228600" algn="l" defTabSz="914400" rtl="0" eaLnBrk="1" latinLnBrk="0" hangingPunct="1">
+        <a:lnSpc>
+          <a:spcPct val="90000"/>
+        </a:lnSpc>
+        <a:spcBef>
+          <a:spcPts val="1000"/>
+        </a:spcBef>
+        <a:buFont typeface="Arial" panose="020B0604020202020204" pitchFamily="34" charset="0"/>
+        <a:buChar char="•"/>
+        <a:defRPr sz="2800" kern="1200">
+          <a:solidFill>
+            <a:schemeClr val="tx1"/>
+          </a:solidFill>
+          <a:latin typeface="+mn-lt"/>
+          <a:ea typeface="+mn-ea"/>
+          <a:cs typeface="+mn-cs"/>
+        </a:defRPr>
+      </a:lvl1pPr>
+      <a:lvl2pPr marL="685800" indent="-228600" algn="l" defTabSz="914400" rtl="0" eaLnBrk="1" latinLnBrk="0" hangingPunct="1">
+        <a:lnSpc>
+          <a:spcPct val="90000"/>
+        </a:lnSpc>
+        <a:spcBef>
+          <a:spcPts val="500"/>
+        </a:spcBef>
+        <a:buFont typeface="Arial" panose="020B0604020202020204" pitchFamily="34" charset="0"/>
+        <a:buChar char="•"/>
+        <a:defRPr sz="2400" kern="1200">
+          <a:solidFill>
+            <a:schemeClr val="tx1"/>
+          </a:solidFill>
+          <a:latin typeface="+mn-lt"/>
+          <a:ea typeface="+mn-ea"/>
+          <a:cs typeface="+mn-cs"/>
+        </a:defRPr>
+      </a:lvl2pPr>
+      <a:lvl3pPr marL="1143000" indent="-228600" algn="l" defTabSz="914400" rtl="0" eaLnBrk="1" latinLnBrk="0" hangingPunct="1">
+        <a:lnSpc>
+          <a:spcPct val="90000"/>
+        </a:lnSpc>
+        <a:spcBef>
+          <a:spcPts val="500"/>
+        </a:spcBef>
+        <a:buFont typeface="Arial" panose="020B0604020202020204" pitchFamily="34" charset="0"/>
+        <a:buChar char="•"/>
+        <a:defRPr sz="2000" kern="1200">
+          <a:solidFill>
+            <a:schemeClr val="tx1"/>
+          </a:solidFill>
+          <a:latin typeface="+mn-lt"/>
+          <a:ea typeface="+mn-ea"/>
+          <a:cs typeface="+mn-cs"/>
+        </a:defRPr>
+      </a:lvl3pPr>
+      <a:lvl4pPr marL="1600200" indent="-228600" algn="l" defTabSz="914400" rtl="0" eaLnBrk="1" latinLnBrk="0" hangingPunct="1">
+        <a:lnSpc>
+          <a:spcPct val="90000"/>
+        </a:lnSpc>
+        <a:spcBef>
+          <a:spcPts val="500"/>
+        </a:spcBef>
+        <a:buFont typeface="Arial" panose="020B0604020202020204" pitchFamily="34" charset="0"/>
+        <a:buChar char="•"/>
+        <a:defRPr sz="1800" kern="1200">
+          <a:solidFill>
+            <a:schemeClr val="tx1"/>
+          </a:solidFill>
+          <a:latin typeface="+mn-lt"/>
+          <a:ea typeface="+mn-ea"/>
+          <a:cs typeface="+mn-cs"/>
+        </a:defRPr>
+      </a:lvl4pPr>
+      <a:lvl5pPr marL="2057400" indent="-228600" algn="l" defTabSz="914400" rtl="0" eaLnBrk="1" latinLnBrk="0" hangingPunct="1">
+        <a:lnSpc>
+          <a:spcPct val="90000"/>
+        </a:lnSpc>
+        <a:spcBef>
+          <a:spcPts val="500"/>
+        </a:spcBef>
+        <a:buFont typeface="Arial" panose="020B0604020202020204" pitchFamily="34" charset="0"/>
+        <a:buChar char="•"/>
+        <a:defRPr sz="1800" kern="1200">
+          <a:solidFill>
+            <a:schemeClr val="tx1"/>
+          </a:solidFill>
+          <a:latin typeface="+mn-lt"/>
+          <a:ea typeface="+mn-ea"/>
+          <a:cs typeface="+mn-cs"/>
+        </a:defRPr>
+      </a:lvl5pPr>
+      <a:lvl6pPr marL="2514600" indent="-228600" algn="l" defTabSz="914400" rtl="0" eaLnBrk="1" latinLnBrk="0" hangingPunct="1">
+        <a:lnSpc>
+          <a:spcPct val="90000"/>
+        </a:lnSpc>
+        <a:spcBef>
+          <a:spcPts val="500"/>
+        </a:spcBef>
+        <a:buFont typeface="Arial" panose="020B0604020202020204" pitchFamily="34" charset="0"/>
+        <a:buChar char="•"/>
+        <a:defRPr sz="1800" kern="1200">
+          <a:solidFill>
+            <a:schemeClr val="tx1"/>
+          </a:solidFill>
+          <a:latin typeface="+mn-lt"/>
+          <a:ea typeface="+mn-ea"/>
+          <a:cs typeface="+mn-cs"/>
+        </a:defRPr>
+      </a:lvl6pPr>
+      <a:lvl7pPr marL="2971800" indent="-228600" algn="l" defTabSz="914400" rtl="0" eaLnBrk="1" latinLnBrk="0" hangingPunct="1">
+        <a:lnSpc>
+          <a:spcPct val="90000"/>
+        </a:lnSpc>
+        <a:spcBef>
+          <a:spcPts val="500"/>
+        </a:spcBef>
+        <a:buFont typeface="Arial" panose="020B0604020202020204" pitchFamily="34" charset="0"/>
+        <a:buChar char="•"/>
+        <a:defRPr sz="1800" kern="1200">
+          <a:solidFill>
+            <a:schemeClr val="tx1"/>
+          </a:solidFill>
+          <a:latin typeface="+mn-lt"/>
+          <a:ea typeface="+mn-ea"/>
+          <a:cs typeface="+mn-cs"/>
+        </a:defRPr>
+      </a:lvl7pPr>
+      <a:lvl8pPr marL="3429000" indent="-228600" algn="l" defTabSz="914400" rtl="0" eaLnBrk="1" latinLnBrk="0" hangingPunct="1">
+        <a:lnSpc>
+          <a:spcPct val="90000"/>
+        </a:lnSpc>
+        <a:spcBef>
+          <a:spcPts val="500"/>
+        </a:spcBef>
+        <a:buFont typeface="Arial" panose="020B0604020202020204" pitchFamily="34" charset="0"/>
+        <a:buChar char="•"/>
+        <a:defRPr sz="1800" kern="1200">
+          <a:solidFill>
+            <a:schemeClr val="tx1"/>
+          </a:solidFill>
+          <a:latin typeface="+mn-lt"/>
+          <a:ea typeface="+mn-ea"/>
+          <a:cs typeface="+mn-cs"/>
+        </a:defRPr>
+      </a:lvl8pPr>
+      <a:lvl9pPr marL="3886200" indent="-228600" algn="l" defTabSz="914400" rtl="0" eaLnBrk="1" latinLnBrk="0" hangingPunct="1">
+        <a:lnSpc>
+          <a:spcPct val="90000"/>
+        </a:lnSpc>
+        <a:spcBef>
+          <a:spcPts val="500"/>
+        </a:spcBef>
+        <a:buFont typeface="Arial" panose="020B0604020202020204" pitchFamily="34" charset="0"/>
+        <a:buChar char="•"/>
+        <a:defRPr sz="1800" kern="1200">
+          <a:solidFill>
+            <a:schemeClr val="tx1"/>
+          </a:solidFill>
+          <a:latin typeface="+mn-lt"/>
+          <a:ea typeface="+mn-ea"/>
+          <a:cs typeface="+mn-cs"/>
+        </a:defRPr>
+      </a:lvl9pPr>
+    </p:bodyStyle>
+    <p:otherStyle>
+      <a:defPPr>
+        <a:defRPr lang="en-US"/>
+      </a:defPPr>
+      <a:lvl1pPr marL="0" algn="l" defTabSz="914400" rtl="0" eaLnBrk="1" latinLnBrk="0" hangingPunct="1">
+        <a:defRPr sz="1800" kern="1200">
+          <a:solidFill>
+            <a:schemeClr val="tx1"/>
+          </a:solidFill>
+          <a:latin typeface="+mn-lt"/>
+          <a:ea typeface="+mn-ea"/>
+          <a:cs typeface="+mn-cs"/>
+        </a:defRPr>
+      </a:lvl1pPr>
+      <a:lvl2pPr marL="457200" algn="l" defTabSz="914400" rtl="0" eaLnBrk="1" latinLnBrk="0" hangingPunct="1">
+        <a:defRPr sz="1800" kern="1200">
+          <a:solidFill>
+            <a:schemeClr val="tx1"/>
+          </a:solidFill>
+          <a:latin typeface="+mn-lt"/>
+          <a:ea typeface="+mn-ea"/>
+          <a:cs typeface="+mn-cs"/>
+        </a:defRPr>
+      </a:lvl2pPr>
+      <a:lvl3pPr marL="914400" algn="l" defTabSz="914400" rtl="0" eaLnBrk="1" latinLnBrk="0" hangingPunct="1">
+        <a:defRPr sz="1800" kern="1200">
+          <a:solidFill>
+            <a:schemeClr val="tx1"/>
+          </a:solidFill>
+          <a:latin typeface="+mn-lt"/>
+          <a:ea typeface="+mn-ea"/>
+          <a:cs typeface="+mn-cs"/>
+        </a:defRPr>
+      </a:lvl3pPr>
+      <a:lvl4pPr marL="1371600" algn="l" defTabSz="914400" rtl="0" eaLnBrk="1" latinLnBrk="0" hangingPunct="1">
+        <a:defRPr sz="1800" kern="1200">
+          <a:solidFill>
+            <a:schemeClr val="tx1"/>
+          </a:solidFill>
+          <a:latin typeface="+mn-lt"/>
+          <a:ea typeface="+mn-ea"/>
+          <a:cs typeface="+mn-cs"/>
+        </a:defRPr>
+      </a:lvl4pPr>
+      <a:lvl5pPr marL="1828800" algn="l" defTabSz="914400" rtl="0" eaLnBrk="1" latinLnBrk="0" hangingPunct="1">
+        <a:defRPr sz="1800" kern="1200">
+          <a:solidFill>
+            <a:schemeClr val="tx1"/>
+          </a:solidFill>
+          <a:latin typeface="+mn-lt"/>
+          <a:ea typeface="+mn-ea"/>
+          <a:cs typeface="+mn-cs"/>
+        </a:defRPr>
+      </a:lvl5pPr>
+      <a:lvl6pPr marL="2286000" algn="l" defTabSz="914400" rtl="0" eaLnBrk="1" latinLnBrk="0" hangingPunct="1">
+        <a:defRPr sz="1800" kern="1200">
+          <a:solidFill>
+            <a:schemeClr val="tx1"/>
+          </a:solidFill>
+          <a:latin typeface="+mn-lt"/>
+          <a:ea typeface="+mn-ea"/>
+          <a:cs typeface="+mn-cs"/>
+        </a:defRPr>
+      </a:lvl6pPr>
+      <a:lvl7pPr marL="2743200" algn="l" defTabSz="914400" rtl="0" eaLnBrk="1" latinLnBrk="0" hangingPunct="1">
+        <a:defRPr sz="1800" kern="1200">
+          <a:solidFill>
+            <a:schemeClr val="tx1"/>
+          </a:solidFill>
+          <a:latin typeface="+mn-lt"/>
+          <a:ea typeface="+mn-ea"/>
+          <a:cs typeface="+mn-cs"/>
+        </a:defRPr>
+      </a:lvl7pPr>
+      <a:lvl8pPr marL="3200400" algn="l" defTabSz="914400" rtl="0" eaLnBrk="1" latinLnBrk="0" hangingPunct="1">
+        <a:defRPr sz="1800" kern="1200">
+          <a:solidFill>
+            <a:schemeClr val="tx1"/>
+          </a:solidFill>
+          <a:latin typeface="+mn-lt"/>
+          <a:ea typeface="+mn-ea"/>
+          <a:cs typeface="+mn-cs"/>
+        </a:defRPr>
+      </a:lvl8pPr>
+      <a:lvl9pPr marL="3657600" algn="l" defTabSz="914400" rtl="0" eaLnBrk="1" latinLnBrk="0" hangingPunct="1">
+        <a:defRPr sz="1800" kern="1200">
+          <a:solidFill>
+            <a:schemeClr val="tx1"/>
+          </a:solidFill>
+          <a:latin typeface="+mn-lt"/>
+          <a:ea typeface="+mn-ea"/>
+          <a:cs typeface="+mn-cs"/>
+        </a:defRPr>
+      </a:lvl9pPr>
+    </p:otherStyle>
+  </p:txStyles>
 </p:sldMaster>
 </file>
 
 <file path=ppt/slideMasters/slideMaster2.xml><?xml version="1.0" encoding="utf-8"?>
-<p:sldMaster xmlns:a="http://schemas.openxmlformats.org/drawingml/2006/main" xmlns:p="http://schemas.openxmlformats.org/presentationml/2006/main" xmlns:r="http://schemas.openxmlformats.org/officeDocument/2006/relationships" xmlns:p14="http://schemas.microsoft.com/office/powerpoint/2010/main" xmlns:p15="http://schemas.microsoft.com/office/powerpoint/2012/main" xmlns:mc="http://schemas.openxmlformats.org/markup-compatibility/2006">
+<p:sldMaster xmlns:a="http://schemas.openxmlformats.org/drawingml/2006/main" xmlns:r="http://schemas.openxmlformats.org/officeDocument/2006/relationships" xmlns:p="http://schemas.openxmlformats.org/presentationml/2006/main">
   <p:cSld>
     <p:bg>
       <p:bgPr>
         <a:solidFill>
-          <a:srgbClr val="ffffff"/>
+          <a:srgbClr val="FFFFFF"/>
         </a:solidFill>
+        <a:effectLst/>
       </p:bgPr>
     </p:bg>
     <p:spTree>
@@ -3716,7 +4325,7 @@
             <a:noFill/>
           </a:ln>
           <a:effectLst>
-            <a:outerShdw blurRad="38100" dir="5400000" dist="25400" rotWithShape="0">
+            <a:outerShdw blurRad="38100" dist="25400" dir="5400000" rotWithShape="0">
               <a:srgbClr val="000000">
                 <a:alpha val="55000"/>
               </a:srgbClr>
@@ -3757,7 +4366,7 @@
             <a:noFill/>
           </a:ln>
           <a:effectLst>
-            <a:outerShdw blurRad="38100" dir="5400000" dist="25400" rotWithShape="0">
+            <a:outerShdw blurRad="38100" dist="25400" dir="5400000" rotWithShape="0">
               <a:srgbClr val="000000">
                 <a:alpha val="55000"/>
               </a:srgbClr>
@@ -3798,7 +4407,7 @@
             <a:noFill/>
           </a:ln>
           <a:effectLst>
-            <a:outerShdw blurRad="38100" dir="5400000" dist="25400" rotWithShape="0">
+            <a:outerShdw blurRad="38100" dist="25400" dir="5400000" rotWithShape="0">
               <a:srgbClr val="000000">
                 <a:alpha val="55000"/>
               </a:srgbClr>
@@ -3833,7 +4442,7 @@
             <a:avLst/>
           </a:prstGeom>
           <a:solidFill>
-            <a:srgbClr val="24cf39"/>
+            <a:srgbClr val="24CF39"/>
           </a:solidFill>
           <a:ln>
             <a:noFill/>
@@ -3875,7 +4484,7 @@
             <a:noFill/>
           </a:ln>
           <a:effectLst>
-            <a:outerShdw blurRad="38100" dir="5400000" dist="25400" rotWithShape="0">
+            <a:outerShdw blurRad="38100" dist="25400" dir="5400000" rotWithShape="0">
               <a:srgbClr val="000000">
                 <a:alpha val="55000"/>
               </a:srgbClr>
@@ -3915,18 +4524,16 @@
           </a:prstGeom>
         </p:spPr>
         <p:txBody>
-          <a:bodyPr lIns="0" rIns="0" tIns="0" bIns="0" anchor="ctr"/>
+          <a:bodyPr lIns="0" tIns="0" rIns="0" bIns="0" anchor="ctr"/>
+          <a:lstStyle/>
           <a:p>
             <a:pPr algn="ctr"/>
             <a:r>
-              <a:rPr b="0" lang="pt-BR" sz="4400" spc="-1" strike="noStrike">
+              <a:rPr lang="pt-BR" sz="4400" b="0" strike="noStrike" spc="-1">
                 <a:latin typeface="Arial"/>
               </a:rPr>
               <a:t>Clique para editar o formato do texto do título</a:t>
             </a:r>
-            <a:endParaRPr b="0" lang="pt-BR" sz="4400" spc="-1" strike="noStrike">
-              <a:latin typeface="Arial"/>
-            </a:endParaRPr>
           </a:p>
         </p:txBody>
       </p:sp>
@@ -3950,9 +4557,10 @@
           </a:prstGeom>
         </p:spPr>
         <p:txBody>
-          <a:bodyPr lIns="0" rIns="0" tIns="0" bIns="0">
+          <a:bodyPr lIns="0" tIns="0" rIns="0" bIns="0">
             <a:normAutofit/>
           </a:bodyPr>
+          <a:lstStyle/>
           <a:p>
             <a:pPr marL="432000" indent="-324000">
               <a:spcBef>
@@ -3966,17 +4574,14 @@
               <a:buChar char=""/>
             </a:pPr>
             <a:r>
-              <a:rPr b="0" lang="pt-BR" sz="3200" spc="-1" strike="noStrike">
+              <a:rPr lang="pt-BR" sz="3200" b="0" strike="noStrike" spc="-1">
                 <a:latin typeface="Arial"/>
               </a:rPr>
               <a:t>Clique para editar o formato do texto da estrutura de tópicos</a:t>
             </a:r>
-            <a:endParaRPr b="0" lang="pt-BR" sz="3200" spc="-1" strike="noStrike">
-              <a:latin typeface="Arial"/>
-            </a:endParaRPr>
-          </a:p>
-          <a:p>
-            <a:pPr lvl="1" marL="864000" indent="-324000">
+          </a:p>
+          <a:p>
+            <a:pPr marL="864000" lvl="1" indent="-324000">
               <a:spcBef>
                 <a:spcPts val="1134"/>
               </a:spcBef>
@@ -3988,17 +4593,14 @@
               <a:buChar char=""/>
             </a:pPr>
             <a:r>
-              <a:rPr b="0" lang="pt-BR" sz="2800" spc="-1" strike="noStrike">
+              <a:rPr lang="pt-BR" sz="2800" b="0" strike="noStrike" spc="-1">
                 <a:latin typeface="Arial"/>
               </a:rPr>
               <a:t>2.º nível da estrutura de tópicos</a:t>
             </a:r>
-            <a:endParaRPr b="0" lang="pt-BR" sz="2800" spc="-1" strike="noStrike">
-              <a:latin typeface="Arial"/>
-            </a:endParaRPr>
-          </a:p>
-          <a:p>
-            <a:pPr lvl="2" marL="1296000" indent="-288000">
+          </a:p>
+          <a:p>
+            <a:pPr marL="1296000" lvl="2" indent="-288000">
               <a:spcBef>
                 <a:spcPts val="850"/>
               </a:spcBef>
@@ -4010,17 +4612,14 @@
               <a:buChar char=""/>
             </a:pPr>
             <a:r>
-              <a:rPr b="0" lang="pt-BR" sz="2400" spc="-1" strike="noStrike">
+              <a:rPr lang="pt-BR" sz="2400" b="0" strike="noStrike" spc="-1">
                 <a:latin typeface="Arial"/>
               </a:rPr>
               <a:t>3.º nível da estrutura de tópicos</a:t>
             </a:r>
-            <a:endParaRPr b="0" lang="pt-BR" sz="2400" spc="-1" strike="noStrike">
-              <a:latin typeface="Arial"/>
-            </a:endParaRPr>
-          </a:p>
-          <a:p>
-            <a:pPr lvl="3" marL="1728000" indent="-216000">
+          </a:p>
+          <a:p>
+            <a:pPr marL="1728000" lvl="3" indent="-216000">
               <a:spcBef>
                 <a:spcPts val="567"/>
               </a:spcBef>
@@ -4032,17 +4631,14 @@
               <a:buChar char=""/>
             </a:pPr>
             <a:r>
-              <a:rPr b="0" lang="pt-BR" sz="2000" spc="-1" strike="noStrike">
+              <a:rPr lang="pt-BR" sz="2000" b="0" strike="noStrike" spc="-1">
                 <a:latin typeface="Arial"/>
               </a:rPr>
               <a:t>4.º nível da estrutura de tópicos</a:t>
             </a:r>
-            <a:endParaRPr b="0" lang="pt-BR" sz="2000" spc="-1" strike="noStrike">
-              <a:latin typeface="Arial"/>
-            </a:endParaRPr>
-          </a:p>
-          <a:p>
-            <a:pPr lvl="4" marL="2160000" indent="-216000">
+          </a:p>
+          <a:p>
+            <a:pPr marL="2160000" lvl="4" indent="-216000">
               <a:spcBef>
                 <a:spcPts val="283"/>
               </a:spcBef>
@@ -4054,17 +4650,14 @@
               <a:buChar char=""/>
             </a:pPr>
             <a:r>
-              <a:rPr b="0" lang="pt-BR" sz="2000" spc="-1" strike="noStrike">
+              <a:rPr lang="pt-BR" sz="2000" b="0" strike="noStrike" spc="-1">
                 <a:latin typeface="Arial"/>
               </a:rPr>
               <a:t>5.º nível da estrutura de tópicos</a:t>
             </a:r>
-            <a:endParaRPr b="0" lang="pt-BR" sz="2000" spc="-1" strike="noStrike">
-              <a:latin typeface="Arial"/>
-            </a:endParaRPr>
-          </a:p>
-          <a:p>
-            <a:pPr lvl="5" marL="2592000" indent="-216000">
+          </a:p>
+          <a:p>
+            <a:pPr marL="2592000" lvl="5" indent="-216000">
               <a:spcBef>
                 <a:spcPts val="283"/>
               </a:spcBef>
@@ -4076,17 +4669,14 @@
               <a:buChar char=""/>
             </a:pPr>
             <a:r>
-              <a:rPr b="0" lang="pt-BR" sz="2000" spc="-1" strike="noStrike">
+              <a:rPr lang="pt-BR" sz="2000" b="0" strike="noStrike" spc="-1">
                 <a:latin typeface="Arial"/>
               </a:rPr>
               <a:t>6.º nível da estrutura de tópicos</a:t>
             </a:r>
-            <a:endParaRPr b="0" lang="pt-BR" sz="2000" spc="-1" strike="noStrike">
-              <a:latin typeface="Arial"/>
-            </a:endParaRPr>
-          </a:p>
-          <a:p>
-            <a:pPr lvl="6" marL="3024000" indent="-216000">
+          </a:p>
+          <a:p>
+            <a:pPr marL="3024000" lvl="6" indent="-216000">
               <a:spcBef>
                 <a:spcPts val="283"/>
               </a:spcBef>
@@ -4098,39 +4688,316 @@
               <a:buChar char=""/>
             </a:pPr>
             <a:r>
-              <a:rPr b="0" lang="pt-BR" sz="2000" spc="-1" strike="noStrike">
+              <a:rPr lang="pt-BR" sz="2000" b="0" strike="noStrike" spc="-1">
                 <a:latin typeface="Arial"/>
               </a:rPr>
               <a:t>7.º nível da estrutura de tópicos</a:t>
             </a:r>
-            <a:endParaRPr b="0" lang="pt-BR" sz="2000" spc="-1" strike="noStrike">
-              <a:latin typeface="Arial"/>
-            </a:endParaRPr>
           </a:p>
         </p:txBody>
       </p:sp>
     </p:spTree>
   </p:cSld>
-  <p:clrMap bg1="lt1" bg2="lt2" tx1="dk1" tx2="dk2" accent1="accent1" accent2="accent2" accent3="accent3" accent4="accent4" accent5="accent5" accent6="accent6" hlink="hlink" folHlink="folHlink"/>
+  <p:clrMap bg1="lt1" tx1="dk1" bg2="lt2" tx2="dk2" accent1="accent1" accent2="accent2" accent3="accent3" accent4="accent4" accent5="accent5" accent6="accent6" hlink="hlink" folHlink="folHlink"/>
   <p:sldLayoutIdLst>
-    <p:sldLayoutId id="2147483662" r:id="rId2"/>
-    <p:sldLayoutId id="2147483663" r:id="rId3"/>
-    <p:sldLayoutId id="2147483664" r:id="rId4"/>
-    <p:sldLayoutId id="2147483665" r:id="rId5"/>
-    <p:sldLayoutId id="2147483666" r:id="rId6"/>
-    <p:sldLayoutId id="2147483667" r:id="rId7"/>
-    <p:sldLayoutId id="2147483668" r:id="rId8"/>
-    <p:sldLayoutId id="2147483669" r:id="rId9"/>
-    <p:sldLayoutId id="2147483670" r:id="rId10"/>
-    <p:sldLayoutId id="2147483671" r:id="rId11"/>
-    <p:sldLayoutId id="2147483672" r:id="rId12"/>
-    <p:sldLayoutId id="2147483673" r:id="rId13"/>
+    <p:sldLayoutId id="2147483662" r:id="rId1"/>
+    <p:sldLayoutId id="2147483663" r:id="rId2"/>
+    <p:sldLayoutId id="2147483664" r:id="rId3"/>
+    <p:sldLayoutId id="2147483665" r:id="rId4"/>
+    <p:sldLayoutId id="2147483666" r:id="rId5"/>
+    <p:sldLayoutId id="2147483667" r:id="rId6"/>
+    <p:sldLayoutId id="2147483668" r:id="rId7"/>
+    <p:sldLayoutId id="2147483669" r:id="rId8"/>
+    <p:sldLayoutId id="2147483670" r:id="rId9"/>
+    <p:sldLayoutId id="2147483671" r:id="rId10"/>
+    <p:sldLayoutId id="2147483672" r:id="rId11"/>
+    <p:sldLayoutId id="2147483673" r:id="rId12"/>
   </p:sldLayoutIdLst>
+  <p:txStyles>
+    <p:titleStyle>
+      <a:lvl1pPr algn="l" defTabSz="914400" rtl="0" eaLnBrk="1" latinLnBrk="0" hangingPunct="1">
+        <a:lnSpc>
+          <a:spcPct val="90000"/>
+        </a:lnSpc>
+        <a:spcBef>
+          <a:spcPct val="0"/>
+        </a:spcBef>
+        <a:buNone/>
+        <a:defRPr sz="4400" kern="1200">
+          <a:solidFill>
+            <a:schemeClr val="tx1"/>
+          </a:solidFill>
+          <a:latin typeface="+mj-lt"/>
+          <a:ea typeface="+mj-ea"/>
+          <a:cs typeface="+mj-cs"/>
+        </a:defRPr>
+      </a:lvl1pPr>
+    </p:titleStyle>
+    <p:bodyStyle>
+      <a:lvl1pPr marL="228600" indent="-228600" algn="l" defTabSz="914400" rtl="0" eaLnBrk="1" latinLnBrk="0" hangingPunct="1">
+        <a:lnSpc>
+          <a:spcPct val="90000"/>
+        </a:lnSpc>
+        <a:spcBef>
+          <a:spcPts val="1000"/>
+        </a:spcBef>
+        <a:buFont typeface="Arial" panose="020B0604020202020204" pitchFamily="34" charset="0"/>
+        <a:buChar char="•"/>
+        <a:defRPr sz="2800" kern="1200">
+          <a:solidFill>
+            <a:schemeClr val="tx1"/>
+          </a:solidFill>
+          <a:latin typeface="+mn-lt"/>
+          <a:ea typeface="+mn-ea"/>
+          <a:cs typeface="+mn-cs"/>
+        </a:defRPr>
+      </a:lvl1pPr>
+      <a:lvl2pPr marL="685800" indent="-228600" algn="l" defTabSz="914400" rtl="0" eaLnBrk="1" latinLnBrk="0" hangingPunct="1">
+        <a:lnSpc>
+          <a:spcPct val="90000"/>
+        </a:lnSpc>
+        <a:spcBef>
+          <a:spcPts val="500"/>
+        </a:spcBef>
+        <a:buFont typeface="Arial" panose="020B0604020202020204" pitchFamily="34" charset="0"/>
+        <a:buChar char="•"/>
+        <a:defRPr sz="2400" kern="1200">
+          <a:solidFill>
+            <a:schemeClr val="tx1"/>
+          </a:solidFill>
+          <a:latin typeface="+mn-lt"/>
+          <a:ea typeface="+mn-ea"/>
+          <a:cs typeface="+mn-cs"/>
+        </a:defRPr>
+      </a:lvl2pPr>
+      <a:lvl3pPr marL="1143000" indent="-228600" algn="l" defTabSz="914400" rtl="0" eaLnBrk="1" latinLnBrk="0" hangingPunct="1">
+        <a:lnSpc>
+          <a:spcPct val="90000"/>
+        </a:lnSpc>
+        <a:spcBef>
+          <a:spcPts val="500"/>
+        </a:spcBef>
+        <a:buFont typeface="Arial" panose="020B0604020202020204" pitchFamily="34" charset="0"/>
+        <a:buChar char="•"/>
+        <a:defRPr sz="2000" kern="1200">
+          <a:solidFill>
+            <a:schemeClr val="tx1"/>
+          </a:solidFill>
+          <a:latin typeface="+mn-lt"/>
+          <a:ea typeface="+mn-ea"/>
+          <a:cs typeface="+mn-cs"/>
+        </a:defRPr>
+      </a:lvl3pPr>
+      <a:lvl4pPr marL="1600200" indent="-228600" algn="l" defTabSz="914400" rtl="0" eaLnBrk="1" latinLnBrk="0" hangingPunct="1">
+        <a:lnSpc>
+          <a:spcPct val="90000"/>
+        </a:lnSpc>
+        <a:spcBef>
+          <a:spcPts val="500"/>
+        </a:spcBef>
+        <a:buFont typeface="Arial" panose="020B0604020202020204" pitchFamily="34" charset="0"/>
+        <a:buChar char="•"/>
+        <a:defRPr sz="1800" kern="1200">
+          <a:solidFill>
+            <a:schemeClr val="tx1"/>
+          </a:solidFill>
+          <a:latin typeface="+mn-lt"/>
+          <a:ea typeface="+mn-ea"/>
+          <a:cs typeface="+mn-cs"/>
+        </a:defRPr>
+      </a:lvl4pPr>
+      <a:lvl5pPr marL="2057400" indent="-228600" algn="l" defTabSz="914400" rtl="0" eaLnBrk="1" latinLnBrk="0" hangingPunct="1">
+        <a:lnSpc>
+          <a:spcPct val="90000"/>
+        </a:lnSpc>
+        <a:spcBef>
+          <a:spcPts val="500"/>
+        </a:spcBef>
+        <a:buFont typeface="Arial" panose="020B0604020202020204" pitchFamily="34" charset="0"/>
+        <a:buChar char="•"/>
+        <a:defRPr sz="1800" kern="1200">
+          <a:solidFill>
+            <a:schemeClr val="tx1"/>
+          </a:solidFill>
+          <a:latin typeface="+mn-lt"/>
+          <a:ea typeface="+mn-ea"/>
+          <a:cs typeface="+mn-cs"/>
+        </a:defRPr>
+      </a:lvl5pPr>
+      <a:lvl6pPr marL="2514600" indent="-228600" algn="l" defTabSz="914400" rtl="0" eaLnBrk="1" latinLnBrk="0" hangingPunct="1">
+        <a:lnSpc>
+          <a:spcPct val="90000"/>
+        </a:lnSpc>
+        <a:spcBef>
+          <a:spcPts val="500"/>
+        </a:spcBef>
+        <a:buFont typeface="Arial" panose="020B0604020202020204" pitchFamily="34" charset="0"/>
+        <a:buChar char="•"/>
+        <a:defRPr sz="1800" kern="1200">
+          <a:solidFill>
+            <a:schemeClr val="tx1"/>
+          </a:solidFill>
+          <a:latin typeface="+mn-lt"/>
+          <a:ea typeface="+mn-ea"/>
+          <a:cs typeface="+mn-cs"/>
+        </a:defRPr>
+      </a:lvl6pPr>
+      <a:lvl7pPr marL="2971800" indent="-228600" algn="l" defTabSz="914400" rtl="0" eaLnBrk="1" latinLnBrk="0" hangingPunct="1">
+        <a:lnSpc>
+          <a:spcPct val="90000"/>
+        </a:lnSpc>
+        <a:spcBef>
+          <a:spcPts val="500"/>
+        </a:spcBef>
+        <a:buFont typeface="Arial" panose="020B0604020202020204" pitchFamily="34" charset="0"/>
+        <a:buChar char="•"/>
+        <a:defRPr sz="1800" kern="1200">
+          <a:solidFill>
+            <a:schemeClr val="tx1"/>
+          </a:solidFill>
+          <a:latin typeface="+mn-lt"/>
+          <a:ea typeface="+mn-ea"/>
+          <a:cs typeface="+mn-cs"/>
+        </a:defRPr>
+      </a:lvl7pPr>
+      <a:lvl8pPr marL="3429000" indent="-228600" algn="l" defTabSz="914400" rtl="0" eaLnBrk="1" latinLnBrk="0" hangingPunct="1">
+        <a:lnSpc>
+          <a:spcPct val="90000"/>
+        </a:lnSpc>
+        <a:spcBef>
+          <a:spcPts val="500"/>
+        </a:spcBef>
+        <a:buFont typeface="Arial" panose="020B0604020202020204" pitchFamily="34" charset="0"/>
+        <a:buChar char="•"/>
+        <a:defRPr sz="1800" kern="1200">
+          <a:solidFill>
+            <a:schemeClr val="tx1"/>
+          </a:solidFill>
+          <a:latin typeface="+mn-lt"/>
+          <a:ea typeface="+mn-ea"/>
+          <a:cs typeface="+mn-cs"/>
+        </a:defRPr>
+      </a:lvl8pPr>
+      <a:lvl9pPr marL="3886200" indent="-228600" algn="l" defTabSz="914400" rtl="0" eaLnBrk="1" latinLnBrk="0" hangingPunct="1">
+        <a:lnSpc>
+          <a:spcPct val="90000"/>
+        </a:lnSpc>
+        <a:spcBef>
+          <a:spcPts val="500"/>
+        </a:spcBef>
+        <a:buFont typeface="Arial" panose="020B0604020202020204" pitchFamily="34" charset="0"/>
+        <a:buChar char="•"/>
+        <a:defRPr sz="1800" kern="1200">
+          <a:solidFill>
+            <a:schemeClr val="tx1"/>
+          </a:solidFill>
+          <a:latin typeface="+mn-lt"/>
+          <a:ea typeface="+mn-ea"/>
+          <a:cs typeface="+mn-cs"/>
+        </a:defRPr>
+      </a:lvl9pPr>
+    </p:bodyStyle>
+    <p:otherStyle>
+      <a:defPPr>
+        <a:defRPr lang="en-US"/>
+      </a:defPPr>
+      <a:lvl1pPr marL="0" algn="l" defTabSz="914400" rtl="0" eaLnBrk="1" latinLnBrk="0" hangingPunct="1">
+        <a:defRPr sz="1800" kern="1200">
+          <a:solidFill>
+            <a:schemeClr val="tx1"/>
+          </a:solidFill>
+          <a:latin typeface="+mn-lt"/>
+          <a:ea typeface="+mn-ea"/>
+          <a:cs typeface="+mn-cs"/>
+        </a:defRPr>
+      </a:lvl1pPr>
+      <a:lvl2pPr marL="457200" algn="l" defTabSz="914400" rtl="0" eaLnBrk="1" latinLnBrk="0" hangingPunct="1">
+        <a:defRPr sz="1800" kern="1200">
+          <a:solidFill>
+            <a:schemeClr val="tx1"/>
+          </a:solidFill>
+          <a:latin typeface="+mn-lt"/>
+          <a:ea typeface="+mn-ea"/>
+          <a:cs typeface="+mn-cs"/>
+        </a:defRPr>
+      </a:lvl2pPr>
+      <a:lvl3pPr marL="914400" algn="l" defTabSz="914400" rtl="0" eaLnBrk="1" latinLnBrk="0" hangingPunct="1">
+        <a:defRPr sz="1800" kern="1200">
+          <a:solidFill>
+            <a:schemeClr val="tx1"/>
+          </a:solidFill>
+          <a:latin typeface="+mn-lt"/>
+          <a:ea typeface="+mn-ea"/>
+          <a:cs typeface="+mn-cs"/>
+        </a:defRPr>
+      </a:lvl3pPr>
+      <a:lvl4pPr marL="1371600" algn="l" defTabSz="914400" rtl="0" eaLnBrk="1" latinLnBrk="0" hangingPunct="1">
+        <a:defRPr sz="1800" kern="1200">
+          <a:solidFill>
+            <a:schemeClr val="tx1"/>
+          </a:solidFill>
+          <a:latin typeface="+mn-lt"/>
+          <a:ea typeface="+mn-ea"/>
+          <a:cs typeface="+mn-cs"/>
+        </a:defRPr>
+      </a:lvl4pPr>
+      <a:lvl5pPr marL="1828800" algn="l" defTabSz="914400" rtl="0" eaLnBrk="1" latinLnBrk="0" hangingPunct="1">
+        <a:defRPr sz="1800" kern="1200">
+          <a:solidFill>
+            <a:schemeClr val="tx1"/>
+          </a:solidFill>
+          <a:latin typeface="+mn-lt"/>
+          <a:ea typeface="+mn-ea"/>
+          <a:cs typeface="+mn-cs"/>
+        </a:defRPr>
+      </a:lvl5pPr>
+      <a:lvl6pPr marL="2286000" algn="l" defTabSz="914400" rtl="0" eaLnBrk="1" latinLnBrk="0" hangingPunct="1">
+        <a:defRPr sz="1800" kern="1200">
+          <a:solidFill>
+            <a:schemeClr val="tx1"/>
+          </a:solidFill>
+          <a:latin typeface="+mn-lt"/>
+          <a:ea typeface="+mn-ea"/>
+          <a:cs typeface="+mn-cs"/>
+        </a:defRPr>
+      </a:lvl6pPr>
+      <a:lvl7pPr marL="2743200" algn="l" defTabSz="914400" rtl="0" eaLnBrk="1" latinLnBrk="0" hangingPunct="1">
+        <a:defRPr sz="1800" kern="1200">
+          <a:solidFill>
+            <a:schemeClr val="tx1"/>
+          </a:solidFill>
+          <a:latin typeface="+mn-lt"/>
+          <a:ea typeface="+mn-ea"/>
+          <a:cs typeface="+mn-cs"/>
+        </a:defRPr>
+      </a:lvl7pPr>
+      <a:lvl8pPr marL="3200400" algn="l" defTabSz="914400" rtl="0" eaLnBrk="1" latinLnBrk="0" hangingPunct="1">
+        <a:defRPr sz="1800" kern="1200">
+          <a:solidFill>
+            <a:schemeClr val="tx1"/>
+          </a:solidFill>
+          <a:latin typeface="+mn-lt"/>
+          <a:ea typeface="+mn-ea"/>
+          <a:cs typeface="+mn-cs"/>
+        </a:defRPr>
+      </a:lvl8pPr>
+      <a:lvl9pPr marL="3657600" algn="l" defTabSz="914400" rtl="0" eaLnBrk="1" latinLnBrk="0" hangingPunct="1">
+        <a:defRPr sz="1800" kern="1200">
+          <a:solidFill>
+            <a:schemeClr val="tx1"/>
+          </a:solidFill>
+          <a:latin typeface="+mn-lt"/>
+          <a:ea typeface="+mn-ea"/>
+          <a:cs typeface="+mn-cs"/>
+        </a:defRPr>
+      </a:lvl9pPr>
+    </p:otherStyle>
+  </p:txStyles>
 </p:sldMaster>
 </file>
 
 <file path=ppt/slides/slide1.xml><?xml version="1.0" encoding="utf-8"?>
-<p:sld xmlns:a="http://schemas.openxmlformats.org/drawingml/2006/main" xmlns:p="http://schemas.openxmlformats.org/presentationml/2006/main" xmlns:r="http://schemas.openxmlformats.org/officeDocument/2006/relationships" xmlns:p14="http://schemas.microsoft.com/office/powerpoint/2010/main" xmlns:p15="http://schemas.microsoft.com/office/powerpoint/2012/main" xmlns:mc="http://schemas.openxmlformats.org/markup-compatibility/2006">
+<p:sld xmlns:a="http://schemas.openxmlformats.org/drawingml/2006/main" xmlns:r="http://schemas.openxmlformats.org/officeDocument/2006/relationships" xmlns:p="http://schemas.openxmlformats.org/presentationml/2006/main">
   <p:cSld>
     <p:spTree>
       <p:nvGrpSpPr>
@@ -4166,15 +5033,22 @@
           </a:ln>
         </p:spPr>
         <p:style>
-          <a:lnRef idx="0"/>
-          <a:fillRef idx="0"/>
-          <a:effectRef idx="0"/>
+          <a:lnRef idx="0">
+            <a:scrgbClr r="0" g="0" b="0"/>
+          </a:lnRef>
+          <a:fillRef idx="0">
+            <a:scrgbClr r="0" g="0" b="0"/>
+          </a:fillRef>
+          <a:effectRef idx="0">
+            <a:scrgbClr r="0" g="0" b="0"/>
+          </a:effectRef>
           <a:fontRef idx="minor"/>
         </p:style>
         <p:txBody>
-          <a:bodyPr lIns="90000" rIns="90000" tIns="45000" bIns="45000" anchor="b">
+          <a:bodyPr lIns="90000" tIns="45000" rIns="90000" bIns="45000" anchor="b">
             <a:normAutofit/>
           </a:bodyPr>
+          <a:lstStyle/>
           <a:p>
             <a:pPr algn="ctr">
               <a:lnSpc>
@@ -4182,15 +5056,15 @@
               </a:lnSpc>
             </a:pPr>
             <a:r>
-              <a:rPr b="0" lang="pt-BR" sz="3600" spc="-1" strike="noStrike" cap="all">
+              <a:rPr lang="pt-BR" sz="3600" b="0" strike="noStrike" cap="all" spc="-1">
                 <a:solidFill>
-                  <a:srgbClr val="ffffff"/>
+                  <a:srgbClr val="FFFFFF"/>
                 </a:solidFill>
                 <a:latin typeface="Gill Sans MT"/>
               </a:rPr>
               <a:t>Compartilhando seu projeto</a:t>
             </a:r>
-            <a:endParaRPr b="0" lang="pt-BR" sz="3600" spc="-1" strike="noStrike">
+            <a:endParaRPr lang="pt-BR" sz="3600" b="0" strike="noStrike" spc="-1">
               <a:latin typeface="Arial"/>
             </a:endParaRPr>
           </a:p>
@@ -4216,13 +5090,20 @@
           </a:ln>
         </p:spPr>
         <p:style>
-          <a:lnRef idx="0"/>
-          <a:fillRef idx="0"/>
-          <a:effectRef idx="0"/>
+          <a:lnRef idx="0">
+            <a:scrgbClr r="0" g="0" b="0"/>
+          </a:lnRef>
+          <a:fillRef idx="0">
+            <a:scrgbClr r="0" g="0" b="0"/>
+          </a:fillRef>
+          <a:effectRef idx="0">
+            <a:scrgbClr r="0" g="0" b="0"/>
+          </a:effectRef>
           <a:fontRef idx="minor"/>
         </p:style>
         <p:txBody>
-          <a:bodyPr lIns="90000" rIns="90000" tIns="45000" bIns="45000"/>
+          <a:bodyPr lIns="90000" tIns="45000" rIns="90000" bIns="45000"/>
+          <a:lstStyle/>
           <a:p>
             <a:pPr algn="ctr">
               <a:lnSpc>
@@ -4236,33 +5117,33 @@
               </a:spcAft>
             </a:pPr>
             <a:r>
-              <a:rPr b="0" lang="pt-BR" sz="2400" spc="-1" strike="noStrike" cap="all">
+              <a:rPr lang="pt-BR" sz="2400" b="0" strike="noStrike" cap="all" spc="-1">
                 <a:solidFill>
-                  <a:srgbClr val="ffffff"/>
+                  <a:srgbClr val="FFFFFF"/>
                 </a:solidFill>
                 <a:latin typeface="Gill Sans MT"/>
               </a:rPr>
               <a:t>Team 3659 N</a:t>
             </a:r>
             <a:r>
-              <a:rPr b="0" lang="pt-BR" sz="2400" spc="-1" strike="noStrike">
+              <a:rPr lang="pt-BR" sz="2400" b="0" strike="noStrike" spc="-1">
                 <a:solidFill>
-                  <a:srgbClr val="ffffff"/>
+                  <a:srgbClr val="FFFFFF"/>
                 </a:solidFill>
                 <a:latin typeface="Gill Sans MT"/>
               </a:rPr>
               <a:t>e</a:t>
             </a:r>
             <a:r>
-              <a:rPr b="0" lang="pt-BR" sz="2400" spc="-1" strike="noStrike" cap="all">
+              <a:rPr lang="pt-BR" sz="2400" b="0" strike="noStrike" cap="all" spc="-1">
                 <a:solidFill>
-                  <a:srgbClr val="ffffff"/>
+                  <a:srgbClr val="FFFFFF"/>
                 </a:solidFill>
                 <a:latin typeface="Gill Sans MT"/>
               </a:rPr>
               <a:t>Xt Gen &amp; Seshan Brothers</a:t>
             </a:r>
-            <a:endParaRPr b="0" lang="pt-BR" sz="2400" spc="-1" strike="noStrike">
+            <a:endParaRPr lang="pt-BR" sz="2400" b="0" strike="noStrike" spc="-1">
               <a:latin typeface="Arial"/>
             </a:endParaRPr>
           </a:p>
@@ -4279,15 +5160,15 @@
               </a:spcAft>
             </a:pPr>
             <a:r>
-              <a:rPr b="0" lang="pt-BR" sz="2400" spc="-1" strike="noStrike" cap="all">
+              <a:rPr lang="pt-BR" sz="2400" b="0" strike="noStrike" cap="all" spc="-1">
                 <a:solidFill>
-                  <a:srgbClr val="ffffff"/>
+                  <a:srgbClr val="FFFFFF"/>
                 </a:solidFill>
                 <a:latin typeface="Gill Sans MT"/>
               </a:rPr>
               <a:t>Traduzido por equipe sunrise</a:t>
             </a:r>
-            <a:endParaRPr b="0" lang="pt-BR" sz="2400" spc="-1" strike="noStrike">
+            <a:endParaRPr lang="pt-BR" sz="2400" b="0" strike="noStrike" spc="-1">
               <a:latin typeface="Arial"/>
             </a:endParaRPr>
           </a:p>
@@ -4295,6 +5176,9 @@
       </p:sp>
     </p:spTree>
   </p:cSld>
+  <p:clrMapOvr>
+    <a:masterClrMapping/>
+  </p:clrMapOvr>
   <p:timing>
     <p:tnLst>
       <p:par>
@@ -4303,14 +5187,14 @@
             <p:seq>
               <p:cTn id="2" dur="indefinite" nodeType="mainSeq"/>
               <p:prevCondLst>
-                <p:cond delay="0" evt="onPrev">
+                <p:cond evt="onPrev" delay="0">
                   <p:tgtEl>
                     <p:sldTgt/>
                   </p:tgtEl>
                 </p:cond>
               </p:prevCondLst>
               <p:nextCondLst>
-                <p:cond delay="0" evt="onNext">
+                <p:cond evt="onNext" delay="0">
                   <p:tgtEl>
                     <p:sldTgt/>
                   </p:tgtEl>
@@ -4326,7 +5210,7 @@
 </file>
 
 <file path=ppt/slides/slide2.xml><?xml version="1.0" encoding="utf-8"?>
-<p:sld xmlns:a="http://schemas.openxmlformats.org/drawingml/2006/main" xmlns:p="http://schemas.openxmlformats.org/presentationml/2006/main" xmlns:r="http://schemas.openxmlformats.org/officeDocument/2006/relationships" xmlns:p14="http://schemas.microsoft.com/office/powerpoint/2010/main" xmlns:p15="http://schemas.microsoft.com/office/powerpoint/2012/main" xmlns:mc="http://schemas.openxmlformats.org/markup-compatibility/2006">
+<p:sld xmlns:a="http://schemas.openxmlformats.org/drawingml/2006/main" xmlns:r="http://schemas.openxmlformats.org/officeDocument/2006/relationships" xmlns:p="http://schemas.openxmlformats.org/presentationml/2006/main">
   <p:cSld>
     <p:spTree>
       <p:nvGrpSpPr>
@@ -4362,13 +5246,20 @@
           </a:ln>
         </p:spPr>
         <p:style>
-          <a:lnRef idx="0"/>
-          <a:fillRef idx="0"/>
-          <a:effectRef idx="0"/>
+          <a:lnRef idx="0">
+            <a:scrgbClr r="0" g="0" b="0"/>
+          </a:lnRef>
+          <a:fillRef idx="0">
+            <a:scrgbClr r="0" g="0" b="0"/>
+          </a:fillRef>
+          <a:effectRef idx="0">
+            <a:scrgbClr r="0" g="0" b="0"/>
+          </a:effectRef>
           <a:fontRef idx="minor"/>
         </p:style>
         <p:txBody>
-          <a:bodyPr lIns="90000" rIns="90000" tIns="45000" bIns="45000" anchor="b"/>
+          <a:bodyPr lIns="90000" tIns="45000" rIns="90000" bIns="45000" anchor="b"/>
+          <a:lstStyle/>
           <a:p>
             <a:pPr>
               <a:lnSpc>
@@ -4376,15 +5267,15 @@
               </a:lnSpc>
             </a:pPr>
             <a:r>
-              <a:rPr b="0" lang="pt-BR" sz="2800" spc="-1" strike="noStrike" cap="all">
+              <a:rPr lang="pt-BR" sz="2800" b="0" strike="noStrike" cap="all" spc="-1">
                 <a:solidFill>
-                  <a:srgbClr val="ffffff"/>
+                  <a:srgbClr val="FFFFFF"/>
                 </a:solidFill>
                 <a:latin typeface="Gill Sans MT"/>
               </a:rPr>
               <a:t>Sobre os autores</a:t>
             </a:r>
-            <a:endParaRPr b="0" lang="pt-BR" sz="2800" spc="-1" strike="noStrike">
+            <a:endParaRPr lang="pt-BR" sz="2800" b="0" strike="noStrike" spc="-1">
               <a:latin typeface="Arial"/>
             </a:endParaRPr>
           </a:p>
@@ -4410,15 +5301,22 @@
           </a:ln>
         </p:spPr>
         <p:style>
-          <a:lnRef idx="0"/>
-          <a:fillRef idx="0"/>
-          <a:effectRef idx="0"/>
+          <a:lnRef idx="0">
+            <a:scrgbClr r="0" g="0" b="0"/>
+          </a:lnRef>
+          <a:fillRef idx="0">
+            <a:scrgbClr r="0" g="0" b="0"/>
+          </a:fillRef>
+          <a:effectRef idx="0">
+            <a:scrgbClr r="0" g="0" b="0"/>
+          </a:effectRef>
           <a:fontRef idx="minor"/>
         </p:style>
         <p:txBody>
-          <a:bodyPr lIns="90000" rIns="90000" tIns="45000" bIns="45000">
+          <a:bodyPr lIns="90000" tIns="45000" rIns="90000" bIns="45000">
             <a:normAutofit/>
           </a:bodyPr>
+          <a:lstStyle/>
           <a:p>
             <a:pPr marL="306000" indent="-305280">
               <a:lnSpc>
@@ -4431,22 +5329,22 @@
                 <a:spcPts val="601"/>
               </a:spcAft>
               <a:buClr>
-                <a:srgbClr val="4590b8"/>
+                <a:srgbClr val="4590B8"/>
               </a:buClr>
               <a:buSzPct val="92000"/>
               <a:buFont typeface="Wingdings 2" charset="2"/>
               <a:buChar char=""/>
             </a:pPr>
             <a:r>
-              <a:rPr b="0" lang="pt-BR" sz="1600" spc="-1" strike="noStrike">
+              <a:rPr lang="pt-BR" sz="1600" b="0" strike="noStrike" spc="-1">
                 <a:solidFill>
-                  <a:srgbClr val="3d3d3d"/>
+                  <a:srgbClr val="3D3D3D"/>
                 </a:solidFill>
                 <a:latin typeface="Gill Sans MT"/>
               </a:rPr>
               <a:t>Seshan Brothers eram da equipe Not the Droids You Are Looking For</a:t>
             </a:r>
-            <a:endParaRPr b="0" lang="pt-BR" sz="1600" spc="-1" strike="noStrike">
+            <a:endParaRPr lang="pt-BR" sz="1600" b="0" strike="noStrike" spc="-1">
               <a:latin typeface="Arial"/>
             </a:endParaRPr>
           </a:p>
@@ -4462,22 +5360,22 @@
                 <a:spcPts val="601"/>
               </a:spcAft>
               <a:buClr>
-                <a:srgbClr val="4590b8"/>
+                <a:srgbClr val="4590B8"/>
               </a:buClr>
               <a:buSzPct val="92000"/>
               <a:buFont typeface="Wingdings 2" charset="2"/>
               <a:buChar char=""/>
             </a:pPr>
             <a:r>
-              <a:rPr b="0" lang="pt-BR" sz="1600" spc="-1" strike="noStrike">
+              <a:rPr lang="pt-BR" sz="1600" b="0" strike="noStrike" spc="-1">
                 <a:solidFill>
-                  <a:srgbClr val="3d3d3d"/>
+                  <a:srgbClr val="3D3D3D"/>
                 </a:solidFill>
                 <a:latin typeface="Gill Sans MT"/>
               </a:rPr>
               <a:t>Foram semifinalistas no GIA pelo seu projeto na Trash-Trek. EV3Lessons.com foi o seu projeto vencedor no World Class. Também ganharam em primeiro no Internacional Aberto de Solução Inovadora em Toronto.</a:t>
             </a:r>
-            <a:endParaRPr b="0" lang="pt-BR" sz="1600" spc="-1" strike="noStrike">
+            <a:endParaRPr lang="pt-BR" sz="1600" b="0" strike="noStrike" spc="-1">
               <a:latin typeface="Arial"/>
             </a:endParaRPr>
           </a:p>
@@ -4493,22 +5391,22 @@
                 <a:spcPts val="601"/>
               </a:spcAft>
               <a:buClr>
-                <a:srgbClr val="4590b8"/>
+                <a:srgbClr val="4590B8"/>
               </a:buClr>
               <a:buSzPct val="92000"/>
               <a:buFont typeface="Wingdings 2" charset="2"/>
               <a:buChar char=""/>
             </a:pPr>
             <a:r>
-              <a:rPr b="0" lang="pt-BR" sz="1600" spc="-1" strike="noStrike">
+              <a:rPr lang="pt-BR" sz="1600" b="0" strike="noStrike" spc="-1">
                 <a:solidFill>
-                  <a:srgbClr val="3d3d3d"/>
+                  <a:srgbClr val="3D3D3D"/>
                 </a:solidFill>
                 <a:latin typeface="Gill Sans MT"/>
               </a:rPr>
               <a:t>A equipe Champion’s Team from World Festival 2018.</a:t>
             </a:r>
-            <a:endParaRPr b="0" lang="pt-BR" sz="1600" spc="-1" strike="noStrike">
+            <a:endParaRPr lang="pt-BR" sz="1600" b="0" strike="noStrike" spc="-1">
               <a:latin typeface="Arial"/>
             </a:endParaRPr>
           </a:p>
@@ -4534,13 +5432,20 @@
           </a:ln>
         </p:spPr>
         <p:style>
-          <a:lnRef idx="0"/>
-          <a:fillRef idx="0"/>
-          <a:effectRef idx="0"/>
+          <a:lnRef idx="0">
+            <a:scrgbClr r="0" g="0" b="0"/>
+          </a:lnRef>
+          <a:fillRef idx="0">
+            <a:scrgbClr r="0" g="0" b="0"/>
+          </a:fillRef>
+          <a:effectRef idx="0">
+            <a:scrgbClr r="0" g="0" b="0"/>
+          </a:effectRef>
           <a:fontRef idx="minor"/>
         </p:style>
         <p:txBody>
-          <a:bodyPr lIns="90000" rIns="90000" tIns="45000" bIns="45000"/>
+          <a:bodyPr lIns="90000" tIns="45000" rIns="90000" bIns="45000"/>
+          <a:lstStyle/>
           <a:p>
             <a:pPr>
               <a:lnSpc>
@@ -4548,15 +5453,15 @@
               </a:lnSpc>
             </a:pPr>
             <a:fld id="{9CD46180-C932-4C95-A2DE-DB25B716407C}" type="slidenum">
-              <a:rPr b="0" lang="pt-BR" sz="1800" spc="-1" strike="noStrike">
+              <a:rPr lang="pt-BR" sz="1800" b="0" strike="noStrike" spc="-1">
                 <a:solidFill>
-                  <a:srgbClr val="537ed0"/>
+                  <a:srgbClr val="537ED0"/>
                 </a:solidFill>
                 <a:latin typeface="Gill Sans MT"/>
               </a:rPr>
-              <a:t>&lt;número&gt;</a:t>
+              <a:t>2</a:t>
             </a:fld>
-            <a:endParaRPr b="0" lang="pt-BR" sz="1800" spc="-1" strike="noStrike">
+            <a:endParaRPr lang="pt-BR" sz="1800" b="0" strike="noStrike" spc="-1">
               <a:latin typeface="Arial"/>
             </a:endParaRPr>
           </a:p>
@@ -4582,13 +5487,20 @@
           </a:ln>
         </p:spPr>
         <p:style>
-          <a:lnRef idx="0"/>
-          <a:fillRef idx="0"/>
-          <a:effectRef idx="0"/>
+          <a:lnRef idx="0">
+            <a:scrgbClr r="0" g="0" b="0"/>
+          </a:lnRef>
+          <a:fillRef idx="0">
+            <a:scrgbClr r="0" g="0" b="0"/>
+          </a:fillRef>
+          <a:effectRef idx="0">
+            <a:scrgbClr r="0" g="0" b="0"/>
+          </a:effectRef>
           <a:fontRef idx="minor"/>
         </p:style>
         <p:txBody>
-          <a:bodyPr lIns="90000" rIns="90000" tIns="45000" bIns="45000"/>
+          <a:bodyPr lIns="90000" tIns="45000" rIns="90000" bIns="45000"/>
+          <a:lstStyle/>
           <a:p>
             <a:pPr>
               <a:lnSpc>
@@ -4602,16 +5514,16 @@
               </a:spcAft>
             </a:pPr>
             <a:r>
-              <a:rPr b="0" lang="pt-BR" sz="1600" spc="-1" strike="noStrike">
+              <a:rPr lang="pt-BR" sz="1600" b="0" strike="noStrike" spc="-1">
                 <a:solidFill>
-                  <a:srgbClr val="3d3d3d"/>
+                  <a:srgbClr val="3D3D3D"/>
                 </a:solidFill>
                 <a:latin typeface="Gill Sans MT"/>
                 <a:ea typeface="DejaVu Sans"/>
               </a:rPr>
               <a:t>NeXT Gen é uma equipe de ensino médio da Garrett County, Maryland, com 13 anos de FIRST LEGO League</a:t>
             </a:r>
-            <a:endParaRPr b="0" lang="pt-BR" sz="1600" spc="-1" strike="noStrike">
+            <a:endParaRPr lang="pt-BR" sz="1600" b="0" strike="noStrike" spc="-1">
               <a:latin typeface="Arial"/>
             </a:endParaRPr>
           </a:p>
@@ -4627,23 +5539,23 @@
                 <a:spcPts val="601"/>
               </a:spcAft>
               <a:buClr>
-                <a:srgbClr val="4590b8"/>
+                <a:srgbClr val="4590B8"/>
               </a:buClr>
               <a:buSzPct val="92000"/>
               <a:buFont typeface="Wingdings 2" charset="2"/>
               <a:buChar char=""/>
             </a:pPr>
             <a:r>
-              <a:rPr b="0" lang="pt-BR" sz="1600" spc="-1" strike="noStrike">
+              <a:rPr lang="pt-BR" sz="1600" b="0" strike="noStrike" spc="-1">
                 <a:solidFill>
-                  <a:srgbClr val="3d3d3d"/>
+                  <a:srgbClr val="3D3D3D"/>
                 </a:solidFill>
                 <a:latin typeface="Gill Sans MT"/>
                 <a:ea typeface="DejaVu Sans"/>
               </a:rPr>
               <a:t>Ganharam em primeiro lugar, em 2013, o Prêmio de Inovação Global (GIA). Também ganharam o Top 20 GIA Semi-Finalist em 2017 por solução inovadora, o BeeHaven.</a:t>
             </a:r>
-            <a:endParaRPr b="0" lang="pt-BR" sz="1600" spc="-1" strike="noStrike">
+            <a:endParaRPr lang="pt-BR" sz="1600" b="0" strike="noStrike" spc="-1">
               <a:latin typeface="Arial"/>
             </a:endParaRPr>
           </a:p>
@@ -4659,23 +5571,23 @@
                 <a:spcPts val="601"/>
               </a:spcAft>
               <a:buClr>
-                <a:srgbClr val="4590b8"/>
+                <a:srgbClr val="4590B8"/>
               </a:buClr>
               <a:buSzPct val="92000"/>
               <a:buFont typeface="Wingdings 2" charset="2"/>
               <a:buChar char=""/>
             </a:pPr>
             <a:r>
-              <a:rPr b="0" lang="pt-BR" sz="1600" spc="-1" strike="noStrike">
+              <a:rPr lang="pt-BR" sz="1600" b="0" strike="noStrike" spc="-1">
                 <a:solidFill>
-                  <a:srgbClr val="3d3d3d"/>
+                  <a:srgbClr val="3D3D3D"/>
                 </a:solidFill>
                 <a:latin typeface="Gill Sans MT"/>
                 <a:ea typeface="DejaVu Sans"/>
               </a:rPr>
               <a:t>Além disso, ganharam em primeiro lugar o Innovative Solution do Mountain State Invitational em 2017.</a:t>
             </a:r>
-            <a:endParaRPr b="0" lang="pt-BR" sz="1600" spc="-1" strike="noStrike">
+            <a:endParaRPr lang="pt-BR" sz="1600" b="0" strike="noStrike" spc="-1">
               <a:latin typeface="Arial"/>
             </a:endParaRPr>
           </a:p>
@@ -4683,30 +5595,7 @@
       </p:sp>
       <p:pic>
         <p:nvPicPr>
-          <p:cNvPr id="100" name="Picture 8" descr=""/>
-          <p:cNvPicPr/>
-          <p:nvPr/>
-        </p:nvPicPr>
-        <p:blipFill>
-          <a:blip r:embed="rId1"/>
-          <a:stretch/>
-        </p:blipFill>
-        <p:spPr>
-          <a:xfrm>
-            <a:off x="839520" y="4702320"/>
-            <a:ext cx="3309480" cy="1229760"/>
-          </a:xfrm>
-          <a:prstGeom prst="rect">
-            <a:avLst/>
-          </a:prstGeom>
-          <a:ln>
-            <a:noFill/>
-          </a:ln>
-        </p:spPr>
-      </p:pic>
-      <p:pic>
-        <p:nvPicPr>
-          <p:cNvPr id="101" name="Picture 2" descr=""/>
+          <p:cNvPr id="100" name="Picture 8"/>
           <p:cNvPicPr/>
           <p:nvPr/>
         </p:nvPicPr>
@@ -4716,6 +5605,29 @@
         </p:blipFill>
         <p:spPr>
           <a:xfrm>
+            <a:off x="839520" y="4702320"/>
+            <a:ext cx="3309480" cy="1229760"/>
+          </a:xfrm>
+          <a:prstGeom prst="rect">
+            <a:avLst/>
+          </a:prstGeom>
+          <a:ln>
+            <a:noFill/>
+          </a:ln>
+        </p:spPr>
+      </p:pic>
+      <p:pic>
+        <p:nvPicPr>
+          <p:cNvPr id="101" name="Picture 2"/>
+          <p:cNvPicPr/>
+          <p:nvPr/>
+        </p:nvPicPr>
+        <p:blipFill>
+          <a:blip r:embed="rId3"/>
+          <a:stretch/>
+        </p:blipFill>
+        <p:spPr>
+          <a:xfrm>
             <a:off x="6926400" y="4517640"/>
             <a:ext cx="1599840" cy="1599840"/>
           </a:xfrm>
@@ -4747,13 +5659,20 @@
           </a:ln>
         </p:spPr>
         <p:style>
-          <a:lnRef idx="0"/>
-          <a:fillRef idx="0"/>
-          <a:effectRef idx="0"/>
+          <a:lnRef idx="0">
+            <a:scrgbClr r="0" g="0" b="0"/>
+          </a:lnRef>
+          <a:fillRef idx="0">
+            <a:scrgbClr r="0" g="0" b="0"/>
+          </a:fillRef>
+          <a:effectRef idx="0">
+            <a:scrgbClr r="0" g="0" b="0"/>
+          </a:effectRef>
           <a:fontRef idx="minor"/>
         </p:style>
         <p:txBody>
-          <a:bodyPr lIns="90000" rIns="90000" tIns="45000" bIns="45000"/>
+          <a:bodyPr lIns="90000" tIns="45000" rIns="90000" bIns="45000"/>
+          <a:lstStyle/>
           <a:p>
             <a:pPr>
               <a:lnSpc>
@@ -4761,16 +5680,16 @@
               </a:lnSpc>
             </a:pPr>
             <a:r>
-              <a:rPr b="0" lang="pt-BR" sz="1800" spc="-1" strike="noStrike">
+              <a:rPr lang="pt-BR" sz="1800" b="0" strike="noStrike" spc="-1">
                 <a:solidFill>
-                  <a:srgbClr val="537ed0"/>
+                  <a:srgbClr val="537ED0"/>
                 </a:solidFill>
                 <a:latin typeface="Gill Sans MT"/>
                 <a:ea typeface="DejaVu Sans"/>
               </a:rPr>
               <a:t>© 2018, FLL Tutorials (Última edição em 28/08/2018)</a:t>
             </a:r>
-            <a:endParaRPr b="0" lang="pt-BR" sz="1800" spc="-1" strike="noStrike">
+            <a:endParaRPr lang="pt-BR" sz="1800" b="0" strike="noStrike" spc="-1">
               <a:latin typeface="Arial"/>
             </a:endParaRPr>
           </a:p>
@@ -4778,22 +5697,25 @@
       </p:sp>
     </p:spTree>
   </p:cSld>
+  <p:clrMapOvr>
+    <a:masterClrMapping/>
+  </p:clrMapOvr>
   <p:timing>
     <p:tnLst>
       <p:par>
-        <p:cTn id="3" dur="indefinite" restart="never" nodeType="tmRoot">
+        <p:cTn id="1" dur="indefinite" restart="never" nodeType="tmRoot">
           <p:childTnLst>
             <p:seq>
-              <p:cTn id="4" dur="indefinite" nodeType="mainSeq"/>
+              <p:cTn id="2" dur="indefinite" nodeType="mainSeq"/>
               <p:prevCondLst>
-                <p:cond delay="0" evt="onPrev">
+                <p:cond evt="onPrev" delay="0">
                   <p:tgtEl>
                     <p:sldTgt/>
                   </p:tgtEl>
                 </p:cond>
               </p:prevCondLst>
               <p:nextCondLst>
-                <p:cond delay="0" evt="onNext">
+                <p:cond evt="onNext" delay="0">
                   <p:tgtEl>
                     <p:sldTgt/>
                   </p:tgtEl>
@@ -4809,7 +5731,7 @@
 </file>
 
 <file path=ppt/slides/slide3.xml><?xml version="1.0" encoding="utf-8"?>
-<p:sld xmlns:a="http://schemas.openxmlformats.org/drawingml/2006/main" xmlns:p="http://schemas.openxmlformats.org/presentationml/2006/main" xmlns:r="http://schemas.openxmlformats.org/officeDocument/2006/relationships" xmlns:p14="http://schemas.microsoft.com/office/powerpoint/2010/main" xmlns:p15="http://schemas.microsoft.com/office/powerpoint/2012/main" xmlns:mc="http://schemas.openxmlformats.org/markup-compatibility/2006">
+<p:sld xmlns:a="http://schemas.openxmlformats.org/drawingml/2006/main" xmlns:r="http://schemas.openxmlformats.org/officeDocument/2006/relationships" xmlns:p="http://schemas.openxmlformats.org/presentationml/2006/main">
   <p:cSld>
     <p:spTree>
       <p:nvGrpSpPr>
@@ -4845,13 +5767,20 @@
           </a:ln>
         </p:spPr>
         <p:style>
-          <a:lnRef idx="0"/>
-          <a:fillRef idx="0"/>
-          <a:effectRef idx="0"/>
+          <a:lnRef idx="0">
+            <a:scrgbClr r="0" g="0" b="0"/>
+          </a:lnRef>
+          <a:fillRef idx="0">
+            <a:scrgbClr r="0" g="0" b="0"/>
+          </a:fillRef>
+          <a:effectRef idx="0">
+            <a:scrgbClr r="0" g="0" b="0"/>
+          </a:effectRef>
           <a:fontRef idx="minor"/>
         </p:style>
         <p:txBody>
-          <a:bodyPr lIns="90000" rIns="90000" tIns="45000" bIns="45000" anchor="b"/>
+          <a:bodyPr lIns="90000" tIns="45000" rIns="90000" bIns="45000" anchor="b"/>
+          <a:lstStyle/>
           <a:p>
             <a:pPr>
               <a:lnSpc>
@@ -4859,15 +5788,15 @@
               </a:lnSpc>
             </a:pPr>
             <a:r>
-              <a:rPr b="0" lang="pt-BR" sz="2800" spc="-1" strike="noStrike" cap="all">
+              <a:rPr lang="pt-BR" sz="2800" b="0" strike="noStrike" cap="all" spc="-1">
                 <a:solidFill>
-                  <a:srgbClr val="ffffff"/>
+                  <a:srgbClr val="FFFFFF"/>
                 </a:solidFill>
                 <a:latin typeface="Gill Sans MT"/>
               </a:rPr>
               <a:t>Por que compartilhar?</a:t>
             </a:r>
-            <a:endParaRPr b="0" lang="pt-BR" sz="2800" spc="-1" strike="noStrike">
+            <a:endParaRPr lang="pt-BR" sz="2800" b="0" strike="noStrike" spc="-1">
               <a:latin typeface="Arial"/>
             </a:endParaRPr>
           </a:p>
@@ -4893,15 +5822,22 @@
           </a:ln>
         </p:spPr>
         <p:style>
-          <a:lnRef idx="0"/>
-          <a:fillRef idx="0"/>
-          <a:effectRef idx="0"/>
+          <a:lnRef idx="0">
+            <a:scrgbClr r="0" g="0" b="0"/>
+          </a:lnRef>
+          <a:fillRef idx="0">
+            <a:scrgbClr r="0" g="0" b="0"/>
+          </a:fillRef>
+          <a:effectRef idx="0">
+            <a:scrgbClr r="0" g="0" b="0"/>
+          </a:effectRef>
           <a:fontRef idx="minor"/>
         </p:style>
         <p:txBody>
-          <a:bodyPr lIns="90000" rIns="90000" tIns="45000" bIns="45000">
+          <a:bodyPr lIns="90000" tIns="45000" rIns="90000" bIns="45000">
             <a:normAutofit/>
           </a:bodyPr>
+          <a:lstStyle/>
           <a:p>
             <a:pPr marL="306000" indent="-305280">
               <a:lnSpc>
@@ -4914,22 +5850,22 @@
                 <a:spcPts val="601"/>
               </a:spcAft>
               <a:buClr>
-                <a:srgbClr val="4590b8"/>
+                <a:srgbClr val="4590B8"/>
               </a:buClr>
               <a:buSzPct val="92000"/>
               <a:buFont typeface="Wingdings 2" charset="2"/>
               <a:buChar char=""/>
             </a:pPr>
             <a:r>
-              <a:rPr b="0" lang="pt-BR" sz="2400" spc="-1" strike="noStrike">
+              <a:rPr lang="pt-BR" sz="2400" b="0" strike="noStrike" spc="-1">
                 <a:solidFill>
-                  <a:srgbClr val="3d3d3d"/>
+                  <a:srgbClr val="3D3D3D"/>
                 </a:solidFill>
                 <a:latin typeface="Gill Sans MT"/>
               </a:rPr>
               <a:t>Na FIRST LEGO League, compartilhar o seu projeto é muito importante.</a:t>
             </a:r>
-            <a:endParaRPr b="0" lang="pt-BR" sz="2400" spc="-1" strike="noStrike">
+            <a:endParaRPr lang="pt-BR" sz="2400" b="0" strike="noStrike" spc="-1">
               <a:latin typeface="Arial"/>
             </a:endParaRPr>
           </a:p>
@@ -4945,22 +5881,22 @@
                 <a:spcPts val="601"/>
               </a:spcAft>
               <a:buClr>
-                <a:srgbClr val="4590b8"/>
+                <a:srgbClr val="4590B8"/>
               </a:buClr>
               <a:buSzPct val="92000"/>
               <a:buFont typeface="Wingdings 2" charset="2"/>
               <a:buChar char=""/>
             </a:pPr>
             <a:r>
-              <a:rPr b="0" lang="pt-BR" sz="2400" spc="-1" strike="noStrike">
+              <a:rPr lang="pt-BR" sz="2400" b="0" strike="noStrike" spc="-1">
                 <a:solidFill>
-                  <a:srgbClr val="3d3d3d"/>
+                  <a:srgbClr val="3D3D3D"/>
                 </a:solidFill>
                 <a:latin typeface="Gill Sans MT"/>
               </a:rPr>
               <a:t>Compartilhar seu projeto envolve a apresentação aos juízes (que está na lição Apresentações), e compartilhando com o público.</a:t>
             </a:r>
-            <a:endParaRPr b="0" lang="pt-BR" sz="2400" spc="-1" strike="noStrike">
+            <a:endParaRPr lang="pt-BR" sz="2400" b="0" strike="noStrike" spc="-1">
               <a:latin typeface="Arial"/>
             </a:endParaRPr>
           </a:p>
@@ -4976,22 +5912,22 @@
                 <a:spcPts val="601"/>
               </a:spcAft>
               <a:buClr>
-                <a:srgbClr val="4590b8"/>
+                <a:srgbClr val="4590B8"/>
               </a:buClr>
               <a:buSzPct val="92000"/>
               <a:buFont typeface="Wingdings 2" charset="2"/>
               <a:buChar char=""/>
             </a:pPr>
             <a:r>
-              <a:rPr b="0" lang="pt-BR" sz="2400" spc="-1" strike="noStrike">
+              <a:rPr lang="pt-BR" sz="2400" b="0" strike="noStrike" spc="-1">
                 <a:solidFill>
-                  <a:srgbClr val="3d3d3d"/>
+                  <a:srgbClr val="3D3D3D"/>
                 </a:solidFill>
                 <a:latin typeface="Gill Sans MT"/>
               </a:rPr>
               <a:t>Não só é bom a sua equipe praticar compartilhar o projeto, como também é uma peça chave na FIRST LEGO League.</a:t>
             </a:r>
-            <a:endParaRPr b="0" lang="pt-BR" sz="2400" spc="-1" strike="noStrike">
+            <a:endParaRPr lang="pt-BR" sz="2400" b="0" strike="noStrike" spc="-1">
               <a:latin typeface="Arial"/>
             </a:endParaRPr>
           </a:p>
@@ -5017,13 +5953,20 @@
           </a:ln>
         </p:spPr>
         <p:style>
-          <a:lnRef idx="0"/>
-          <a:fillRef idx="0"/>
-          <a:effectRef idx="0"/>
+          <a:lnRef idx="0">
+            <a:scrgbClr r="0" g="0" b="0"/>
+          </a:lnRef>
+          <a:fillRef idx="0">
+            <a:scrgbClr r="0" g="0" b="0"/>
+          </a:fillRef>
+          <a:effectRef idx="0">
+            <a:scrgbClr r="0" g="0" b="0"/>
+          </a:effectRef>
           <a:fontRef idx="minor"/>
         </p:style>
         <p:txBody>
-          <a:bodyPr lIns="90000" rIns="90000" tIns="45000" bIns="45000"/>
+          <a:bodyPr lIns="90000" tIns="45000" rIns="90000" bIns="45000"/>
+          <a:lstStyle/>
           <a:p>
             <a:pPr>
               <a:lnSpc>
@@ -5031,15 +5974,15 @@
               </a:lnSpc>
             </a:pPr>
             <a:fld id="{86F93796-1965-4434-8782-46A5FB8FBAD2}" type="slidenum">
-              <a:rPr b="0" lang="pt-BR" sz="1800" spc="-1" strike="noStrike">
+              <a:rPr lang="pt-BR" sz="1800" b="0" strike="noStrike" spc="-1">
                 <a:solidFill>
-                  <a:srgbClr val="537ed0"/>
+                  <a:srgbClr val="537ED0"/>
                 </a:solidFill>
                 <a:latin typeface="Gill Sans MT"/>
               </a:rPr>
-              <a:t>&lt;número&gt;</a:t>
+              <a:t>3</a:t>
             </a:fld>
-            <a:endParaRPr b="0" lang="pt-BR" sz="1800" spc="-1" strike="noStrike">
+            <a:endParaRPr lang="pt-BR" sz="1800" b="0" strike="noStrike" spc="-1">
               <a:latin typeface="Arial"/>
             </a:endParaRPr>
           </a:p>
@@ -5065,13 +6008,20 @@
           </a:ln>
         </p:spPr>
         <p:style>
-          <a:lnRef idx="0"/>
-          <a:fillRef idx="0"/>
-          <a:effectRef idx="0"/>
+          <a:lnRef idx="0">
+            <a:scrgbClr r="0" g="0" b="0"/>
+          </a:lnRef>
+          <a:fillRef idx="0">
+            <a:scrgbClr r="0" g="0" b="0"/>
+          </a:fillRef>
+          <a:effectRef idx="0">
+            <a:scrgbClr r="0" g="0" b="0"/>
+          </a:effectRef>
           <a:fontRef idx="minor"/>
         </p:style>
         <p:txBody>
-          <a:bodyPr lIns="90000" rIns="90000" tIns="45000" bIns="45000"/>
+          <a:bodyPr lIns="90000" tIns="45000" rIns="90000" bIns="45000"/>
+          <a:lstStyle/>
           <a:p>
             <a:pPr>
               <a:lnSpc>
@@ -5079,16 +6029,16 @@
               </a:lnSpc>
             </a:pPr>
             <a:r>
-              <a:rPr b="0" lang="pt-BR" sz="1800" spc="-1" strike="noStrike">
+              <a:rPr lang="pt-BR" sz="1800" b="0" strike="noStrike" spc="-1">
                 <a:solidFill>
-                  <a:srgbClr val="537ed0"/>
+                  <a:srgbClr val="537ED0"/>
                 </a:solidFill>
                 <a:latin typeface="Gill Sans MT"/>
                 <a:ea typeface="DejaVu Sans"/>
               </a:rPr>
               <a:t>© 2018, FLL Tutorials (Última edição em 28/08/2018)</a:t>
             </a:r>
-            <a:endParaRPr b="0" lang="pt-BR" sz="1800" spc="-1" strike="noStrike">
+            <a:endParaRPr lang="pt-BR" sz="1800" b="0" strike="noStrike" spc="-1">
               <a:latin typeface="Arial"/>
             </a:endParaRPr>
           </a:p>
@@ -5096,22 +6046,25 @@
       </p:sp>
     </p:spTree>
   </p:cSld>
+  <p:clrMapOvr>
+    <a:masterClrMapping/>
+  </p:clrMapOvr>
   <p:timing>
     <p:tnLst>
       <p:par>
-        <p:cTn id="5" dur="indefinite" restart="never" nodeType="tmRoot">
+        <p:cTn id="1" dur="indefinite" restart="never" nodeType="tmRoot">
           <p:childTnLst>
             <p:seq>
-              <p:cTn id="6" dur="indefinite" nodeType="mainSeq"/>
+              <p:cTn id="2" dur="indefinite" nodeType="mainSeq"/>
               <p:prevCondLst>
-                <p:cond delay="0" evt="onPrev">
+                <p:cond evt="onPrev" delay="0">
                   <p:tgtEl>
                     <p:sldTgt/>
                   </p:tgtEl>
                 </p:cond>
               </p:prevCondLst>
               <p:nextCondLst>
-                <p:cond delay="0" evt="onNext">
+                <p:cond evt="onNext" delay="0">
                   <p:tgtEl>
                     <p:sldTgt/>
                   </p:tgtEl>
@@ -5127,7 +6080,7 @@
 </file>
 
 <file path=ppt/slides/slide4.xml><?xml version="1.0" encoding="utf-8"?>
-<p:sld xmlns:a="http://schemas.openxmlformats.org/drawingml/2006/main" xmlns:p="http://schemas.openxmlformats.org/presentationml/2006/main" xmlns:r="http://schemas.openxmlformats.org/officeDocument/2006/relationships" xmlns:p14="http://schemas.microsoft.com/office/powerpoint/2010/main" xmlns:p15="http://schemas.microsoft.com/office/powerpoint/2012/main" xmlns:mc="http://schemas.openxmlformats.org/markup-compatibility/2006">
+<p:sld xmlns:a="http://schemas.openxmlformats.org/drawingml/2006/main" xmlns:r="http://schemas.openxmlformats.org/officeDocument/2006/relationships" xmlns:p="http://schemas.openxmlformats.org/presentationml/2006/main">
   <p:cSld>
     <p:spTree>
       <p:nvGrpSpPr>
@@ -5163,13 +6116,20 @@
           </a:ln>
         </p:spPr>
         <p:style>
-          <a:lnRef idx="0"/>
-          <a:fillRef idx="0"/>
-          <a:effectRef idx="0"/>
+          <a:lnRef idx="0">
+            <a:scrgbClr r="0" g="0" b="0"/>
+          </a:lnRef>
+          <a:fillRef idx="0">
+            <a:scrgbClr r="0" g="0" b="0"/>
+          </a:fillRef>
+          <a:effectRef idx="0">
+            <a:scrgbClr r="0" g="0" b="0"/>
+          </a:effectRef>
           <a:fontRef idx="minor"/>
         </p:style>
         <p:txBody>
-          <a:bodyPr lIns="90000" rIns="90000" tIns="45000" bIns="45000" anchor="b"/>
+          <a:bodyPr lIns="90000" tIns="45000" rIns="90000" bIns="45000" anchor="b"/>
+          <a:lstStyle/>
           <a:p>
             <a:pPr>
               <a:lnSpc>
@@ -5177,15 +6137,15 @@
               </a:lnSpc>
             </a:pPr>
             <a:r>
-              <a:rPr b="0" lang="pt-BR" sz="2800" spc="-1" strike="noStrike" cap="all">
+              <a:rPr lang="pt-BR" sz="2800" b="0" strike="noStrike" cap="all" spc="-1">
                 <a:solidFill>
-                  <a:srgbClr val="ffffff"/>
+                  <a:srgbClr val="FFFFFF"/>
                 </a:solidFill>
                 <a:latin typeface="Gill Sans MT"/>
               </a:rPr>
               <a:t>Com quem se deve compartilhar?</a:t>
             </a:r>
-            <a:endParaRPr b="0" lang="pt-BR" sz="2800" spc="-1" strike="noStrike">
+            <a:endParaRPr lang="pt-BR" sz="2800" b="0" strike="noStrike" spc="-1">
               <a:latin typeface="Arial"/>
             </a:endParaRPr>
           </a:p>
@@ -5211,15 +6171,22 @@
           </a:ln>
         </p:spPr>
         <p:style>
-          <a:lnRef idx="0"/>
-          <a:fillRef idx="0"/>
-          <a:effectRef idx="0"/>
+          <a:lnRef idx="0">
+            <a:scrgbClr r="0" g="0" b="0"/>
+          </a:lnRef>
+          <a:fillRef idx="0">
+            <a:scrgbClr r="0" g="0" b="0"/>
+          </a:fillRef>
+          <a:effectRef idx="0">
+            <a:scrgbClr r="0" g="0" b="0"/>
+          </a:effectRef>
           <a:fontRef idx="minor"/>
         </p:style>
         <p:txBody>
-          <a:bodyPr lIns="90000" rIns="90000" tIns="45000" bIns="45000">
+          <a:bodyPr lIns="90000" tIns="45000" rIns="90000" bIns="45000">
             <a:normAutofit/>
           </a:bodyPr>
+          <a:lstStyle/>
           <a:p>
             <a:pPr marL="306000" indent="-305280">
               <a:lnSpc>
@@ -5232,22 +6199,22 @@
                 <a:spcPts val="601"/>
               </a:spcAft>
               <a:buClr>
-                <a:srgbClr val="4590b8"/>
+                <a:srgbClr val="4590B8"/>
               </a:buClr>
               <a:buSzPct val="92000"/>
               <a:buFont typeface="Wingdings 2" charset="2"/>
               <a:buChar char=""/>
             </a:pPr>
             <a:r>
-              <a:rPr b="0" lang="pt-BR" sz="2400" spc="-1" strike="noStrike">
+              <a:rPr lang="pt-BR" sz="2400" b="0" strike="noStrike" spc="-1">
                 <a:solidFill>
-                  <a:srgbClr val="3d3d3d"/>
+                  <a:srgbClr val="3D3D3D"/>
                 </a:solidFill>
                 <a:latin typeface="Gill Sans MT"/>
               </a:rPr>
               <a:t>Comece com amigos e familiares</a:t>
             </a:r>
-            <a:endParaRPr b="0" lang="pt-BR" sz="2400" spc="-1" strike="noStrike">
+            <a:endParaRPr lang="pt-BR" sz="2400" b="0" strike="noStrike" spc="-1">
               <a:latin typeface="Arial"/>
             </a:endParaRPr>
           </a:p>
@@ -5263,22 +6230,22 @@
                 <a:spcPts val="601"/>
               </a:spcAft>
               <a:buClr>
-                <a:srgbClr val="4590b8"/>
+                <a:srgbClr val="4590B8"/>
               </a:buClr>
               <a:buSzPct val="92000"/>
               <a:buFont typeface="Wingdings 2" charset="2"/>
               <a:buChar char=""/>
             </a:pPr>
             <a:r>
-              <a:rPr b="0" lang="pt-BR" sz="2400" spc="-1" strike="noStrike">
+              <a:rPr lang="pt-BR" sz="2400" b="0" strike="noStrike" spc="-1">
                 <a:solidFill>
-                  <a:srgbClr val="3d3d3d"/>
+                  <a:srgbClr val="3D3D3D"/>
                 </a:solidFill>
                 <a:latin typeface="Gill Sans MT"/>
               </a:rPr>
               <a:t>Compartilhe com professores de escolas e colegas de sala</a:t>
             </a:r>
-            <a:endParaRPr b="0" lang="pt-BR" sz="2400" spc="-1" strike="noStrike">
+            <a:endParaRPr lang="pt-BR" sz="2400" b="0" strike="noStrike" spc="-1">
               <a:latin typeface="Arial"/>
             </a:endParaRPr>
           </a:p>
@@ -5294,22 +6261,22 @@
                 <a:spcPts val="601"/>
               </a:spcAft>
               <a:buClr>
-                <a:srgbClr val="4590b8"/>
+                <a:srgbClr val="4590B8"/>
               </a:buClr>
               <a:buSzPct val="92000"/>
               <a:buFont typeface="Wingdings 2" charset="2"/>
               <a:buChar char=""/>
             </a:pPr>
             <a:r>
-              <a:rPr b="0" i="1" lang="pt-BR" sz="2400" spc="-1" strike="noStrike">
+              <a:rPr lang="pt-BR" sz="2400" b="0" i="1" strike="noStrike" spc="-1">
                 <a:solidFill>
-                  <a:srgbClr val="ff0000"/>
+                  <a:srgbClr val="FF0000"/>
                 </a:solidFill>
                 <a:latin typeface="Gill Sans MT"/>
               </a:rPr>
               <a:t>E principalmente com quem pode usar a sua solução inovadora</a:t>
             </a:r>
-            <a:endParaRPr b="0" lang="pt-BR" sz="2400" spc="-1" strike="noStrike">
+            <a:endParaRPr lang="pt-BR" sz="2400" b="0" strike="noStrike" spc="-1">
               <a:latin typeface="Arial"/>
             </a:endParaRPr>
           </a:p>
@@ -5335,13 +6302,20 @@
           </a:ln>
         </p:spPr>
         <p:style>
-          <a:lnRef idx="0"/>
-          <a:fillRef idx="0"/>
-          <a:effectRef idx="0"/>
+          <a:lnRef idx="0">
+            <a:scrgbClr r="0" g="0" b="0"/>
+          </a:lnRef>
+          <a:fillRef idx="0">
+            <a:scrgbClr r="0" g="0" b="0"/>
+          </a:fillRef>
+          <a:effectRef idx="0">
+            <a:scrgbClr r="0" g="0" b="0"/>
+          </a:effectRef>
           <a:fontRef idx="minor"/>
         </p:style>
         <p:txBody>
-          <a:bodyPr lIns="90000" rIns="90000" tIns="45000" bIns="45000"/>
+          <a:bodyPr lIns="90000" tIns="45000" rIns="90000" bIns="45000"/>
+          <a:lstStyle/>
           <a:p>
             <a:pPr>
               <a:lnSpc>
@@ -5349,15 +6323,15 @@
               </a:lnSpc>
             </a:pPr>
             <a:fld id="{0EC0E7EF-0821-494D-83AD-2F1067661F10}" type="slidenum">
-              <a:rPr b="0" lang="pt-BR" sz="1800" spc="-1" strike="noStrike">
+              <a:rPr lang="pt-BR" sz="1800" b="0" strike="noStrike" spc="-1">
                 <a:solidFill>
-                  <a:srgbClr val="537ed0"/>
+                  <a:srgbClr val="537ED0"/>
                 </a:solidFill>
                 <a:latin typeface="Gill Sans MT"/>
               </a:rPr>
-              <a:t>&lt;número&gt;</a:t>
+              <a:t>4</a:t>
             </a:fld>
-            <a:endParaRPr b="0" lang="pt-BR" sz="1800" spc="-1" strike="noStrike">
+            <a:endParaRPr lang="pt-BR" sz="1800" b="0" strike="noStrike" spc="-1">
               <a:latin typeface="Arial"/>
             </a:endParaRPr>
           </a:p>
@@ -5365,12 +6339,12 @@
       </p:sp>
       <p:pic>
         <p:nvPicPr>
-          <p:cNvPr id="110" name="Picture 5" descr=""/>
+          <p:cNvPr id="110" name="Picture 5"/>
           <p:cNvPicPr/>
           <p:nvPr/>
         </p:nvPicPr>
         <p:blipFill>
-          <a:blip r:embed="rId1"/>
+          <a:blip r:embed="rId2"/>
           <a:stretch/>
         </p:blipFill>
         <p:spPr>
@@ -5406,13 +6380,20 @@
           </a:ln>
         </p:spPr>
         <p:style>
-          <a:lnRef idx="0"/>
-          <a:fillRef idx="0"/>
-          <a:effectRef idx="0"/>
+          <a:lnRef idx="0">
+            <a:scrgbClr r="0" g="0" b="0"/>
+          </a:lnRef>
+          <a:fillRef idx="0">
+            <a:scrgbClr r="0" g="0" b="0"/>
+          </a:fillRef>
+          <a:effectRef idx="0">
+            <a:scrgbClr r="0" g="0" b="0"/>
+          </a:effectRef>
           <a:fontRef idx="minor"/>
         </p:style>
         <p:txBody>
-          <a:bodyPr lIns="90000" rIns="90000" tIns="45000" bIns="45000"/>
+          <a:bodyPr lIns="90000" tIns="45000" rIns="90000" bIns="45000"/>
+          <a:lstStyle/>
           <a:p>
             <a:pPr>
               <a:lnSpc>
@@ -5420,16 +6401,16 @@
               </a:lnSpc>
             </a:pPr>
             <a:r>
-              <a:rPr b="0" lang="pt-BR" sz="1800" spc="-1" strike="noStrike">
+              <a:rPr lang="pt-BR" sz="1800" b="0" strike="noStrike" spc="-1">
                 <a:solidFill>
-                  <a:srgbClr val="537ed0"/>
+                  <a:srgbClr val="537ED0"/>
                 </a:solidFill>
                 <a:latin typeface="Gill Sans MT"/>
                 <a:ea typeface="DejaVu Sans"/>
               </a:rPr>
               <a:t>© 2018, FLL Tutorials (Última edição em 28/08/2018)</a:t>
             </a:r>
-            <a:endParaRPr b="0" lang="pt-BR" sz="1800" spc="-1" strike="noStrike">
+            <a:endParaRPr lang="pt-BR" sz="1800" b="0" strike="noStrike" spc="-1">
               <a:latin typeface="Arial"/>
             </a:endParaRPr>
           </a:p>
@@ -5437,22 +6418,25 @@
       </p:sp>
     </p:spTree>
   </p:cSld>
+  <p:clrMapOvr>
+    <a:masterClrMapping/>
+  </p:clrMapOvr>
   <p:timing>
     <p:tnLst>
       <p:par>
-        <p:cTn id="7" dur="indefinite" restart="never" nodeType="tmRoot">
+        <p:cTn id="1" dur="indefinite" restart="never" nodeType="tmRoot">
           <p:childTnLst>
             <p:seq>
-              <p:cTn id="8" dur="indefinite" nodeType="mainSeq"/>
+              <p:cTn id="2" dur="indefinite" nodeType="mainSeq"/>
               <p:prevCondLst>
-                <p:cond delay="0" evt="onPrev">
+                <p:cond evt="onPrev" delay="0">
                   <p:tgtEl>
                     <p:sldTgt/>
                   </p:tgtEl>
                 </p:cond>
               </p:prevCondLst>
               <p:nextCondLst>
-                <p:cond delay="0" evt="onNext">
+                <p:cond evt="onNext" delay="0">
                   <p:tgtEl>
                     <p:sldTgt/>
                   </p:tgtEl>
@@ -5468,7 +6452,7 @@
 </file>
 
 <file path=ppt/slides/slide5.xml><?xml version="1.0" encoding="utf-8"?>
-<p:sld xmlns:a="http://schemas.openxmlformats.org/drawingml/2006/main" xmlns:p="http://schemas.openxmlformats.org/presentationml/2006/main" xmlns:r="http://schemas.openxmlformats.org/officeDocument/2006/relationships" xmlns:p14="http://schemas.microsoft.com/office/powerpoint/2010/main" xmlns:p15="http://schemas.microsoft.com/office/powerpoint/2012/main" xmlns:mc="http://schemas.openxmlformats.org/markup-compatibility/2006">
+<p:sld xmlns:a="http://schemas.openxmlformats.org/drawingml/2006/main" xmlns:r="http://schemas.openxmlformats.org/officeDocument/2006/relationships" xmlns:p="http://schemas.openxmlformats.org/presentationml/2006/main">
   <p:cSld>
     <p:spTree>
       <p:nvGrpSpPr>
@@ -5504,13 +6488,20 @@
           </a:ln>
         </p:spPr>
         <p:style>
-          <a:lnRef idx="0"/>
-          <a:fillRef idx="0"/>
-          <a:effectRef idx="0"/>
+          <a:lnRef idx="0">
+            <a:scrgbClr r="0" g="0" b="0"/>
+          </a:lnRef>
+          <a:fillRef idx="0">
+            <a:scrgbClr r="0" g="0" b="0"/>
+          </a:fillRef>
+          <a:effectRef idx="0">
+            <a:scrgbClr r="0" g="0" b="0"/>
+          </a:effectRef>
           <a:fontRef idx="minor"/>
         </p:style>
         <p:txBody>
-          <a:bodyPr lIns="90000" rIns="90000" tIns="45000" bIns="45000" anchor="b"/>
+          <a:bodyPr lIns="90000" tIns="45000" rIns="90000" bIns="45000" anchor="b"/>
+          <a:lstStyle/>
           <a:p>
             <a:pPr>
               <a:lnSpc>
@@ -5518,15 +6509,15 @@
               </a:lnSpc>
             </a:pPr>
             <a:r>
-              <a:rPr b="0" lang="pt-BR" sz="2800" spc="-1" strike="noStrike" cap="all">
+              <a:rPr lang="pt-BR" sz="2800" b="0" strike="noStrike" cap="all" spc="-1">
                 <a:solidFill>
-                  <a:srgbClr val="ffffff"/>
+                  <a:srgbClr val="FFFFFF"/>
                 </a:solidFill>
                 <a:latin typeface="Gill Sans MT"/>
               </a:rPr>
               <a:t>Exemplo</a:t>
             </a:r>
-            <a:endParaRPr b="0" lang="pt-BR" sz="2800" spc="-1" strike="noStrike">
+            <a:endParaRPr lang="pt-BR" sz="2800" b="0" strike="noStrike" spc="-1">
               <a:latin typeface="Arial"/>
             </a:endParaRPr>
           </a:p>
@@ -5552,15 +6543,22 @@
           </a:ln>
         </p:spPr>
         <p:style>
-          <a:lnRef idx="0"/>
-          <a:fillRef idx="0"/>
-          <a:effectRef idx="0"/>
+          <a:lnRef idx="0">
+            <a:scrgbClr r="0" g="0" b="0"/>
+          </a:lnRef>
+          <a:fillRef idx="0">
+            <a:scrgbClr r="0" g="0" b="0"/>
+          </a:fillRef>
+          <a:effectRef idx="0">
+            <a:scrgbClr r="0" g="0" b="0"/>
+          </a:effectRef>
           <a:fontRef idx="minor"/>
         </p:style>
         <p:txBody>
-          <a:bodyPr lIns="90000" rIns="90000" tIns="45000" bIns="45000">
-            <a:normAutofit/>
+          <a:bodyPr lIns="90000" tIns="45000" rIns="90000" bIns="45000">
+            <a:noAutofit/>
           </a:bodyPr>
+          <a:lstStyle/>
           <a:p>
             <a:pPr marL="306000" indent="-305280">
               <a:lnSpc>
@@ -5573,31 +6571,31 @@
                 <a:spcPts val="601"/>
               </a:spcAft>
               <a:buClr>
-                <a:srgbClr val="4590b8"/>
+                <a:srgbClr val="4590B8"/>
               </a:buClr>
               <a:buSzPct val="92000"/>
               <a:buFont typeface="Wingdings 2" charset="2"/>
               <a:buChar char=""/>
             </a:pPr>
             <a:r>
-              <a:rPr b="1" lang="pt-BR" sz="3600" spc="-1" strike="noStrike">
+              <a:rPr lang="pt-BR" sz="1600" b="1" strike="noStrike" spc="-1" dirty="0">
                 <a:solidFill>
-                  <a:srgbClr val="3d3d3d"/>
+                  <a:srgbClr val="3D3D3D"/>
                 </a:solidFill>
                 <a:latin typeface="Gill Sans MT"/>
               </a:rPr>
               <a:t>Projeto: </a:t>
             </a:r>
             <a:r>
-              <a:rPr b="0" lang="pt-BR" sz="3600" spc="-1" strike="noStrike">
+              <a:rPr lang="pt-BR" sz="1600" b="0" strike="noStrike" spc="-1" dirty="0">
                 <a:solidFill>
-                  <a:srgbClr val="3d3d3d"/>
+                  <a:srgbClr val="3D3D3D"/>
                 </a:solidFill>
                 <a:latin typeface="Gill Sans MT"/>
               </a:rPr>
               <a:t>Morcegos mortos por turbinas</a:t>
             </a:r>
-            <a:endParaRPr b="0" lang="pt-BR" sz="3600" spc="-1" strike="noStrike">
+            <a:endParaRPr lang="pt-BR" sz="1600" b="0" strike="noStrike" spc="-1" dirty="0">
               <a:latin typeface="Arial"/>
             </a:endParaRPr>
           </a:p>
@@ -5613,31 +6611,31 @@
                 <a:spcPts val="601"/>
               </a:spcAft>
               <a:buClr>
-                <a:srgbClr val="4590b8"/>
+                <a:srgbClr val="4590B8"/>
               </a:buClr>
               <a:buSzPct val="92000"/>
               <a:buFont typeface="Wingdings 2" charset="2"/>
               <a:buChar char=""/>
             </a:pPr>
             <a:r>
-              <a:rPr b="1" lang="pt-BR" sz="3600" spc="-1" strike="noStrike">
+              <a:rPr lang="pt-BR" sz="1600" b="1" strike="noStrike" spc="-1" dirty="0">
                 <a:solidFill>
-                  <a:srgbClr val="3d3d3d"/>
+                  <a:srgbClr val="3D3D3D"/>
                 </a:solidFill>
                 <a:latin typeface="Gill Sans MT"/>
               </a:rPr>
               <a:t>Compartilhamento: </a:t>
             </a:r>
             <a:r>
-              <a:rPr b="0" lang="pt-BR" sz="3600" spc="-1" strike="noStrike">
+              <a:rPr lang="pt-BR" sz="1600" b="0" strike="noStrike" spc="-1" dirty="0">
                 <a:solidFill>
-                  <a:srgbClr val="3d3d3d"/>
+                  <a:srgbClr val="3D3D3D"/>
                 </a:solidFill>
                 <a:latin typeface="Gill Sans MT"/>
               </a:rPr>
               <a:t>Operadores de turbinas</a:t>
             </a:r>
-            <a:endParaRPr b="0" lang="pt-BR" sz="3600" spc="-1" strike="noStrike">
+            <a:endParaRPr lang="pt-BR" sz="1600" b="0" strike="noStrike" spc="-1" dirty="0">
               <a:latin typeface="Arial"/>
             </a:endParaRPr>
           </a:p>
@@ -5653,7 +6651,7 @@
                 <a:spcPts val="601"/>
               </a:spcAft>
             </a:pPr>
-            <a:endParaRPr b="0" lang="pt-BR" sz="3600" spc="-1" strike="noStrike">
+            <a:endParaRPr lang="pt-BR" sz="1600" b="0" strike="noStrike" spc="-1" dirty="0">
               <a:latin typeface="Arial"/>
             </a:endParaRPr>
           </a:p>
@@ -5669,31 +6667,31 @@
                 <a:spcPts val="601"/>
               </a:spcAft>
               <a:buClr>
-                <a:srgbClr val="4590b8"/>
+                <a:srgbClr val="4590B8"/>
               </a:buClr>
               <a:buSzPct val="92000"/>
               <a:buFont typeface="Wingdings 2" charset="2"/>
               <a:buChar char=""/>
             </a:pPr>
             <a:r>
-              <a:rPr b="1" lang="pt-BR" sz="3600" spc="-1" strike="noStrike">
+              <a:rPr lang="pt-BR" sz="1600" b="1" strike="noStrike" spc="-1" dirty="0">
                 <a:solidFill>
-                  <a:srgbClr val="3d3d3d"/>
+                  <a:srgbClr val="3D3D3D"/>
                 </a:solidFill>
                 <a:latin typeface="Gill Sans MT"/>
               </a:rPr>
               <a:t>Projeto: </a:t>
             </a:r>
             <a:r>
-              <a:rPr b="0" lang="pt-BR" sz="3600" spc="-1" strike="noStrike">
+              <a:rPr lang="pt-BR" sz="1600" b="0" strike="noStrike" spc="-1" dirty="0">
                 <a:solidFill>
-                  <a:srgbClr val="3d3d3d"/>
+                  <a:srgbClr val="3D3D3D"/>
                 </a:solidFill>
                 <a:latin typeface="Gill Sans MT"/>
               </a:rPr>
               <a:t>Cinzas das nuvens causando danos aos motores</a:t>
             </a:r>
-            <a:endParaRPr b="0" lang="pt-BR" sz="3600" spc="-1" strike="noStrike">
+            <a:endParaRPr lang="pt-BR" sz="1600" b="0" strike="noStrike" spc="-1" dirty="0">
               <a:latin typeface="Arial"/>
             </a:endParaRPr>
           </a:p>
@@ -5709,31 +6707,31 @@
                 <a:spcPts val="601"/>
               </a:spcAft>
               <a:buClr>
-                <a:srgbClr val="4590b8"/>
+                <a:srgbClr val="4590B8"/>
               </a:buClr>
               <a:buSzPct val="92000"/>
               <a:buFont typeface="Wingdings 2" charset="2"/>
               <a:buChar char=""/>
             </a:pPr>
             <a:r>
-              <a:rPr b="1" lang="pt-BR" sz="3600" spc="-1" strike="noStrike">
+              <a:rPr lang="pt-BR" sz="1600" b="1" strike="noStrike" spc="-1" dirty="0">
                 <a:solidFill>
-                  <a:srgbClr val="3d3d3d"/>
+                  <a:srgbClr val="3D3D3D"/>
                 </a:solidFill>
                 <a:latin typeface="Gill Sans MT"/>
               </a:rPr>
               <a:t>Compartilhamento:</a:t>
             </a:r>
             <a:r>
-              <a:rPr b="0" lang="pt-BR" sz="3600" spc="-1" strike="noStrike">
+              <a:rPr lang="pt-BR" sz="1600" b="0" strike="noStrike" spc="-1" dirty="0">
                 <a:solidFill>
-                  <a:srgbClr val="3d3d3d"/>
+                  <a:srgbClr val="3D3D3D"/>
                 </a:solidFill>
                 <a:latin typeface="Gill Sans MT"/>
               </a:rPr>
               <a:t> Operadores de linhas áreas</a:t>
             </a:r>
-            <a:endParaRPr b="0" lang="pt-BR" sz="3600" spc="-1" strike="noStrike">
+            <a:endParaRPr lang="pt-BR" sz="1600" b="0" strike="noStrike" spc="-1" dirty="0">
               <a:latin typeface="Arial"/>
             </a:endParaRPr>
           </a:p>
@@ -5749,7 +6747,7 @@
                 <a:spcPts val="601"/>
               </a:spcAft>
             </a:pPr>
-            <a:endParaRPr b="0" lang="pt-BR" sz="3600" spc="-1" strike="noStrike">
+            <a:endParaRPr lang="pt-BR" sz="1600" b="0" strike="noStrike" spc="-1" dirty="0">
               <a:latin typeface="Arial"/>
             </a:endParaRPr>
           </a:p>
@@ -5765,31 +6763,31 @@
                 <a:spcPts val="601"/>
               </a:spcAft>
               <a:buClr>
-                <a:srgbClr val="4590b8"/>
+                <a:srgbClr val="4590B8"/>
               </a:buClr>
               <a:buSzPct val="92000"/>
               <a:buFont typeface="Wingdings 2" charset="2"/>
               <a:buChar char=""/>
             </a:pPr>
             <a:r>
-              <a:rPr b="1" lang="pt-BR" sz="3600" spc="-1" strike="noStrike">
+              <a:rPr lang="pt-BR" sz="1600" b="1" strike="noStrike" spc="-1" dirty="0">
                 <a:solidFill>
-                  <a:srgbClr val="3d3d3d"/>
+                  <a:srgbClr val="3D3D3D"/>
                 </a:solidFill>
                 <a:latin typeface="Gill Sans MT"/>
               </a:rPr>
               <a:t>Projeto: </a:t>
             </a:r>
             <a:r>
-              <a:rPr b="0" lang="pt-BR" sz="3600" spc="-1" strike="noStrike">
+              <a:rPr lang="pt-BR" sz="1600" b="0" strike="noStrike" spc="-1" dirty="0">
                 <a:solidFill>
-                  <a:srgbClr val="3d3d3d"/>
+                  <a:srgbClr val="3D3D3D"/>
                 </a:solidFill>
                 <a:latin typeface="Gill Sans MT"/>
               </a:rPr>
               <a:t>Cidadãos idosos que precisam de lembretes</a:t>
             </a:r>
-            <a:endParaRPr b="0" lang="pt-BR" sz="3600" spc="-1" strike="noStrike">
+            <a:endParaRPr lang="pt-BR" sz="1600" b="0" strike="noStrike" spc="-1" dirty="0">
               <a:latin typeface="Arial"/>
             </a:endParaRPr>
           </a:p>
@@ -5805,31 +6803,31 @@
                 <a:spcPts val="601"/>
               </a:spcAft>
               <a:buClr>
-                <a:srgbClr val="4590b8"/>
+                <a:srgbClr val="4590B8"/>
               </a:buClr>
               <a:buSzPct val="92000"/>
               <a:buFont typeface="Wingdings 2" charset="2"/>
               <a:buChar char=""/>
             </a:pPr>
             <a:r>
-              <a:rPr b="1" lang="pt-BR" sz="3600" spc="-1" strike="noStrike">
+              <a:rPr lang="pt-BR" sz="1600" b="1" strike="noStrike" spc="-1" dirty="0">
                 <a:solidFill>
-                  <a:srgbClr val="3d3d3d"/>
+                  <a:srgbClr val="3D3D3D"/>
                 </a:solidFill>
                 <a:latin typeface="Gill Sans MT"/>
               </a:rPr>
               <a:t>Compartilhamento: </a:t>
             </a:r>
             <a:r>
-              <a:rPr b="0" lang="pt-BR" sz="3600" spc="-1" strike="noStrike">
+              <a:rPr lang="pt-BR" sz="1600" b="0" strike="noStrike" spc="-1" dirty="0">
                 <a:solidFill>
-                  <a:srgbClr val="3d3d3d"/>
+                  <a:srgbClr val="3D3D3D"/>
                 </a:solidFill>
                 <a:latin typeface="Gill Sans MT"/>
               </a:rPr>
               <a:t>Seus próprios avós e lares de idosos </a:t>
             </a:r>
-            <a:endParaRPr b="0" lang="pt-BR" sz="3600" spc="-1" strike="noStrike">
+            <a:endParaRPr lang="pt-BR" sz="1600" b="0" strike="noStrike" spc="-1" dirty="0">
               <a:latin typeface="Arial"/>
             </a:endParaRPr>
           </a:p>
@@ -5855,13 +6853,20 @@
           </a:ln>
         </p:spPr>
         <p:style>
-          <a:lnRef idx="0"/>
-          <a:fillRef idx="0"/>
-          <a:effectRef idx="0"/>
+          <a:lnRef idx="0">
+            <a:scrgbClr r="0" g="0" b="0"/>
+          </a:lnRef>
+          <a:fillRef idx="0">
+            <a:scrgbClr r="0" g="0" b="0"/>
+          </a:fillRef>
+          <a:effectRef idx="0">
+            <a:scrgbClr r="0" g="0" b="0"/>
+          </a:effectRef>
           <a:fontRef idx="minor"/>
         </p:style>
         <p:txBody>
-          <a:bodyPr lIns="90000" rIns="90000" tIns="45000" bIns="45000"/>
+          <a:bodyPr lIns="90000" tIns="45000" rIns="90000" bIns="45000"/>
+          <a:lstStyle/>
           <a:p>
             <a:pPr>
               <a:lnSpc>
@@ -5869,15 +6874,15 @@
               </a:lnSpc>
             </a:pPr>
             <a:fld id="{F1E8FC2A-FD17-44D1-9AD1-DE62AFEB2572}" type="slidenum">
-              <a:rPr b="0" lang="pt-BR" sz="1800" spc="-1" strike="noStrike">
+              <a:rPr lang="pt-BR" sz="1800" b="0" strike="noStrike" spc="-1">
                 <a:solidFill>
-                  <a:srgbClr val="537ed0"/>
+                  <a:srgbClr val="537ED0"/>
                 </a:solidFill>
                 <a:latin typeface="Gill Sans MT"/>
               </a:rPr>
-              <a:t>&lt;número&gt;</a:t>
+              <a:t>5</a:t>
             </a:fld>
-            <a:endParaRPr b="0" lang="pt-BR" sz="1800" spc="-1" strike="noStrike">
+            <a:endParaRPr lang="pt-BR" sz="1800" b="0" strike="noStrike" spc="-1">
               <a:latin typeface="Arial"/>
             </a:endParaRPr>
           </a:p>
@@ -5885,12 +6890,12 @@
       </p:sp>
       <p:pic>
         <p:nvPicPr>
-          <p:cNvPr id="115" name="Picture 5" descr=""/>
+          <p:cNvPr id="115" name="Picture 5"/>
           <p:cNvPicPr/>
           <p:nvPr/>
         </p:nvPicPr>
         <p:blipFill>
-          <a:blip r:embed="rId1"/>
+          <a:blip r:embed="rId2"/>
           <a:stretch/>
         </p:blipFill>
         <p:spPr>
@@ -5926,13 +6931,20 @@
           </a:ln>
         </p:spPr>
         <p:style>
-          <a:lnRef idx="0"/>
-          <a:fillRef idx="0"/>
-          <a:effectRef idx="0"/>
+          <a:lnRef idx="0">
+            <a:scrgbClr r="0" g="0" b="0"/>
+          </a:lnRef>
+          <a:fillRef idx="0">
+            <a:scrgbClr r="0" g="0" b="0"/>
+          </a:fillRef>
+          <a:effectRef idx="0">
+            <a:scrgbClr r="0" g="0" b="0"/>
+          </a:effectRef>
           <a:fontRef idx="minor"/>
         </p:style>
         <p:txBody>
-          <a:bodyPr lIns="90000" rIns="90000" tIns="45000" bIns="45000"/>
+          <a:bodyPr lIns="90000" tIns="45000" rIns="90000" bIns="45000"/>
+          <a:lstStyle/>
           <a:p>
             <a:pPr>
               <a:lnSpc>
@@ -5940,16 +6952,16 @@
               </a:lnSpc>
             </a:pPr>
             <a:r>
-              <a:rPr b="0" lang="pt-BR" sz="1800" spc="-1" strike="noStrike">
+              <a:rPr lang="pt-BR" sz="1800" b="0" strike="noStrike" spc="-1">
                 <a:solidFill>
-                  <a:srgbClr val="537ed0"/>
+                  <a:srgbClr val="537ED0"/>
                 </a:solidFill>
                 <a:latin typeface="Gill Sans MT"/>
                 <a:ea typeface="DejaVu Sans"/>
               </a:rPr>
               <a:t>© 2018, FLL Tutorials (Última edição em 28/08/2018)</a:t>
             </a:r>
-            <a:endParaRPr b="0" lang="pt-BR" sz="1800" spc="-1" strike="noStrike">
+            <a:endParaRPr lang="pt-BR" sz="1800" b="0" strike="noStrike" spc="-1">
               <a:latin typeface="Arial"/>
             </a:endParaRPr>
           </a:p>
@@ -5957,22 +6969,25 @@
       </p:sp>
     </p:spTree>
   </p:cSld>
+  <p:clrMapOvr>
+    <a:masterClrMapping/>
+  </p:clrMapOvr>
   <p:timing>
     <p:tnLst>
       <p:par>
-        <p:cTn id="9" dur="indefinite" restart="never" nodeType="tmRoot">
+        <p:cTn id="1" dur="indefinite" restart="never" nodeType="tmRoot">
           <p:childTnLst>
             <p:seq>
-              <p:cTn id="10" dur="indefinite" nodeType="mainSeq"/>
+              <p:cTn id="2" dur="indefinite" nodeType="mainSeq"/>
               <p:prevCondLst>
-                <p:cond delay="0" evt="onPrev">
+                <p:cond evt="onPrev" delay="0">
                   <p:tgtEl>
                     <p:sldTgt/>
                   </p:tgtEl>
                 </p:cond>
               </p:prevCondLst>
               <p:nextCondLst>
-                <p:cond delay="0" evt="onNext">
+                <p:cond evt="onNext" delay="0">
                   <p:tgtEl>
                     <p:sldTgt/>
                   </p:tgtEl>
@@ -5988,7 +7003,7 @@
 </file>
 
 <file path=ppt/slides/slide6.xml><?xml version="1.0" encoding="utf-8"?>
-<p:sld xmlns:a="http://schemas.openxmlformats.org/drawingml/2006/main" xmlns:p="http://schemas.openxmlformats.org/presentationml/2006/main" xmlns:r="http://schemas.openxmlformats.org/officeDocument/2006/relationships" xmlns:p14="http://schemas.microsoft.com/office/powerpoint/2010/main" xmlns:p15="http://schemas.microsoft.com/office/powerpoint/2012/main" xmlns:mc="http://schemas.openxmlformats.org/markup-compatibility/2006">
+<p:sld xmlns:a="http://schemas.openxmlformats.org/drawingml/2006/main" xmlns:r="http://schemas.openxmlformats.org/officeDocument/2006/relationships" xmlns:p="http://schemas.openxmlformats.org/presentationml/2006/main">
   <p:cSld>
     <p:spTree>
       <p:nvGrpSpPr>
@@ -6024,13 +7039,20 @@
           </a:ln>
         </p:spPr>
         <p:style>
-          <a:lnRef idx="0"/>
-          <a:fillRef idx="0"/>
-          <a:effectRef idx="0"/>
+          <a:lnRef idx="0">
+            <a:scrgbClr r="0" g="0" b="0"/>
+          </a:lnRef>
+          <a:fillRef idx="0">
+            <a:scrgbClr r="0" g="0" b="0"/>
+          </a:fillRef>
+          <a:effectRef idx="0">
+            <a:scrgbClr r="0" g="0" b="0"/>
+          </a:effectRef>
           <a:fontRef idx="minor"/>
         </p:style>
         <p:txBody>
-          <a:bodyPr lIns="90000" rIns="90000" tIns="45000" bIns="45000" anchor="b"/>
+          <a:bodyPr lIns="90000" tIns="45000" rIns="90000" bIns="45000" anchor="b"/>
+          <a:lstStyle/>
           <a:p>
             <a:pPr>
               <a:lnSpc>
@@ -6038,15 +7060,15 @@
               </a:lnSpc>
             </a:pPr>
             <a:r>
-              <a:rPr b="0" lang="pt-BR" sz="2800" spc="-1" strike="noStrike" cap="all">
+              <a:rPr lang="pt-BR" sz="2800" b="0" strike="noStrike" cap="all" spc="-1">
                 <a:solidFill>
-                  <a:srgbClr val="ffffff"/>
+                  <a:srgbClr val="FFFFFF"/>
                 </a:solidFill>
                 <a:latin typeface="Gill Sans MT"/>
               </a:rPr>
               <a:t>Como compartilhar seu projeto</a:t>
             </a:r>
-            <a:endParaRPr b="0" lang="pt-BR" sz="2800" spc="-1" strike="noStrike">
+            <a:endParaRPr lang="pt-BR" sz="2800" b="0" strike="noStrike" spc="-1">
               <a:latin typeface="Arial"/>
             </a:endParaRPr>
           </a:p>
@@ -6072,15 +7094,22 @@
           </a:ln>
         </p:spPr>
         <p:style>
-          <a:lnRef idx="0"/>
-          <a:fillRef idx="0"/>
-          <a:effectRef idx="0"/>
+          <a:lnRef idx="0">
+            <a:scrgbClr r="0" g="0" b="0"/>
+          </a:lnRef>
+          <a:fillRef idx="0">
+            <a:scrgbClr r="0" g="0" b="0"/>
+          </a:fillRef>
+          <a:effectRef idx="0">
+            <a:scrgbClr r="0" g="0" b="0"/>
+          </a:effectRef>
           <a:fontRef idx="minor"/>
         </p:style>
         <p:txBody>
-          <a:bodyPr lIns="90000" rIns="90000" tIns="45000" bIns="45000">
+          <a:bodyPr lIns="90000" tIns="45000" rIns="90000" bIns="45000">
             <a:normAutofit/>
           </a:bodyPr>
+          <a:lstStyle/>
           <a:p>
             <a:pPr marL="306000" indent="-305280">
               <a:lnSpc>
@@ -6093,27 +7122,27 @@
                 <a:spcPts val="601"/>
               </a:spcAft>
               <a:buClr>
-                <a:srgbClr val="4590b8"/>
+                <a:srgbClr val="4590B8"/>
               </a:buClr>
               <a:buSzPct val="92000"/>
               <a:buFont typeface="Wingdings 2" charset="2"/>
               <a:buChar char=""/>
             </a:pPr>
             <a:r>
-              <a:rPr b="0" lang="pt-BR" sz="2900" spc="-1" strike="noStrike">
+              <a:rPr lang="pt-BR" sz="2900" b="0" strike="noStrike" spc="-1">
                 <a:solidFill>
-                  <a:srgbClr val="3d3d3d"/>
+                  <a:srgbClr val="3D3D3D"/>
                 </a:solidFill>
                 <a:latin typeface="Gill Sans MT"/>
               </a:rPr>
               <a:t>Quando uma equipe estiver compartilhando o seu projeto</a:t>
             </a:r>
-            <a:endParaRPr b="0" lang="pt-BR" sz="2900" spc="-1" strike="noStrike">
-              <a:latin typeface="Arial"/>
-            </a:endParaRPr>
-          </a:p>
-          <a:p>
-            <a:pPr lvl="1" marL="543960" indent="-342360">
+            <a:endParaRPr lang="pt-BR" sz="2900" b="0" strike="noStrike" spc="-1">
+              <a:latin typeface="Arial"/>
+            </a:endParaRPr>
+          </a:p>
+          <a:p>
+            <a:pPr marL="543960" lvl="1" indent="-342360">
               <a:lnSpc>
                 <a:spcPct val="100000"/>
               </a:lnSpc>
@@ -6124,27 +7153,27 @@
                 <a:spcPts val="601"/>
               </a:spcAft>
               <a:buClr>
-                <a:srgbClr val="4590b8"/>
+                <a:srgbClr val="4590B8"/>
               </a:buClr>
               <a:buSzPct val="92000"/>
               <a:buFont typeface="Gill Sans MT"/>
               <a:buAutoNum type="arabicPeriod"/>
             </a:pPr>
             <a:r>
-              <a:rPr b="0" lang="pt-BR" sz="1400" spc="-1" strike="noStrike">
+              <a:rPr lang="pt-BR" sz="1400" b="0" strike="noStrike" spc="-1">
                 <a:solidFill>
-                  <a:srgbClr val="3d3d3d"/>
+                  <a:srgbClr val="3D3D3D"/>
                 </a:solidFill>
                 <a:latin typeface="Gill Sans MT"/>
               </a:rPr>
               <a:t>Apresente a equipe com entusiasmo </a:t>
             </a:r>
-            <a:endParaRPr b="0" lang="pt-BR" sz="1400" spc="-1" strike="noStrike">
-              <a:latin typeface="Arial"/>
-            </a:endParaRPr>
-          </a:p>
-          <a:p>
-            <a:pPr lvl="1" marL="543960" indent="-342360">
+            <a:endParaRPr lang="pt-BR" sz="1400" b="0" strike="noStrike" spc="-1">
+              <a:latin typeface="Arial"/>
+            </a:endParaRPr>
+          </a:p>
+          <a:p>
+            <a:pPr marL="543960" lvl="1" indent="-342360">
               <a:lnSpc>
                 <a:spcPct val="100000"/>
               </a:lnSpc>
@@ -6155,27 +7184,27 @@
                 <a:spcPts val="601"/>
               </a:spcAft>
               <a:buClr>
-                <a:srgbClr val="4590b8"/>
+                <a:srgbClr val="4590B8"/>
               </a:buClr>
               <a:buSzPct val="92000"/>
               <a:buFont typeface="Gill Sans MT"/>
               <a:buAutoNum type="arabicPeriod"/>
             </a:pPr>
             <a:r>
-              <a:rPr b="0" lang="pt-BR" sz="1400" spc="-1" strike="noStrike">
+              <a:rPr lang="pt-BR" sz="1400" b="0" strike="noStrike" spc="-1">
                 <a:solidFill>
-                  <a:srgbClr val="3d3d3d"/>
+                  <a:srgbClr val="3D3D3D"/>
                 </a:solidFill>
                 <a:latin typeface="Gill Sans MT"/>
               </a:rPr>
               <a:t>Expliquem a FIRST LEGO League</a:t>
             </a:r>
-            <a:endParaRPr b="0" lang="pt-BR" sz="1400" spc="-1" strike="noStrike">
-              <a:latin typeface="Arial"/>
-            </a:endParaRPr>
-          </a:p>
-          <a:p>
-            <a:pPr lvl="1" marL="543960" indent="-342360">
+            <a:endParaRPr lang="pt-BR" sz="1400" b="0" strike="noStrike" spc="-1">
+              <a:latin typeface="Arial"/>
+            </a:endParaRPr>
+          </a:p>
+          <a:p>
+            <a:pPr marL="543960" lvl="1" indent="-342360">
               <a:lnSpc>
                 <a:spcPct val="100000"/>
               </a:lnSpc>
@@ -6186,27 +7215,27 @@
                 <a:spcPts val="601"/>
               </a:spcAft>
               <a:buClr>
-                <a:srgbClr val="4590b8"/>
+                <a:srgbClr val="4590B8"/>
               </a:buClr>
               <a:buSzPct val="92000"/>
               <a:buFont typeface="Gill Sans MT"/>
               <a:buAutoNum type="arabicPeriod"/>
             </a:pPr>
             <a:r>
-              <a:rPr b="0" lang="pt-BR" sz="1400" spc="-1" strike="noStrike">
+              <a:rPr lang="pt-BR" sz="1400" b="0" strike="noStrike" spc="-1">
                 <a:solidFill>
-                  <a:srgbClr val="3d3d3d"/>
+                  <a:srgbClr val="3D3D3D"/>
                 </a:solidFill>
                 <a:latin typeface="Gill Sans MT"/>
               </a:rPr>
               <a:t>Expliquem o tema da temporada</a:t>
             </a:r>
-            <a:endParaRPr b="0" lang="pt-BR" sz="1400" spc="-1" strike="noStrike">
-              <a:latin typeface="Arial"/>
-            </a:endParaRPr>
-          </a:p>
-          <a:p>
-            <a:pPr lvl="1" marL="543960" indent="-342360">
+            <a:endParaRPr lang="pt-BR" sz="1400" b="0" strike="noStrike" spc="-1">
+              <a:latin typeface="Arial"/>
+            </a:endParaRPr>
+          </a:p>
+          <a:p>
+            <a:pPr marL="543960" lvl="1" indent="-342360">
               <a:lnSpc>
                 <a:spcPct val="100000"/>
               </a:lnSpc>
@@ -6217,27 +7246,27 @@
                 <a:spcPts val="601"/>
               </a:spcAft>
               <a:buClr>
-                <a:srgbClr val="4590b8"/>
+                <a:srgbClr val="4590B8"/>
               </a:buClr>
               <a:buSzPct val="92000"/>
               <a:buFont typeface="Gill Sans MT"/>
               <a:buAutoNum type="arabicPeriod"/>
             </a:pPr>
             <a:r>
-              <a:rPr b="0" lang="pt-BR" sz="1400" spc="-1" strike="noStrike">
+              <a:rPr lang="pt-BR" sz="1400" b="0" strike="noStrike" spc="-1">
                 <a:solidFill>
-                  <a:srgbClr val="3d3d3d"/>
+                  <a:srgbClr val="3D3D3D"/>
                 </a:solidFill>
                 <a:latin typeface="Gill Sans MT"/>
               </a:rPr>
               <a:t>Defina o problema</a:t>
             </a:r>
-            <a:endParaRPr b="0" lang="pt-BR" sz="1400" spc="-1" strike="noStrike">
-              <a:latin typeface="Arial"/>
-            </a:endParaRPr>
-          </a:p>
-          <a:p>
-            <a:pPr lvl="1" marL="543960" indent="-342360">
+            <a:endParaRPr lang="pt-BR" sz="1400" b="0" strike="noStrike" spc="-1">
+              <a:latin typeface="Arial"/>
+            </a:endParaRPr>
+          </a:p>
+          <a:p>
+            <a:pPr marL="543960" lvl="1" indent="-342360">
               <a:lnSpc>
                 <a:spcPct val="100000"/>
               </a:lnSpc>
@@ -6248,27 +7277,27 @@
                 <a:spcPts val="601"/>
               </a:spcAft>
               <a:buClr>
-                <a:srgbClr val="4590b8"/>
+                <a:srgbClr val="4590B8"/>
               </a:buClr>
               <a:buSzPct val="92000"/>
               <a:buFont typeface="Gill Sans MT"/>
               <a:buAutoNum type="arabicPeriod"/>
             </a:pPr>
             <a:r>
-              <a:rPr b="0" lang="pt-BR" sz="1400" spc="-1" strike="noStrike">
+              <a:rPr lang="pt-BR" sz="1400" b="0" strike="noStrike" spc="-1">
                 <a:solidFill>
-                  <a:srgbClr val="3d3d3d"/>
+                  <a:srgbClr val="3D3D3D"/>
                 </a:solidFill>
                 <a:latin typeface="Gill Sans MT"/>
               </a:rPr>
               <a:t>Expliquem as soluções existentes</a:t>
             </a:r>
-            <a:endParaRPr b="0" lang="pt-BR" sz="1400" spc="-1" strike="noStrike">
-              <a:latin typeface="Arial"/>
-            </a:endParaRPr>
-          </a:p>
-          <a:p>
-            <a:pPr lvl="1" marL="543960" indent="-342360">
+            <a:endParaRPr lang="pt-BR" sz="1400" b="0" strike="noStrike" spc="-1">
+              <a:latin typeface="Arial"/>
+            </a:endParaRPr>
+          </a:p>
+          <a:p>
+            <a:pPr marL="543960" lvl="1" indent="-342360">
               <a:lnSpc>
                 <a:spcPct val="100000"/>
               </a:lnSpc>
@@ -6279,27 +7308,27 @@
                 <a:spcPts val="601"/>
               </a:spcAft>
               <a:buClr>
-                <a:srgbClr val="4590b8"/>
+                <a:srgbClr val="4590B8"/>
               </a:buClr>
               <a:buSzPct val="92000"/>
               <a:buFont typeface="Gill Sans MT"/>
               <a:buAutoNum type="arabicPeriod"/>
             </a:pPr>
             <a:r>
-              <a:rPr b="0" lang="pt-BR" sz="1400" spc="-1" strike="noStrike">
+              <a:rPr lang="pt-BR" sz="1400" b="0" strike="noStrike" spc="-1">
                 <a:solidFill>
-                  <a:srgbClr val="3d3d3d"/>
+                  <a:srgbClr val="3D3D3D"/>
                 </a:solidFill>
                 <a:latin typeface="Gill Sans MT"/>
               </a:rPr>
               <a:t>Expliquem a solução</a:t>
             </a:r>
-            <a:endParaRPr b="0" lang="pt-BR" sz="1400" spc="-1" strike="noStrike">
-              <a:latin typeface="Arial"/>
-            </a:endParaRPr>
-          </a:p>
-          <a:p>
-            <a:pPr lvl="1" marL="543960" indent="-342360">
+            <a:endParaRPr lang="pt-BR" sz="1400" b="0" strike="noStrike" spc="-1">
+              <a:latin typeface="Arial"/>
+            </a:endParaRPr>
+          </a:p>
+          <a:p>
+            <a:pPr marL="543960" lvl="1" indent="-342360">
               <a:lnSpc>
                 <a:spcPct val="100000"/>
               </a:lnSpc>
@@ -6310,27 +7339,27 @@
                 <a:spcPts val="601"/>
               </a:spcAft>
               <a:buClr>
-                <a:srgbClr val="4590b8"/>
+                <a:srgbClr val="4590B8"/>
               </a:buClr>
               <a:buSzPct val="92000"/>
               <a:buFont typeface="Gill Sans MT"/>
               <a:buAutoNum type="arabicPeriod"/>
             </a:pPr>
             <a:r>
-              <a:rPr b="0" lang="pt-BR" sz="1400" spc="-1" strike="noStrike">
+              <a:rPr lang="pt-BR" sz="1400" b="0" strike="noStrike" spc="-1">
                 <a:solidFill>
-                  <a:srgbClr val="3d3d3d"/>
+                  <a:srgbClr val="3D3D3D"/>
                 </a:solidFill>
                 <a:latin typeface="Gill Sans MT"/>
               </a:rPr>
               <a:t>Expliquem porque a solução é inovadora</a:t>
             </a:r>
-            <a:endParaRPr b="0" lang="pt-BR" sz="1400" spc="-1" strike="noStrike">
-              <a:latin typeface="Arial"/>
-            </a:endParaRPr>
-          </a:p>
-          <a:p>
-            <a:pPr lvl="1" marL="543960" indent="-342360">
+            <a:endParaRPr lang="pt-BR" sz="1400" b="0" strike="noStrike" spc="-1">
+              <a:latin typeface="Arial"/>
+            </a:endParaRPr>
+          </a:p>
+          <a:p>
+            <a:pPr marL="543960" lvl="1" indent="-342360">
               <a:lnSpc>
                 <a:spcPct val="100000"/>
               </a:lnSpc>
@@ -6341,22 +7370,22 @@
                 <a:spcPts val="601"/>
               </a:spcAft>
               <a:buClr>
-                <a:srgbClr val="4590b8"/>
+                <a:srgbClr val="4590B8"/>
               </a:buClr>
               <a:buSzPct val="92000"/>
               <a:buFont typeface="Gill Sans MT"/>
               <a:buAutoNum type="arabicPeriod"/>
             </a:pPr>
             <a:r>
-              <a:rPr b="0" lang="pt-BR" sz="1400" spc="-1" strike="noStrike">
+              <a:rPr lang="pt-BR" sz="1400" b="0" strike="noStrike" spc="-1">
                 <a:solidFill>
-                  <a:srgbClr val="3d3d3d"/>
+                  <a:srgbClr val="3D3D3D"/>
                 </a:solidFill>
                 <a:latin typeface="Gill Sans MT"/>
               </a:rPr>
               <a:t>Se a equipe testou a solução e fez protótipos, expliquem os dados recolhidos e falem sobre os protótipos</a:t>
             </a:r>
-            <a:endParaRPr b="0" lang="pt-BR" sz="1400" spc="-1" strike="noStrike">
+            <a:endParaRPr lang="pt-BR" sz="1400" b="0" strike="noStrike" spc="-1">
               <a:latin typeface="Arial"/>
             </a:endParaRPr>
           </a:p>
@@ -6373,16 +7402,16 @@
               </a:spcAft>
             </a:pPr>
             <a:r>
-              <a:rPr b="1" lang="pt-BR" sz="1600" spc="-1" strike="noStrike">
+              <a:rPr lang="pt-BR" sz="1600" b="1" strike="noStrike" spc="-1">
                 <a:solidFill>
-                  <a:srgbClr val="ff0000"/>
+                  <a:srgbClr val="FF0000"/>
                 </a:solidFill>
                 <a:latin typeface="Gill Sans MT"/>
               </a:rPr>
               <a:t>Dica: </a:t>
             </a:r>
             <a:r>
-              <a:rPr b="0" lang="pt-BR" sz="1600" spc="-1" strike="noStrike">
+              <a:rPr lang="pt-BR" sz="1600" b="0" strike="noStrike" spc="-1">
                 <a:solidFill>
                   <a:srgbClr val="000000"/>
                 </a:solidFill>
@@ -6390,7 +7419,7 @@
               </a:rPr>
               <a:t>Se a sua apresentação estiver pronta, use esta oportunidade para apresentar. É prática para toda a equipe e uma oportunidade para ver o que pode se melhorar.</a:t>
             </a:r>
-            <a:endParaRPr b="0" lang="pt-BR" sz="1600" spc="-1" strike="noStrike">
+            <a:endParaRPr lang="pt-BR" sz="1600" b="0" strike="noStrike" spc="-1">
               <a:latin typeface="Arial"/>
             </a:endParaRPr>
           </a:p>
@@ -6416,13 +7445,20 @@
           </a:ln>
         </p:spPr>
         <p:style>
-          <a:lnRef idx="0"/>
-          <a:fillRef idx="0"/>
-          <a:effectRef idx="0"/>
+          <a:lnRef idx="0">
+            <a:scrgbClr r="0" g="0" b="0"/>
+          </a:lnRef>
+          <a:fillRef idx="0">
+            <a:scrgbClr r="0" g="0" b="0"/>
+          </a:fillRef>
+          <a:effectRef idx="0">
+            <a:scrgbClr r="0" g="0" b="0"/>
+          </a:effectRef>
           <a:fontRef idx="minor"/>
         </p:style>
         <p:txBody>
-          <a:bodyPr lIns="90000" rIns="90000" tIns="45000" bIns="45000"/>
+          <a:bodyPr lIns="90000" tIns="45000" rIns="90000" bIns="45000"/>
+          <a:lstStyle/>
           <a:p>
             <a:pPr>
               <a:lnSpc>
@@ -6430,15 +7466,15 @@
               </a:lnSpc>
             </a:pPr>
             <a:fld id="{E4FB5A08-FC52-4513-9F3E-999E53288B00}" type="slidenum">
-              <a:rPr b="0" lang="pt-BR" sz="1800" spc="-1" strike="noStrike">
+              <a:rPr lang="pt-BR" sz="1800" b="0" strike="noStrike" spc="-1">
                 <a:solidFill>
-                  <a:srgbClr val="537ed0"/>
+                  <a:srgbClr val="537ED0"/>
                 </a:solidFill>
                 <a:latin typeface="Gill Sans MT"/>
               </a:rPr>
-              <a:t>&lt;número&gt;</a:t>
+              <a:t>6</a:t>
             </a:fld>
-            <a:endParaRPr b="0" lang="pt-BR" sz="1800" spc="-1" strike="noStrike">
+            <a:endParaRPr lang="pt-BR" sz="1800" b="0" strike="noStrike" spc="-1">
               <a:latin typeface="Arial"/>
             </a:endParaRPr>
           </a:p>
@@ -6446,12 +7482,12 @@
       </p:sp>
       <p:pic>
         <p:nvPicPr>
-          <p:cNvPr id="120" name="Picture 8" descr=""/>
+          <p:cNvPr id="120" name="Picture 8"/>
           <p:cNvPicPr/>
           <p:nvPr/>
         </p:nvPicPr>
         <p:blipFill>
-          <a:blip r:embed="rId1"/>
+          <a:blip r:embed="rId2"/>
           <a:stretch/>
         </p:blipFill>
         <p:spPr>
@@ -6487,13 +7523,20 @@
           </a:ln>
         </p:spPr>
         <p:style>
-          <a:lnRef idx="0"/>
-          <a:fillRef idx="0"/>
-          <a:effectRef idx="0"/>
+          <a:lnRef idx="0">
+            <a:scrgbClr r="0" g="0" b="0"/>
+          </a:lnRef>
+          <a:fillRef idx="0">
+            <a:scrgbClr r="0" g="0" b="0"/>
+          </a:fillRef>
+          <a:effectRef idx="0">
+            <a:scrgbClr r="0" g="0" b="0"/>
+          </a:effectRef>
           <a:fontRef idx="minor"/>
         </p:style>
         <p:txBody>
-          <a:bodyPr lIns="90000" rIns="90000" tIns="45000" bIns="45000"/>
+          <a:bodyPr lIns="90000" tIns="45000" rIns="90000" bIns="45000"/>
+          <a:lstStyle/>
           <a:p>
             <a:pPr>
               <a:lnSpc>
@@ -6501,16 +7544,16 @@
               </a:lnSpc>
             </a:pPr>
             <a:r>
-              <a:rPr b="0" lang="pt-BR" sz="1800" spc="-1" strike="noStrike">
+              <a:rPr lang="pt-BR" sz="1800" b="0" strike="noStrike" spc="-1">
                 <a:solidFill>
-                  <a:srgbClr val="537ed0"/>
+                  <a:srgbClr val="537ED0"/>
                 </a:solidFill>
                 <a:latin typeface="Gill Sans MT"/>
                 <a:ea typeface="DejaVu Sans"/>
               </a:rPr>
               <a:t>© 2018, FLL Tutorials (Última edição em 28/08/2018)</a:t>
             </a:r>
-            <a:endParaRPr b="0" lang="pt-BR" sz="1800" spc="-1" strike="noStrike">
+            <a:endParaRPr lang="pt-BR" sz="1800" b="0" strike="noStrike" spc="-1">
               <a:latin typeface="Arial"/>
             </a:endParaRPr>
           </a:p>
@@ -6518,22 +7561,25 @@
       </p:sp>
     </p:spTree>
   </p:cSld>
+  <p:clrMapOvr>
+    <a:masterClrMapping/>
+  </p:clrMapOvr>
   <p:timing>
     <p:tnLst>
       <p:par>
-        <p:cTn id="11" dur="indefinite" restart="never" nodeType="tmRoot">
+        <p:cTn id="1" dur="indefinite" restart="never" nodeType="tmRoot">
           <p:childTnLst>
             <p:seq>
-              <p:cTn id="12" dur="indefinite" nodeType="mainSeq"/>
+              <p:cTn id="2" dur="indefinite" nodeType="mainSeq"/>
               <p:prevCondLst>
-                <p:cond delay="0" evt="onPrev">
+                <p:cond evt="onPrev" delay="0">
                   <p:tgtEl>
                     <p:sldTgt/>
                   </p:tgtEl>
                 </p:cond>
               </p:prevCondLst>
               <p:nextCondLst>
-                <p:cond delay="0" evt="onNext">
+                <p:cond evt="onNext" delay="0">
                   <p:tgtEl>
                     <p:sldTgt/>
                   </p:tgtEl>
@@ -6549,7 +7595,7 @@
 </file>
 
 <file path=ppt/slides/slide7.xml><?xml version="1.0" encoding="utf-8"?>
-<p:sld xmlns:a="http://schemas.openxmlformats.org/drawingml/2006/main" xmlns:p="http://schemas.openxmlformats.org/presentationml/2006/main" xmlns:r="http://schemas.openxmlformats.org/officeDocument/2006/relationships" xmlns:p14="http://schemas.microsoft.com/office/powerpoint/2010/main" xmlns:p15="http://schemas.microsoft.com/office/powerpoint/2012/main" xmlns:mc="http://schemas.openxmlformats.org/markup-compatibility/2006">
+<p:sld xmlns:a="http://schemas.openxmlformats.org/drawingml/2006/main" xmlns:r="http://schemas.openxmlformats.org/officeDocument/2006/relationships" xmlns:p="http://schemas.openxmlformats.org/presentationml/2006/main">
   <p:cSld>
     <p:spTree>
       <p:nvGrpSpPr>
@@ -6585,13 +7631,20 @@
           </a:ln>
         </p:spPr>
         <p:style>
-          <a:lnRef idx="0"/>
-          <a:fillRef idx="0"/>
-          <a:effectRef idx="0"/>
+          <a:lnRef idx="0">
+            <a:scrgbClr r="0" g="0" b="0"/>
+          </a:lnRef>
+          <a:fillRef idx="0">
+            <a:scrgbClr r="0" g="0" b="0"/>
+          </a:fillRef>
+          <a:effectRef idx="0">
+            <a:scrgbClr r="0" g="0" b="0"/>
+          </a:effectRef>
           <a:fontRef idx="minor"/>
         </p:style>
         <p:txBody>
-          <a:bodyPr lIns="90000" rIns="90000" tIns="45000" bIns="45000" anchor="b"/>
+          <a:bodyPr lIns="90000" tIns="45000" rIns="90000" bIns="45000" anchor="b"/>
+          <a:lstStyle/>
           <a:p>
             <a:pPr>
               <a:lnSpc>
@@ -6599,15 +7652,15 @@
               </a:lnSpc>
             </a:pPr>
             <a:r>
-              <a:rPr b="0" lang="pt-BR" sz="2800" spc="-1" strike="noStrike" cap="all">
+              <a:rPr lang="pt-BR" sz="2800" b="0" strike="noStrike" cap="all" spc="-1">
                 <a:solidFill>
-                  <a:srgbClr val="ffffff"/>
+                  <a:srgbClr val="FFFFFF"/>
                 </a:solidFill>
                 <a:latin typeface="Gill Sans MT"/>
               </a:rPr>
               <a:t>O que vem depois?</a:t>
             </a:r>
-            <a:endParaRPr b="0" lang="pt-BR" sz="2800" spc="-1" strike="noStrike">
+            <a:endParaRPr lang="pt-BR" sz="2800" b="0" strike="noStrike" spc="-1">
               <a:latin typeface="Arial"/>
             </a:endParaRPr>
           </a:p>
@@ -6633,15 +7686,22 @@
           </a:ln>
         </p:spPr>
         <p:style>
-          <a:lnRef idx="0"/>
-          <a:fillRef idx="0"/>
-          <a:effectRef idx="0"/>
+          <a:lnRef idx="0">
+            <a:scrgbClr r="0" g="0" b="0"/>
+          </a:lnRef>
+          <a:fillRef idx="0">
+            <a:scrgbClr r="0" g="0" b="0"/>
+          </a:fillRef>
+          <a:effectRef idx="0">
+            <a:scrgbClr r="0" g="0" b="0"/>
+          </a:effectRef>
           <a:fontRef idx="minor"/>
         </p:style>
         <p:txBody>
-          <a:bodyPr lIns="90000" rIns="90000" tIns="45000" bIns="45000">
+          <a:bodyPr lIns="90000" tIns="45000" rIns="90000" bIns="45000">
             <a:normAutofit/>
           </a:bodyPr>
+          <a:lstStyle/>
           <a:p>
             <a:pPr marL="306000" indent="-305280">
               <a:lnSpc>
@@ -6654,40 +7714,40 @@
                 <a:spcPts val="601"/>
               </a:spcAft>
               <a:buClr>
-                <a:srgbClr val="4590b8"/>
+                <a:srgbClr val="4590B8"/>
               </a:buClr>
               <a:buSzPct val="92000"/>
               <a:buFont typeface="Wingdings 2" charset="2"/>
               <a:buChar char=""/>
             </a:pPr>
             <a:r>
-              <a:rPr b="0" lang="pt-BR" sz="2400" spc="-1" strike="noStrike">
+              <a:rPr lang="pt-BR" sz="2400" b="0" strike="noStrike" spc="-1">
                 <a:solidFill>
-                  <a:srgbClr val="3d3d3d"/>
+                  <a:srgbClr val="3D3D3D"/>
                 </a:solidFill>
                 <a:latin typeface="Gill Sans MT"/>
               </a:rPr>
               <a:t>As pessoas com quem você compartilhou podem te dar um </a:t>
             </a:r>
             <a:r>
-              <a:rPr b="0" i="1" lang="pt-BR" sz="2400" spc="-1" strike="noStrike">
+              <a:rPr lang="pt-BR" sz="2400" b="0" i="1" strike="noStrike" spc="-1">
                 <a:solidFill>
-                  <a:srgbClr val="3d3d3d"/>
+                  <a:srgbClr val="3D3D3D"/>
                 </a:solidFill>
                 <a:latin typeface="Gill Sans MT"/>
               </a:rPr>
               <a:t>feedback </a:t>
             </a:r>
             <a:r>
-              <a:rPr b="0" lang="pt-BR" sz="2400" spc="-1" strike="noStrike">
+              <a:rPr lang="pt-BR" sz="2400" b="0" strike="noStrike" spc="-1">
                 <a:solidFill>
-                  <a:srgbClr val="3d3d3d"/>
+                  <a:srgbClr val="3D3D3D"/>
                 </a:solidFill>
                 <a:latin typeface="Gill Sans MT"/>
               </a:rPr>
               <a:t>útil</a:t>
             </a:r>
-            <a:endParaRPr b="0" lang="pt-BR" sz="2400" spc="-1" strike="noStrike">
+            <a:endParaRPr lang="pt-BR" sz="2400" b="0" strike="noStrike" spc="-1">
               <a:latin typeface="Arial"/>
             </a:endParaRPr>
           </a:p>
@@ -6703,22 +7763,22 @@
                 <a:spcPts val="601"/>
               </a:spcAft>
               <a:buClr>
-                <a:srgbClr val="4590b8"/>
+                <a:srgbClr val="4590B8"/>
               </a:buClr>
               <a:buSzPct val="92000"/>
               <a:buFont typeface="Wingdings 2" charset="2"/>
               <a:buChar char=""/>
             </a:pPr>
             <a:r>
-              <a:rPr b="0" lang="pt-BR" sz="2400" spc="-1" strike="noStrike">
+              <a:rPr lang="pt-BR" sz="2400" b="0" strike="noStrike" spc="-1">
                 <a:solidFill>
-                  <a:srgbClr val="3d3d3d"/>
+                  <a:srgbClr val="3D3D3D"/>
                 </a:solidFill>
                 <a:latin typeface="Gill Sans MT"/>
               </a:rPr>
               <a:t>Tente incorporar ideias para sua solução inovadora</a:t>
             </a:r>
-            <a:endParaRPr b="0" lang="pt-BR" sz="2400" spc="-1" strike="noStrike">
+            <a:endParaRPr lang="pt-BR" sz="2400" b="0" strike="noStrike" spc="-1">
               <a:latin typeface="Arial"/>
             </a:endParaRPr>
           </a:p>
@@ -6734,22 +7794,22 @@
                 <a:spcPts val="601"/>
               </a:spcAft>
               <a:buClr>
-                <a:srgbClr val="4590b8"/>
+                <a:srgbClr val="4590B8"/>
               </a:buClr>
               <a:buSzPct val="92000"/>
               <a:buFont typeface="Wingdings 2" charset="2"/>
               <a:buChar char=""/>
             </a:pPr>
             <a:r>
-              <a:rPr b="0" lang="pt-BR" sz="2400" spc="-1" strike="noStrike">
+              <a:rPr lang="pt-BR" sz="2400" b="0" strike="noStrike" spc="-1">
                 <a:solidFill>
-                  <a:srgbClr val="3d3d3d"/>
+                  <a:srgbClr val="3D3D3D"/>
                 </a:solidFill>
                 <a:latin typeface="Gill Sans MT"/>
               </a:rPr>
               <a:t>Provavelmenye, as perguntas que eles fizerem serão as dos juízes</a:t>
             </a:r>
-            <a:endParaRPr b="0" lang="pt-BR" sz="2400" spc="-1" strike="noStrike">
+            <a:endParaRPr lang="pt-BR" sz="2400" b="0" strike="noStrike" spc="-1">
               <a:latin typeface="Arial"/>
             </a:endParaRPr>
           </a:p>
@@ -6765,40 +7825,40 @@
                 <a:spcPts val="601"/>
               </a:spcAft>
               <a:buClr>
-                <a:srgbClr val="4590b8"/>
+                <a:srgbClr val="4590B8"/>
               </a:buClr>
               <a:buSzPct val="92000"/>
               <a:buFont typeface="Wingdings 2" charset="2"/>
               <a:buChar char=""/>
             </a:pPr>
             <a:r>
-              <a:rPr b="0" lang="pt-BR" sz="2400" spc="-1" strike="noStrike">
+              <a:rPr lang="pt-BR" sz="2400" b="0" strike="noStrike" spc="-1">
                 <a:solidFill>
-                  <a:srgbClr val="3d3d3d"/>
+                  <a:srgbClr val="3D3D3D"/>
                 </a:solidFill>
                 <a:latin typeface="Gill Sans MT"/>
               </a:rPr>
               <a:t>Escutem o </a:t>
             </a:r>
             <a:r>
-              <a:rPr b="0" i="1" lang="pt-BR" sz="2400" spc="-1" strike="noStrike">
+              <a:rPr lang="pt-BR" sz="2400" b="0" i="1" strike="noStrike" spc="-1">
                 <a:solidFill>
-                  <a:srgbClr val="3d3d3d"/>
+                  <a:srgbClr val="3D3D3D"/>
                 </a:solidFill>
                 <a:latin typeface="Gill Sans MT"/>
               </a:rPr>
               <a:t>feedback </a:t>
             </a:r>
             <a:r>
-              <a:rPr b="0" lang="pt-BR" sz="2400" spc="-1" strike="noStrike">
+              <a:rPr lang="pt-BR" sz="2400" b="0" strike="noStrike" spc="-1">
                 <a:solidFill>
-                  <a:srgbClr val="3d3d3d"/>
+                  <a:srgbClr val="3D3D3D"/>
                 </a:solidFill>
                 <a:latin typeface="Gill Sans MT"/>
               </a:rPr>
               <a:t>deles e usem para melhorar a apresentação</a:t>
             </a:r>
-            <a:endParaRPr b="0" lang="pt-BR" sz="2400" spc="-1" strike="noStrike">
+            <a:endParaRPr lang="pt-BR" sz="2400" b="0" strike="noStrike" spc="-1">
               <a:latin typeface="Arial"/>
             </a:endParaRPr>
           </a:p>
@@ -6814,7 +7874,7 @@
                 <a:spcPts val="601"/>
               </a:spcAft>
             </a:pPr>
-            <a:endParaRPr b="0" lang="pt-BR" sz="2400" spc="-1" strike="noStrike">
+            <a:endParaRPr lang="pt-BR" sz="2400" b="0" strike="noStrike" spc="-1">
               <a:latin typeface="Arial"/>
             </a:endParaRPr>
           </a:p>
@@ -6840,13 +7900,20 @@
           </a:ln>
         </p:spPr>
         <p:style>
-          <a:lnRef idx="0"/>
-          <a:fillRef idx="0"/>
-          <a:effectRef idx="0"/>
+          <a:lnRef idx="0">
+            <a:scrgbClr r="0" g="0" b="0"/>
+          </a:lnRef>
+          <a:fillRef idx="0">
+            <a:scrgbClr r="0" g="0" b="0"/>
+          </a:fillRef>
+          <a:effectRef idx="0">
+            <a:scrgbClr r="0" g="0" b="0"/>
+          </a:effectRef>
           <a:fontRef idx="minor"/>
         </p:style>
         <p:txBody>
-          <a:bodyPr lIns="90000" rIns="90000" tIns="45000" bIns="45000"/>
+          <a:bodyPr lIns="90000" tIns="45000" rIns="90000" bIns="45000"/>
+          <a:lstStyle/>
           <a:p>
             <a:pPr>
               <a:lnSpc>
@@ -6854,15 +7921,15 @@
               </a:lnSpc>
             </a:pPr>
             <a:fld id="{71721F5F-9DD7-406B-B866-698472EAA4E7}" type="slidenum">
-              <a:rPr b="0" lang="pt-BR" sz="1800" spc="-1" strike="noStrike">
+              <a:rPr lang="pt-BR" sz="1800" b="0" strike="noStrike" spc="-1">
                 <a:solidFill>
-                  <a:srgbClr val="537ed0"/>
+                  <a:srgbClr val="537ED0"/>
                 </a:solidFill>
                 <a:latin typeface="Gill Sans MT"/>
               </a:rPr>
-              <a:t>&lt;número&gt;</a:t>
+              <a:t>7</a:t>
             </a:fld>
-            <a:endParaRPr b="0" lang="pt-BR" sz="1800" spc="-1" strike="noStrike">
+            <a:endParaRPr lang="pt-BR" sz="1800" b="0" strike="noStrike" spc="-1">
               <a:latin typeface="Arial"/>
             </a:endParaRPr>
           </a:p>
@@ -6870,12 +7937,12 @@
       </p:sp>
       <p:pic>
         <p:nvPicPr>
-          <p:cNvPr id="125" name="Picture 5" descr=""/>
+          <p:cNvPr id="125" name="Picture 5"/>
           <p:cNvPicPr/>
           <p:nvPr/>
         </p:nvPicPr>
         <p:blipFill>
-          <a:blip r:embed="rId1"/>
+          <a:blip r:embed="rId3"/>
           <a:stretch/>
         </p:blipFill>
         <p:spPr>
@@ -6911,13 +7978,20 @@
           </a:ln>
         </p:spPr>
         <p:style>
-          <a:lnRef idx="0"/>
-          <a:fillRef idx="0"/>
-          <a:effectRef idx="0"/>
+          <a:lnRef idx="0">
+            <a:scrgbClr r="0" g="0" b="0"/>
+          </a:lnRef>
+          <a:fillRef idx="0">
+            <a:scrgbClr r="0" g="0" b="0"/>
+          </a:fillRef>
+          <a:effectRef idx="0">
+            <a:scrgbClr r="0" g="0" b="0"/>
+          </a:effectRef>
           <a:fontRef idx="minor"/>
         </p:style>
         <p:txBody>
-          <a:bodyPr lIns="90000" rIns="90000" tIns="45000" bIns="45000"/>
+          <a:bodyPr lIns="90000" tIns="45000" rIns="90000" bIns="45000"/>
+          <a:lstStyle/>
           <a:p>
             <a:pPr>
               <a:lnSpc>
@@ -6925,16 +7999,16 @@
               </a:lnSpc>
             </a:pPr>
             <a:r>
-              <a:rPr b="0" lang="pt-BR" sz="1800" spc="-1" strike="noStrike">
+              <a:rPr lang="pt-BR" sz="1800" b="0" strike="noStrike" spc="-1">
                 <a:solidFill>
-                  <a:srgbClr val="537ed0"/>
+                  <a:srgbClr val="537ED0"/>
                 </a:solidFill>
                 <a:latin typeface="Gill Sans MT"/>
                 <a:ea typeface="DejaVu Sans"/>
               </a:rPr>
               <a:t>© 2018, FLL Tutorials (Última edição em 28/08/2018)</a:t>
             </a:r>
-            <a:endParaRPr b="0" lang="pt-BR" sz="1800" spc="-1" strike="noStrike">
+            <a:endParaRPr lang="pt-BR" sz="1800" b="0" strike="noStrike" spc="-1">
               <a:latin typeface="Arial"/>
             </a:endParaRPr>
           </a:p>
@@ -6942,22 +8016,25 @@
       </p:sp>
     </p:spTree>
   </p:cSld>
+  <p:clrMapOvr>
+    <a:masterClrMapping/>
+  </p:clrMapOvr>
   <p:timing>
     <p:tnLst>
       <p:par>
-        <p:cTn id="13" dur="indefinite" restart="never" nodeType="tmRoot">
+        <p:cTn id="1" dur="indefinite" restart="never" nodeType="tmRoot">
           <p:childTnLst>
             <p:seq>
-              <p:cTn id="14" dur="indefinite" nodeType="mainSeq"/>
+              <p:cTn id="2" dur="indefinite" nodeType="mainSeq"/>
               <p:prevCondLst>
-                <p:cond delay="0" evt="onPrev">
+                <p:cond evt="onPrev" delay="0">
                   <p:tgtEl>
                     <p:sldTgt/>
                   </p:tgtEl>
                 </p:cond>
               </p:prevCondLst>
               <p:nextCondLst>
-                <p:cond delay="0" evt="onNext">
+                <p:cond evt="onNext" delay="0">
                   <p:tgtEl>
                     <p:sldTgt/>
                   </p:tgtEl>
@@ -6973,7 +8050,7 @@
 </file>
 
 <file path=ppt/slides/slide8.xml><?xml version="1.0" encoding="utf-8"?>
-<p:sld xmlns:a="http://schemas.openxmlformats.org/drawingml/2006/main" xmlns:p="http://schemas.openxmlformats.org/presentationml/2006/main" xmlns:r="http://schemas.openxmlformats.org/officeDocument/2006/relationships" xmlns:p14="http://schemas.microsoft.com/office/powerpoint/2010/main" xmlns:p15="http://schemas.microsoft.com/office/powerpoint/2012/main" xmlns:mc="http://schemas.openxmlformats.org/markup-compatibility/2006">
+<p:sld xmlns:a="http://schemas.openxmlformats.org/drawingml/2006/main" xmlns:r="http://schemas.openxmlformats.org/officeDocument/2006/relationships" xmlns:p="http://schemas.openxmlformats.org/presentationml/2006/main">
   <p:cSld>
     <p:spTree>
       <p:nvGrpSpPr>
@@ -7009,13 +8086,20 @@
           </a:ln>
         </p:spPr>
         <p:style>
-          <a:lnRef idx="0"/>
-          <a:fillRef idx="0"/>
-          <a:effectRef idx="0"/>
+          <a:lnRef idx="0">
+            <a:scrgbClr r="0" g="0" b="0"/>
+          </a:lnRef>
+          <a:fillRef idx="0">
+            <a:scrgbClr r="0" g="0" b="0"/>
+          </a:fillRef>
+          <a:effectRef idx="0">
+            <a:scrgbClr r="0" g="0" b="0"/>
+          </a:effectRef>
           <a:fontRef idx="minor"/>
         </p:style>
         <p:txBody>
-          <a:bodyPr lIns="90000" rIns="90000" tIns="45000" bIns="45000" anchor="b"/>
+          <a:bodyPr lIns="90000" tIns="45000" rIns="90000" bIns="45000" anchor="b"/>
+          <a:lstStyle/>
           <a:p>
             <a:pPr>
               <a:lnSpc>
@@ -7023,15 +8107,15 @@
               </a:lnSpc>
             </a:pPr>
             <a:r>
-              <a:rPr b="0" lang="pt-BR" sz="2800" spc="-1" strike="noStrike" cap="all">
+              <a:rPr lang="pt-BR" sz="2800" b="0" strike="noStrike" cap="all" spc="-1">
                 <a:solidFill>
-                  <a:srgbClr val="ffffff"/>
+                  <a:srgbClr val="FFFFFF"/>
                 </a:solidFill>
                 <a:latin typeface="Gill Sans MT"/>
               </a:rPr>
               <a:t>Créditos</a:t>
             </a:r>
-            <a:endParaRPr b="0" lang="pt-BR" sz="2800" spc="-1" strike="noStrike">
+            <a:endParaRPr lang="pt-BR" sz="2800" b="0" strike="noStrike" spc="-1">
               <a:latin typeface="Arial"/>
             </a:endParaRPr>
           </a:p>
@@ -7057,15 +8141,22 @@
           </a:ln>
         </p:spPr>
         <p:style>
-          <a:lnRef idx="0"/>
-          <a:fillRef idx="0"/>
-          <a:effectRef idx="0"/>
+          <a:lnRef idx="0">
+            <a:scrgbClr r="0" g="0" b="0"/>
+          </a:lnRef>
+          <a:fillRef idx="0">
+            <a:scrgbClr r="0" g="0" b="0"/>
+          </a:fillRef>
+          <a:effectRef idx="0">
+            <a:scrgbClr r="0" g="0" b="0"/>
+          </a:effectRef>
           <a:fontRef idx="minor"/>
         </p:style>
         <p:txBody>
-          <a:bodyPr lIns="90000" rIns="90000" tIns="45000" bIns="45000">
+          <a:bodyPr lIns="90000" tIns="45000" rIns="90000" bIns="45000">
             <a:normAutofit/>
           </a:bodyPr>
+          <a:lstStyle/>
           <a:p>
             <a:pPr marL="306000" indent="-305280">
               <a:lnSpc>
@@ -7078,22 +8169,22 @@
                 <a:spcPts val="601"/>
               </a:spcAft>
               <a:buClr>
-                <a:srgbClr val="4590b8"/>
+                <a:srgbClr val="4590B8"/>
               </a:buClr>
               <a:buSzPct val="92000"/>
               <a:buFont typeface="Wingdings 2" charset="2"/>
               <a:buChar char=""/>
             </a:pPr>
             <a:r>
-              <a:rPr b="0" lang="pt-BR" sz="2000" spc="-1" strike="noStrike">
+              <a:rPr lang="pt-BR" sz="2000" b="0" strike="noStrike" spc="-1">
                 <a:solidFill>
-                  <a:srgbClr val="3d3d3d"/>
+                  <a:srgbClr val="3D3D3D"/>
                 </a:solidFill>
                 <a:latin typeface="Gill Sans MT"/>
               </a:rPr>
               <a:t>Essa lição foi escrita por Sanjay e Arvind do Not the Droids You Are Looking For e Team 3659 NeXT GEN (Facebook: Garrett County FIRST LEGO League Team 3659). </a:t>
             </a:r>
-            <a:endParaRPr b="0" lang="pt-BR" sz="2000" spc="-1" strike="noStrike">
+            <a:endParaRPr lang="pt-BR" sz="2000" b="0" strike="noStrike" spc="-1">
               <a:latin typeface="Arial"/>
             </a:endParaRPr>
           </a:p>
@@ -7109,53 +8200,53 @@
                 <a:spcPts val="601"/>
               </a:spcAft>
               <a:buClr>
-                <a:srgbClr val="4590b8"/>
+                <a:srgbClr val="4590B8"/>
               </a:buClr>
               <a:buSzPct val="92000"/>
               <a:buFont typeface="Wingdings 2" charset="2"/>
               <a:buChar char=""/>
             </a:pPr>
             <a:r>
-              <a:rPr b="0" lang="pt-BR" sz="2000" spc="-1" strike="noStrike">
+              <a:rPr lang="pt-BR" sz="2000" b="0" strike="noStrike" spc="-1">
                 <a:solidFill>
-                  <a:srgbClr val="3d3d3d"/>
+                  <a:srgbClr val="3D3D3D"/>
                 </a:solidFill>
                 <a:latin typeface="Gill Sans MT"/>
               </a:rPr>
               <a:t>Mais lições disponíveis nos sites </a:t>
             </a:r>
             <a:r>
-              <a:rPr b="0" lang="pt-BR" sz="2000" spc="-1" strike="noStrike" u="sng">
+              <a:rPr lang="pt-BR" sz="2000" b="0" u="sng" strike="noStrike" spc="-1">
                 <a:solidFill>
-                  <a:srgbClr val="0000ff"/>
-                </a:solidFill>
-                <a:uFillTx/>
-                <a:latin typeface="Gill Sans MT"/>
-                <a:hlinkClick r:id="rId1"/>
-              </a:rPr>
-              <a:t>www.ev3lessons.com</a:t>
-            </a:r>
-            <a:r>
-              <a:rPr b="0" lang="pt-BR" sz="2000" spc="-1" strike="noStrike">
-                <a:solidFill>
-                  <a:srgbClr val="3d3d3d"/>
-                </a:solidFill>
-                <a:latin typeface="Gill Sans MT"/>
-              </a:rPr>
-              <a:t> e </a:t>
-            </a:r>
-            <a:r>
-              <a:rPr b="0" lang="pt-BR" sz="2000" spc="-1" strike="noStrike" u="sng">
-                <a:solidFill>
-                  <a:srgbClr val="0000ff"/>
+                  <a:srgbClr val="0000FF"/>
                 </a:solidFill>
                 <a:uFillTx/>
                 <a:latin typeface="Gill Sans MT"/>
                 <a:hlinkClick r:id="rId2"/>
               </a:rPr>
+              <a:t>www.ev3lessons.com</a:t>
+            </a:r>
+            <a:r>
+              <a:rPr lang="pt-BR" sz="2000" b="0" strike="noStrike" spc="-1">
+                <a:solidFill>
+                  <a:srgbClr val="3D3D3D"/>
+                </a:solidFill>
+                <a:latin typeface="Gill Sans MT"/>
+              </a:rPr>
+              <a:t> e </a:t>
+            </a:r>
+            <a:r>
+              <a:rPr lang="pt-BR" sz="2000" b="0" u="sng" strike="noStrike" spc="-1">
+                <a:solidFill>
+                  <a:srgbClr val="0000FF"/>
+                </a:solidFill>
+                <a:uFillTx/>
+                <a:latin typeface="Gill Sans MT"/>
+                <a:hlinkClick r:id="rId3"/>
+              </a:rPr>
               <a:t>www.flltutorials.com</a:t>
             </a:r>
-            <a:endParaRPr b="0" lang="pt-BR" sz="2000" spc="-1" strike="noStrike">
+            <a:endParaRPr lang="pt-BR" sz="2000" b="0" strike="noStrike" spc="-1">
               <a:latin typeface="Arial"/>
             </a:endParaRPr>
           </a:p>
@@ -7171,14 +8262,14 @@
                 <a:spcPts val="601"/>
               </a:spcAft>
               <a:buClr>
-                <a:srgbClr val="4590b8"/>
+                <a:srgbClr val="4590B8"/>
               </a:buClr>
               <a:buSzPct val="92000"/>
               <a:buFont typeface="Wingdings 2" charset="2"/>
               <a:buChar char=""/>
             </a:pPr>
             <a:r>
-              <a:rPr b="0" lang="pt-BR" sz="2000" spc="-1" strike="noStrike">
+              <a:rPr lang="pt-BR" sz="2000" b="0" strike="noStrike" spc="-1">
                 <a:solidFill>
                   <a:srgbClr val="000000"/>
                 </a:solidFill>
@@ -7186,7 +8277,7 @@
               </a:rPr>
               <a:t>Traduzido por Equipe Sunrise, de Santa Catarina, Brasil</a:t>
             </a:r>
-            <a:endParaRPr b="0" lang="pt-BR" sz="2000" spc="-1" strike="noStrike">
+            <a:endParaRPr lang="pt-BR" sz="2000" b="0" strike="noStrike" spc="-1">
               <a:latin typeface="Arial"/>
             </a:endParaRPr>
           </a:p>
@@ -7202,7 +8293,7 @@
                 <a:spcPts val="601"/>
               </a:spcAft>
             </a:pPr>
-            <a:endParaRPr b="0" lang="pt-BR" sz="2000" spc="-1" strike="noStrike">
+            <a:endParaRPr lang="pt-BR" sz="2000" b="0" strike="noStrike" spc="-1">
               <a:latin typeface="Arial"/>
             </a:endParaRPr>
           </a:p>
@@ -7218,7 +8309,7 @@
                 <a:spcPts val="601"/>
               </a:spcAft>
             </a:pPr>
-            <a:endParaRPr b="0" lang="pt-BR" sz="2000" spc="-1" strike="noStrike">
+            <a:endParaRPr lang="pt-BR" sz="2000" b="0" strike="noStrike" spc="-1">
               <a:latin typeface="Arial"/>
             </a:endParaRPr>
           </a:p>
@@ -7234,7 +8325,7 @@
                 <a:spcPts val="601"/>
               </a:spcAft>
             </a:pPr>
-            <a:endParaRPr b="0" lang="pt-BR" sz="2000" spc="-1" strike="noStrike">
+            <a:endParaRPr lang="pt-BR" sz="2000" b="0" strike="noStrike" spc="-1">
               <a:latin typeface="Arial"/>
             </a:endParaRPr>
           </a:p>
@@ -7260,13 +8351,20 @@
           </a:ln>
         </p:spPr>
         <p:style>
-          <a:lnRef idx="0"/>
-          <a:fillRef idx="0"/>
-          <a:effectRef idx="0"/>
+          <a:lnRef idx="0">
+            <a:scrgbClr r="0" g="0" b="0"/>
+          </a:lnRef>
+          <a:fillRef idx="0">
+            <a:scrgbClr r="0" g="0" b="0"/>
+          </a:fillRef>
+          <a:effectRef idx="0">
+            <a:scrgbClr r="0" g="0" b="0"/>
+          </a:effectRef>
           <a:fontRef idx="minor"/>
         </p:style>
         <p:txBody>
-          <a:bodyPr lIns="90000" rIns="90000" tIns="45000" bIns="45000"/>
+          <a:bodyPr lIns="90000" tIns="45000" rIns="90000" bIns="45000"/>
+          <a:lstStyle/>
           <a:p>
             <a:pPr>
               <a:lnSpc>
@@ -7274,15 +8372,15 @@
               </a:lnSpc>
             </a:pPr>
             <a:fld id="{CF8D0B6E-598D-48EF-8CAD-95C33BE37B2C}" type="slidenum">
-              <a:rPr b="0" lang="pt-BR" sz="1800" spc="-1" strike="noStrike">
+              <a:rPr lang="pt-BR" sz="1800" b="0" strike="noStrike" spc="-1">
                 <a:solidFill>
-                  <a:srgbClr val="537ed0"/>
+                  <a:srgbClr val="537ED0"/>
                 </a:solidFill>
                 <a:latin typeface="Gill Sans MT"/>
               </a:rPr>
-              <a:t>&lt;número&gt;</a:t>
+              <a:t>8</a:t>
             </a:fld>
-            <a:endParaRPr b="0" lang="pt-BR" sz="1800" spc="-1" strike="noStrike">
+            <a:endParaRPr lang="pt-BR" sz="1800" b="0" strike="noStrike" spc="-1">
               <a:latin typeface="Arial"/>
             </a:endParaRPr>
           </a:p>
@@ -7290,12 +8388,12 @@
       </p:sp>
       <p:pic>
         <p:nvPicPr>
-          <p:cNvPr id="130" name="Picture 5" descr=""/>
+          <p:cNvPr id="130" name="Picture 5"/>
           <p:cNvPicPr/>
           <p:nvPr/>
         </p:nvPicPr>
         <p:blipFill>
-          <a:blip r:embed="rId3"/>
+          <a:blip r:embed="rId4"/>
           <a:stretch/>
         </p:blipFill>
         <p:spPr>
@@ -7331,13 +8429,20 @@
           </a:ln>
         </p:spPr>
         <p:style>
-          <a:lnRef idx="0"/>
-          <a:fillRef idx="0"/>
-          <a:effectRef idx="0"/>
+          <a:lnRef idx="0">
+            <a:scrgbClr r="0" g="0" b="0"/>
+          </a:lnRef>
+          <a:fillRef idx="0">
+            <a:scrgbClr r="0" g="0" b="0"/>
+          </a:fillRef>
+          <a:effectRef idx="0">
+            <a:scrgbClr r="0" g="0" b="0"/>
+          </a:effectRef>
           <a:fontRef idx="minor"/>
         </p:style>
         <p:txBody>
-          <a:bodyPr lIns="90000" rIns="90000" tIns="45000" bIns="45000"/>
+          <a:bodyPr lIns="90000" tIns="45000" rIns="90000" bIns="45000"/>
+          <a:lstStyle/>
           <a:p>
             <a:pPr>
               <a:lnSpc>
@@ -7345,16 +8450,16 @@
               </a:lnSpc>
             </a:pPr>
             <a:r>
-              <a:rPr b="0" lang="pt-BR" sz="1800" spc="-1" strike="noStrike">
+              <a:rPr lang="pt-BR" sz="1800" b="0" strike="noStrike" spc="-1">
                 <a:solidFill>
-                  <a:srgbClr val="537ed0"/>
+                  <a:srgbClr val="537ED0"/>
                 </a:solidFill>
                 <a:latin typeface="Gill Sans MT"/>
                 <a:ea typeface="DejaVu Sans"/>
               </a:rPr>
               <a:t>© 2018, FLL Tutorials (Última edição em 28/08/2018)</a:t>
             </a:r>
-            <a:endParaRPr b="0" lang="pt-BR" sz="1800" spc="-1" strike="noStrike">
+            <a:endParaRPr lang="pt-BR" sz="1800" b="0" strike="noStrike" spc="-1">
               <a:latin typeface="Arial"/>
             </a:endParaRPr>
           </a:p>
@@ -7362,22 +8467,25 @@
       </p:sp>
     </p:spTree>
   </p:cSld>
+  <p:clrMapOvr>
+    <a:masterClrMapping/>
+  </p:clrMapOvr>
   <p:timing>
     <p:tnLst>
       <p:par>
-        <p:cTn id="15" dur="indefinite" restart="never" nodeType="tmRoot">
+        <p:cTn id="1" dur="indefinite" restart="never" nodeType="tmRoot">
           <p:childTnLst>
             <p:seq>
-              <p:cTn id="16" dur="indefinite" nodeType="mainSeq"/>
+              <p:cTn id="2" dur="indefinite" nodeType="mainSeq"/>
               <p:prevCondLst>
-                <p:cond delay="0" evt="onPrev">
+                <p:cond evt="onPrev" delay="0">
                   <p:tgtEl>
                     <p:sldTgt/>
                   </p:tgtEl>
                 </p:cond>
               </p:prevCondLst>
               <p:nextCondLst>
-                <p:cond delay="0" evt="onNext">
+                <p:cond evt="onNext" delay="0">
                   <p:tgtEl>
                     <p:sldTgt/>
                   </p:tgtEl>
@@ -7403,34 +8511,34 @@
         <a:sysClr val="window" lastClr="FFFFFF"/>
       </a:lt1>
       <a:dk2>
-        <a:srgbClr val="3d3d3d"/>
+        <a:srgbClr val="3D3D3D"/>
       </a:dk2>
       <a:lt2>
-        <a:srgbClr val="ebebeb"/>
+        <a:srgbClr val="EBEBEB"/>
       </a:lt2>
       <a:accent1>
-        <a:srgbClr val="1a3260"/>
+        <a:srgbClr val="1A3260"/>
       </a:accent1>
       <a:accent2>
-        <a:srgbClr val="4590b8"/>
+        <a:srgbClr val="4590B8"/>
       </a:accent2>
       <a:accent3>
-        <a:srgbClr val="45cbe8"/>
+        <a:srgbClr val="45CBE8"/>
       </a:accent3>
       <a:accent4>
-        <a:srgbClr val="969fa7"/>
+        <a:srgbClr val="969FA7"/>
       </a:accent4>
       <a:accent5>
-        <a:srgbClr val="a2c777"/>
+        <a:srgbClr val="A2C777"/>
       </a:accent5>
       <a:accent6>
-        <a:srgbClr val="42955f"/>
+        <a:srgbClr val="42955F"/>
       </a:accent6>
       <a:hlink>
         <a:srgbClr val="828282"/>
       </a:hlink>
       <a:folHlink>
-        <a:srgbClr val="a5a5a5"/>
+        <a:srgbClr val="A5A5A5"/>
       </a:folHlink>
     </a:clrScheme>
     <a:fontScheme name="Office">
@@ -7612,6 +8720,8 @@
       </a:bgFillStyleLst>
     </a:fmtScheme>
   </a:themeElements>
+  <a:objectDefaults/>
+  <a:extraClrSchemeLst/>
 </a:theme>
 </file>
 
@@ -7626,31 +8736,31 @@
         <a:sysClr val="window" lastClr="FFFFFF"/>
       </a:lt1>
       <a:dk2>
-        <a:srgbClr val="1f497d"/>
+        <a:srgbClr val="1F497D"/>
       </a:dk2>
       <a:lt2>
-        <a:srgbClr val="eeece1"/>
+        <a:srgbClr val="EEECE1"/>
       </a:lt2>
       <a:accent1>
-        <a:srgbClr val="4f81bd"/>
+        <a:srgbClr val="4F81BD"/>
       </a:accent1>
       <a:accent2>
-        <a:srgbClr val="c0504d"/>
+        <a:srgbClr val="C0504D"/>
       </a:accent2>
       <a:accent3>
-        <a:srgbClr val="9bbb59"/>
+        <a:srgbClr val="9BBB59"/>
       </a:accent3>
       <a:accent4>
-        <a:srgbClr val="8064a2"/>
+        <a:srgbClr val="8064A2"/>
       </a:accent4>
       <a:accent5>
-        <a:srgbClr val="4bacc6"/>
+        <a:srgbClr val="4BACC6"/>
       </a:accent5>
       <a:accent6>
-        <a:srgbClr val="f79646"/>
+        <a:srgbClr val="F79646"/>
       </a:accent6>
       <a:hlink>
-        <a:srgbClr val="0000ff"/>
+        <a:srgbClr val="0000FF"/>
       </a:hlink>
       <a:folHlink>
         <a:srgbClr val="800080"/>
@@ -7835,6 +8945,8 @@
       </a:bgFillStyleLst>
     </a:fmtScheme>
   </a:themeElements>
+  <a:objectDefaults/>
+  <a:extraClrSchemeLst/>
 </a:theme>
 </file>
 
@@ -7849,31 +8961,31 @@
         <a:sysClr val="window" lastClr="FFFFFF"/>
       </a:lt1>
       <a:dk2>
-        <a:srgbClr val="1f497d"/>
+        <a:srgbClr val="1F497D"/>
       </a:dk2>
       <a:lt2>
-        <a:srgbClr val="eeece1"/>
+        <a:srgbClr val="EEECE1"/>
       </a:lt2>
       <a:accent1>
-        <a:srgbClr val="4f81bd"/>
+        <a:srgbClr val="4F81BD"/>
       </a:accent1>
       <a:accent2>
-        <a:srgbClr val="c0504d"/>
+        <a:srgbClr val="C0504D"/>
       </a:accent2>
       <a:accent3>
-        <a:srgbClr val="9bbb59"/>
+        <a:srgbClr val="9BBB59"/>
       </a:accent3>
       <a:accent4>
-        <a:srgbClr val="8064a2"/>
+        <a:srgbClr val="8064A2"/>
       </a:accent4>
       <a:accent5>
-        <a:srgbClr val="4bacc6"/>
+        <a:srgbClr val="4BACC6"/>
       </a:accent5>
       <a:accent6>
-        <a:srgbClr val="f79646"/>
+        <a:srgbClr val="F79646"/>
       </a:accent6>
       <a:hlink>
-        <a:srgbClr val="0000ff"/>
+        <a:srgbClr val="0000FF"/>
       </a:hlink>
       <a:folHlink>
         <a:srgbClr val="800080"/>
@@ -8058,5 +9170,7 @@
       </a:bgFillStyleLst>
     </a:fmtScheme>
   </a:themeElements>
+  <a:objectDefaults/>
+  <a:extraClrSchemeLst/>
 </a:theme>
 </file>